--- a/Credit Loan Presentation.pptx
+++ b/Credit Loan Presentation.pptx
@@ -6,14 +6,16 @@
   </p:sldMasterIdLst>
   <p:sldIdLst>
     <p:sldId id="256" r:id="rId2"/>
-    <p:sldId id="257" r:id="rId3"/>
-    <p:sldId id="258" r:id="rId4"/>
-    <p:sldId id="259" r:id="rId5"/>
-    <p:sldId id="263" r:id="rId6"/>
-    <p:sldId id="260" r:id="rId7"/>
-    <p:sldId id="261" r:id="rId8"/>
-    <p:sldId id="262" r:id="rId9"/>
-    <p:sldId id="264" r:id="rId10"/>
+    <p:sldId id="265" r:id="rId3"/>
+    <p:sldId id="257" r:id="rId4"/>
+    <p:sldId id="266" r:id="rId5"/>
+    <p:sldId id="258" r:id="rId6"/>
+    <p:sldId id="259" r:id="rId7"/>
+    <p:sldId id="263" r:id="rId8"/>
+    <p:sldId id="260" r:id="rId9"/>
+    <p:sldId id="261" r:id="rId10"/>
+    <p:sldId id="262" r:id="rId11"/>
+    <p:sldId id="264" r:id="rId12"/>
   </p:sldIdLst>
   <p:sldSz cx="12192000" cy="6858000"/>
   <p:notesSz cx="6858000" cy="9144000"/>
@@ -215,7 +217,7 @@
           <a:effectLst/>
           <a:extLst>
             <a:ext uri="{91240B29-F687-4f45-9708-019B960494DF}">
-              <a14:hiddenLine xmlns="" xmlns:a14="http://schemas.microsoft.com/office/drawing/2010/main" w="9525">
+              <a14:hiddenLine xmlns:a14="http://schemas.microsoft.com/office/drawing/2010/main" xmlns="" w="9525">
                 <a:solidFill>
                   <a:srgbClr val="000000"/>
                 </a:solidFill>
@@ -408,7 +410,7 @@
             <a:fld id="{08B9EBBA-996F-894A-B54A-D6246ED52CEA}" type="datetimeFigureOut">
               <a:rPr lang="en-US" dirty="0"/>
               <a:pPr/>
-              <a:t>1/7/24</a:t>
+              <a:t>1/8/24</a:t>
             </a:fld>
             <a:endParaRPr lang="en-US" dirty="0"/>
           </a:p>
@@ -723,7 +725,7 @@
             <a:fld id="{18C79C5D-2A6F-F04D-97DA-BEF2467B64E4}" type="datetimeFigureOut">
               <a:rPr lang="en-US" dirty="0"/>
               <a:pPr/>
-              <a:t>1/7/24</a:t>
+              <a:t>1/8/24</a:t>
             </a:fld>
             <a:endParaRPr lang="en-US" dirty="0"/>
           </a:p>
@@ -1208,7 +1210,7 @@
             <a:fld id="{8DFA1846-DA80-1C48-A609-854EA85C59AD}" type="datetimeFigureOut">
               <a:rPr lang="en-US" dirty="0"/>
               <a:pPr/>
-              <a:t>1/7/24</a:t>
+              <a:t>1/8/24</a:t>
             </a:fld>
             <a:endParaRPr lang="en-US" dirty="0"/>
           </a:p>
@@ -1574,7 +1576,7 @@
             <a:fld id="{FBF54567-0DE4-3F47-BF90-CB84690072F9}" type="datetimeFigureOut">
               <a:rPr lang="en-US" dirty="0"/>
               <a:pPr/>
-              <a:t>1/7/24</a:t>
+              <a:t>1/8/24</a:t>
             </a:fld>
             <a:endParaRPr lang="en-US" dirty="0"/>
           </a:p>
@@ -1725,7 +1727,7 @@
           <a:ln/>
           <a:extLst>
             <a:ext uri="{91240B29-F687-4f45-9708-019B960494DF}">
-              <a14:hiddenLine xmlns="" xmlns:a14="http://schemas.microsoft.com/office/drawing/2010/main" w="9525">
+              <a14:hiddenLine xmlns:a14="http://schemas.microsoft.com/office/drawing/2010/main" xmlns="" w="9525">
                 <a:solidFill>
                   <a:srgbClr val="000000"/>
                 </a:solidFill>
@@ -1844,7 +1846,7 @@
             <a:fld id="{C6C52C72-DE31-F449-A4ED-4C594FD91407}" type="datetimeFigureOut">
               <a:rPr lang="en-US" dirty="0"/>
               <a:pPr/>
-              <a:t>1/7/24</a:t>
+              <a:t>1/8/24</a:t>
             </a:fld>
             <a:endParaRPr lang="en-US" dirty="0"/>
           </a:p>
@@ -1997,7 +1999,7 @@
           <a:ln/>
           <a:extLst>
             <a:ext uri="{91240B29-F687-4f45-9708-019B960494DF}">
-              <a14:hiddenLine xmlns="" xmlns:a14="http://schemas.microsoft.com/office/drawing/2010/main" w="9525">
+              <a14:hiddenLine xmlns:a14="http://schemas.microsoft.com/office/drawing/2010/main" xmlns="" w="9525">
                 <a:solidFill>
                   <a:srgbClr val="000000"/>
                 </a:solidFill>
@@ -2126,7 +2128,7 @@
             <a:fld id="{ED62726E-379B-B349-9EED-81ED093FA806}" type="datetimeFigureOut">
               <a:rPr lang="en-US" dirty="0"/>
               <a:pPr/>
-              <a:t>1/7/24</a:t>
+              <a:t>1/8/24</a:t>
             </a:fld>
             <a:endParaRPr lang="en-US" dirty="0"/>
           </a:p>
@@ -2277,7 +2279,7 @@
           <a:ln/>
           <a:extLst>
             <a:ext uri="{91240B29-F687-4f45-9708-019B960494DF}">
-              <a14:hiddenLine xmlns="" xmlns:a14="http://schemas.microsoft.com/office/drawing/2010/main" w="9525">
+              <a14:hiddenLine xmlns:a14="http://schemas.microsoft.com/office/drawing/2010/main" xmlns="" w="9525">
                 <a:solidFill>
                   <a:srgbClr val="000000"/>
                 </a:solidFill>
@@ -2406,7 +2408,7 @@
             <a:fld id="{9B3A1323-8D79-1946-B0D7-40001CF92E9D}" type="datetimeFigureOut">
               <a:rPr lang="en-US" dirty="0"/>
               <a:pPr/>
-              <a:t>1/7/24</a:t>
+              <a:t>1/8/24</a:t>
             </a:fld>
             <a:endParaRPr lang="en-US" dirty="0"/>
           </a:p>
@@ -2746,7 +2748,7 @@
             <a:fld id="{8DFA1846-DA80-1C48-A609-854EA85C59AD}" type="datetimeFigureOut">
               <a:rPr lang="en-US" dirty="0"/>
               <a:pPr/>
-              <a:t>1/7/24</a:t>
+              <a:t>1/8/24</a:t>
             </a:fld>
             <a:endParaRPr lang="en-US" dirty="0"/>
           </a:p>
@@ -2897,7 +2899,7 @@
           <a:ln/>
           <a:extLst>
             <a:ext uri="{91240B29-F687-4f45-9708-019B960494DF}">
-              <a14:hiddenLine xmlns="" xmlns:a14="http://schemas.microsoft.com/office/drawing/2010/main" w="9525">
+              <a14:hiddenLine xmlns:a14="http://schemas.microsoft.com/office/drawing/2010/main" xmlns="" w="9525">
                 <a:solidFill>
                   <a:srgbClr val="000000"/>
                 </a:solidFill>
@@ -3082,7 +3084,7 @@
             <a:fld id="{57302355-E14B-8545-A8F8-0FE83CC9D524}" type="datetimeFigureOut">
               <a:rPr lang="en-US" dirty="0"/>
               <a:pPr/>
-              <a:t>1/7/24</a:t>
+              <a:t>1/8/24</a:t>
             </a:fld>
             <a:endParaRPr lang="en-US" dirty="0"/>
           </a:p>
@@ -3233,7 +3235,7 @@
           <a:ln/>
           <a:extLst>
             <a:ext uri="{91240B29-F687-4f45-9708-019B960494DF}">
-              <a14:hiddenLine xmlns="" xmlns:a14="http://schemas.microsoft.com/office/drawing/2010/main" w="9525">
+              <a14:hiddenLine xmlns:a14="http://schemas.microsoft.com/office/drawing/2010/main" xmlns="" w="9525">
                 <a:solidFill>
                   <a:srgbClr val="000000"/>
                 </a:solidFill>
@@ -3556,7 +3558,7 @@
             <a:fld id="{02640F58-564D-2B4F-AE67-E407BA4FCF45}" type="datetimeFigureOut">
               <a:rPr lang="en-US" dirty="0"/>
               <a:pPr/>
-              <a:t>1/7/24</a:t>
+              <a:t>1/8/24</a:t>
             </a:fld>
             <a:endParaRPr lang="en-US" dirty="0"/>
           </a:p>
@@ -3707,7 +3709,7 @@
           <a:ln/>
           <a:extLst>
             <a:ext uri="{91240B29-F687-4f45-9708-019B960494DF}">
-              <a14:hiddenLine xmlns="" xmlns:a14="http://schemas.microsoft.com/office/drawing/2010/main" w="9525">
+              <a14:hiddenLine xmlns:a14="http://schemas.microsoft.com/office/drawing/2010/main" xmlns="" w="9525">
                 <a:solidFill>
                   <a:srgbClr val="000000"/>
                 </a:solidFill>
@@ -3774,7 +3776,7 @@
             <a:fld id="{F13A34C8-038E-2045-AF43-DF7DBB8E0E9E}" type="datetimeFigureOut">
               <a:rPr lang="en-US" dirty="0"/>
               <a:pPr/>
-              <a:t>1/7/24</a:t>
+              <a:t>1/8/24</a:t>
             </a:fld>
             <a:endParaRPr lang="en-US" dirty="0"/>
           </a:p>
@@ -3866,7 +3868,7 @@
             <a:fld id="{8818C68F-D26B-8F47-958C-23B49CF8A634}" type="datetimeFigureOut">
               <a:rPr lang="en-US" dirty="0"/>
               <a:pPr/>
-              <a:t>1/7/24</a:t>
+              <a:t>1/8/24</a:t>
             </a:fld>
             <a:endParaRPr lang="en-US" dirty="0"/>
           </a:p>
@@ -4130,7 +4132,7 @@
           <a:ln/>
           <a:extLst>
             <a:ext uri="{91240B29-F687-4f45-9708-019B960494DF}">
-              <a14:hiddenLine xmlns="" xmlns:a14="http://schemas.microsoft.com/office/drawing/2010/main" w="9525">
+              <a14:hiddenLine xmlns:a14="http://schemas.microsoft.com/office/drawing/2010/main" xmlns="" w="9525">
                 <a:solidFill>
                   <a:srgbClr val="000000"/>
                 </a:solidFill>
@@ -4330,7 +4332,7 @@
             <a:fld id="{D0DF5E60-9974-AC48-9591-99C2BB44B7CF}" type="datetimeFigureOut">
               <a:rPr lang="en-US" dirty="0"/>
               <a:pPr/>
-              <a:t>1/7/24</a:t>
+              <a:t>1/8/24</a:t>
             </a:fld>
             <a:endParaRPr lang="en-US" dirty="0"/>
           </a:p>
@@ -4640,7 +4642,7 @@
             <a:fld id="{18C79C5D-2A6F-F04D-97DA-BEF2467B64E4}" type="datetimeFigureOut">
               <a:rPr lang="en-US" dirty="0"/>
               <a:pPr/>
-              <a:t>1/7/24</a:t>
+              <a:t>1/8/24</a:t>
             </a:fld>
             <a:endParaRPr lang="en-US" dirty="0"/>
           </a:p>
@@ -4907,7 +4909,7 @@
             <a:fld id="{09B482E8-6E0E-1B4F-B1FD-C69DB9E858D9}" type="datetimeFigureOut">
               <a:rPr lang="en-US" dirty="0"/>
               <a:pPr/>
-              <a:t>1/7/24</a:t>
+              <a:t>1/8/24</a:t>
             </a:fld>
             <a:endParaRPr lang="en-US" dirty="0"/>
           </a:p>
@@ -5376,7 +5378,7 @@
           <a:p>
             <a:r>
               <a:rPr lang="en-US" dirty="0"/>
-              <a:t>Credit Loan Approval</a:t>
+              <a:t>Loan Applications Machine Learning</a:t>
             </a:r>
           </a:p>
         </p:txBody>
@@ -5413,6 +5415,172 @@
     <p:extLst>
       <p:ext uri="{BB962C8B-B14F-4D97-AF65-F5344CB8AC3E}">
         <p14:creationId xmlns:p14="http://schemas.microsoft.com/office/powerpoint/2010/main" val="2582525859"/>
+      </p:ext>
+    </p:extLst>
+  </p:cSld>
+  <p:clrMapOvr>
+    <a:masterClrMapping/>
+  </p:clrMapOvr>
+</p:sld>
+</file>
+
+<file path=ppt/slides/slide10.xml><?xml version="1.0" encoding="utf-8"?>
+<p:sld xmlns:a="http://schemas.openxmlformats.org/drawingml/2006/main" xmlns:r="http://schemas.openxmlformats.org/officeDocument/2006/relationships" xmlns:p="http://schemas.openxmlformats.org/presentationml/2006/main">
+  <p:cSld>
+    <p:spTree>
+      <p:nvGrpSpPr>
+        <p:cNvPr id="1" name=""/>
+        <p:cNvGrpSpPr/>
+        <p:nvPr/>
+      </p:nvGrpSpPr>
+      <p:grpSpPr>
+        <a:xfrm>
+          <a:off x="0" y="0"/>
+          <a:ext cx="0" cy="0"/>
+          <a:chOff x="0" y="0"/>
+          <a:chExt cx="0" cy="0"/>
+        </a:xfrm>
+      </p:grpSpPr>
+      <p:sp>
+        <p:nvSpPr>
+          <p:cNvPr id="2" name="Title 1">
+            <a:extLst>
+              <a:ext uri="{FF2B5EF4-FFF2-40B4-BE49-F238E27FC236}">
+                <a16:creationId xmlns:a16="http://schemas.microsoft.com/office/drawing/2014/main" id="{DEEE0248-6EFD-AE63-B061-0B297C3A1E7E}"/>
+              </a:ext>
+            </a:extLst>
+          </p:cNvPr>
+          <p:cNvSpPr>
+            <a:spLocks noGrp="1"/>
+          </p:cNvSpPr>
+          <p:nvPr>
+            <p:ph type="title"/>
+          </p:nvPr>
+        </p:nvSpPr>
+        <p:spPr/>
+        <p:txBody>
+          <a:bodyPr/>
+          <a:lstStyle/>
+          <a:p>
+            <a:r>
+              <a:rPr lang="en-US" dirty="0"/>
+              <a:t>Ensemble</a:t>
+            </a:r>
+          </a:p>
+        </p:txBody>
+      </p:sp>
+      <p:sp>
+        <p:nvSpPr>
+          <p:cNvPr id="3" name="Content Placeholder 2">
+            <a:extLst>
+              <a:ext uri="{FF2B5EF4-FFF2-40B4-BE49-F238E27FC236}">
+                <a16:creationId xmlns:a16="http://schemas.microsoft.com/office/drawing/2014/main" id="{345918B5-4009-375D-BD75-F553D4457F1B}"/>
+              </a:ext>
+            </a:extLst>
+          </p:cNvPr>
+          <p:cNvSpPr>
+            <a:spLocks noGrp="1"/>
+          </p:cNvSpPr>
+          <p:nvPr>
+            <p:ph idx="1"/>
+          </p:nvPr>
+        </p:nvSpPr>
+        <p:spPr/>
+        <p:txBody>
+          <a:bodyPr/>
+          <a:lstStyle/>
+          <a:p>
+            <a:endParaRPr lang="en-US"/>
+          </a:p>
+        </p:txBody>
+      </p:sp>
+    </p:spTree>
+    <p:extLst>
+      <p:ext uri="{BB962C8B-B14F-4D97-AF65-F5344CB8AC3E}">
+        <p14:creationId xmlns:p14="http://schemas.microsoft.com/office/powerpoint/2010/main" val="3684477634"/>
+      </p:ext>
+    </p:extLst>
+  </p:cSld>
+  <p:clrMapOvr>
+    <a:masterClrMapping/>
+  </p:clrMapOvr>
+</p:sld>
+</file>
+
+<file path=ppt/slides/slide11.xml><?xml version="1.0" encoding="utf-8"?>
+<p:sld xmlns:a="http://schemas.openxmlformats.org/drawingml/2006/main" xmlns:r="http://schemas.openxmlformats.org/officeDocument/2006/relationships" xmlns:p="http://schemas.openxmlformats.org/presentationml/2006/main">
+  <p:cSld>
+    <p:spTree>
+      <p:nvGrpSpPr>
+        <p:cNvPr id="1" name=""/>
+        <p:cNvGrpSpPr/>
+        <p:nvPr/>
+      </p:nvGrpSpPr>
+      <p:grpSpPr>
+        <a:xfrm>
+          <a:off x="0" y="0"/>
+          <a:ext cx="0" cy="0"/>
+          <a:chOff x="0" y="0"/>
+          <a:chExt cx="0" cy="0"/>
+        </a:xfrm>
+      </p:grpSpPr>
+      <p:sp>
+        <p:nvSpPr>
+          <p:cNvPr id="2" name="Title 1">
+            <a:extLst>
+              <a:ext uri="{FF2B5EF4-FFF2-40B4-BE49-F238E27FC236}">
+                <a16:creationId xmlns:a16="http://schemas.microsoft.com/office/drawing/2014/main" id="{90DE8313-2776-A0C8-843E-9E03DEE57152}"/>
+              </a:ext>
+            </a:extLst>
+          </p:cNvPr>
+          <p:cNvSpPr>
+            <a:spLocks noGrp="1"/>
+          </p:cNvSpPr>
+          <p:nvPr>
+            <p:ph type="title"/>
+          </p:nvPr>
+        </p:nvSpPr>
+        <p:spPr/>
+        <p:txBody>
+          <a:bodyPr/>
+          <a:lstStyle/>
+          <a:p>
+            <a:r>
+              <a:rPr lang="en-US"/>
+              <a:t>User interface</a:t>
+            </a:r>
+          </a:p>
+        </p:txBody>
+      </p:sp>
+      <p:sp>
+        <p:nvSpPr>
+          <p:cNvPr id="3" name="Content Placeholder 2">
+            <a:extLst>
+              <a:ext uri="{FF2B5EF4-FFF2-40B4-BE49-F238E27FC236}">
+                <a16:creationId xmlns:a16="http://schemas.microsoft.com/office/drawing/2014/main" id="{07BBE9F4-0087-5E27-AB7D-269DE241FCDB}"/>
+              </a:ext>
+            </a:extLst>
+          </p:cNvPr>
+          <p:cNvSpPr>
+            <a:spLocks noGrp="1"/>
+          </p:cNvSpPr>
+          <p:nvPr>
+            <p:ph idx="1"/>
+          </p:nvPr>
+        </p:nvSpPr>
+        <p:spPr/>
+        <p:txBody>
+          <a:bodyPr/>
+          <a:lstStyle/>
+          <a:p>
+            <a:endParaRPr lang="en-US"/>
+          </a:p>
+        </p:txBody>
+      </p:sp>
+    </p:spTree>
+    <p:extLst>
+      <p:ext uri="{BB962C8B-B14F-4D97-AF65-F5344CB8AC3E}">
+        <p14:creationId xmlns:p14="http://schemas.microsoft.com/office/powerpoint/2010/main" val="724884886"/>
       </p:ext>
     </p:extLst>
   </p:cSld>
@@ -5444,6 +5612,112 @@
           <p:cNvPr id="2" name="Title 1">
             <a:extLst>
               <a:ext uri="{FF2B5EF4-FFF2-40B4-BE49-F238E27FC236}">
+                <a16:creationId xmlns:a16="http://schemas.microsoft.com/office/drawing/2014/main" id="{42A22B53-F537-61A0-AF86-38516AD264EA}"/>
+              </a:ext>
+            </a:extLst>
+          </p:cNvPr>
+          <p:cNvSpPr>
+            <a:spLocks noGrp="1"/>
+          </p:cNvSpPr>
+          <p:nvPr>
+            <p:ph type="title"/>
+          </p:nvPr>
+        </p:nvSpPr>
+        <p:spPr/>
+        <p:txBody>
+          <a:bodyPr/>
+          <a:lstStyle/>
+          <a:p>
+            <a:r>
+              <a:rPr lang="en-US" dirty="0"/>
+              <a:t>Introduction</a:t>
+            </a:r>
+          </a:p>
+        </p:txBody>
+      </p:sp>
+      <p:sp>
+        <p:nvSpPr>
+          <p:cNvPr id="3" name="Content Placeholder 2">
+            <a:extLst>
+              <a:ext uri="{FF2B5EF4-FFF2-40B4-BE49-F238E27FC236}">
+                <a16:creationId xmlns:a16="http://schemas.microsoft.com/office/drawing/2014/main" id="{A847CEB5-F773-7F26-33FE-303E279E029B}"/>
+              </a:ext>
+            </a:extLst>
+          </p:cNvPr>
+          <p:cNvSpPr>
+            <a:spLocks noGrp="1"/>
+          </p:cNvSpPr>
+          <p:nvPr>
+            <p:ph idx="1"/>
+          </p:nvPr>
+        </p:nvSpPr>
+        <p:spPr>
+          <a:xfrm>
+            <a:off x="818712" y="2222287"/>
+            <a:ext cx="10554574" cy="3822913"/>
+          </a:xfrm>
+        </p:spPr>
+        <p:txBody>
+          <a:bodyPr/>
+          <a:lstStyle/>
+          <a:p>
+            <a:r>
+              <a:rPr lang="en-US" dirty="0"/>
+              <a:t>The aim of this project is to use machine learning to predict whether an individual will become bankrupt based on their financial history.</a:t>
+            </a:r>
+          </a:p>
+          <a:p>
+            <a:r>
+              <a:rPr lang="en-AU" dirty="0"/>
+              <a:t>Machine learning can be used as a tool for credit loan assessments, providing efficient and accurate way to evaluate the creditworthiness of loan applicants.</a:t>
+            </a:r>
+          </a:p>
+          <a:p>
+            <a:pPr marL="0" indent="0">
+              <a:buNone/>
+            </a:pPr>
+            <a:endParaRPr lang="en-US" dirty="0"/>
+          </a:p>
+          <a:p>
+            <a:endParaRPr lang="en-US" dirty="0"/>
+          </a:p>
+        </p:txBody>
+      </p:sp>
+    </p:spTree>
+    <p:extLst>
+      <p:ext uri="{BB962C8B-B14F-4D97-AF65-F5344CB8AC3E}">
+        <p14:creationId xmlns:p14="http://schemas.microsoft.com/office/powerpoint/2010/main" val="321846988"/>
+      </p:ext>
+    </p:extLst>
+  </p:cSld>
+  <p:clrMapOvr>
+    <a:masterClrMapping/>
+  </p:clrMapOvr>
+</p:sld>
+</file>
+
+<file path=ppt/slides/slide3.xml><?xml version="1.0" encoding="utf-8"?>
+<p:sld xmlns:a="http://schemas.openxmlformats.org/drawingml/2006/main" xmlns:r="http://schemas.openxmlformats.org/officeDocument/2006/relationships" xmlns:p="http://schemas.openxmlformats.org/presentationml/2006/main">
+  <p:cSld>
+    <p:spTree>
+      <p:nvGrpSpPr>
+        <p:cNvPr id="1" name=""/>
+        <p:cNvGrpSpPr/>
+        <p:nvPr/>
+      </p:nvGrpSpPr>
+      <p:grpSpPr>
+        <a:xfrm>
+          <a:off x="0" y="0"/>
+          <a:ext cx="0" cy="0"/>
+          <a:chOff x="0" y="0"/>
+          <a:chExt cx="0" cy="0"/>
+        </a:xfrm>
+      </p:grpSpPr>
+      <p:sp>
+        <p:nvSpPr>
+          <p:cNvPr id="2" name="Title 1">
+            <a:extLst>
+              <a:ext uri="{FF2B5EF4-FFF2-40B4-BE49-F238E27FC236}">
                 <a16:creationId xmlns:a16="http://schemas.microsoft.com/office/drawing/2014/main" id="{52D32F4C-FD97-2114-364A-EFF8262DDFD8}"/>
               </a:ext>
             </a:extLst>
@@ -5483,7 +5757,12 @@
             <p:ph idx="1"/>
           </p:nvPr>
         </p:nvSpPr>
-        <p:spPr/>
+        <p:spPr>
+          <a:xfrm>
+            <a:off x="810000" y="1273056"/>
+            <a:ext cx="10554574" cy="3636511"/>
+          </a:xfrm>
+        </p:spPr>
         <p:txBody>
           <a:bodyPr/>
           <a:lstStyle/>
@@ -5530,7 +5809,7 @@
         </p:blipFill>
         <p:spPr>
           <a:xfrm>
-            <a:off x="548861" y="4764985"/>
+            <a:off x="1107661" y="4040520"/>
             <a:ext cx="7772400" cy="1738094"/>
           </a:xfrm>
           <a:prstGeom prst="rect">
@@ -5560,7 +5839,7 @@
         </p:blipFill>
         <p:spPr>
           <a:xfrm>
-            <a:off x="8222526" y="4764985"/>
+            <a:off x="8781326" y="4040520"/>
             <a:ext cx="1624747" cy="1738094"/>
           </a:xfrm>
           <a:prstGeom prst="rect">
@@ -5572,104 +5851,6 @@
     <p:extLst>
       <p:ext uri="{BB962C8B-B14F-4D97-AF65-F5344CB8AC3E}">
         <p14:creationId xmlns:p14="http://schemas.microsoft.com/office/powerpoint/2010/main" val="1041525655"/>
-      </p:ext>
-    </p:extLst>
-  </p:cSld>
-  <p:clrMapOvr>
-    <a:masterClrMapping/>
-  </p:clrMapOvr>
-</p:sld>
-</file>
-
-<file path=ppt/slides/slide3.xml><?xml version="1.0" encoding="utf-8"?>
-<p:sld xmlns:a="http://schemas.openxmlformats.org/drawingml/2006/main" xmlns:r="http://schemas.openxmlformats.org/officeDocument/2006/relationships" xmlns:p="http://schemas.openxmlformats.org/presentationml/2006/main">
-  <p:cSld>
-    <p:spTree>
-      <p:nvGrpSpPr>
-        <p:cNvPr id="1" name=""/>
-        <p:cNvGrpSpPr/>
-        <p:nvPr/>
-      </p:nvGrpSpPr>
-      <p:grpSpPr>
-        <a:xfrm>
-          <a:off x="0" y="0"/>
-          <a:ext cx="0" cy="0"/>
-          <a:chOff x="0" y="0"/>
-          <a:chExt cx="0" cy="0"/>
-        </a:xfrm>
-      </p:grpSpPr>
-      <p:sp>
-        <p:nvSpPr>
-          <p:cNvPr id="2" name="Title 1">
-            <a:extLst>
-              <a:ext uri="{FF2B5EF4-FFF2-40B4-BE49-F238E27FC236}">
-                <a16:creationId xmlns:a16="http://schemas.microsoft.com/office/drawing/2014/main" id="{677E64E2-7B93-87DE-DE8B-C23B1CA0A765}"/>
-              </a:ext>
-            </a:extLst>
-          </p:cNvPr>
-          <p:cNvSpPr>
-            <a:spLocks noGrp="1"/>
-          </p:cNvSpPr>
-          <p:nvPr>
-            <p:ph type="title"/>
-          </p:nvPr>
-        </p:nvSpPr>
-        <p:spPr/>
-        <p:txBody>
-          <a:bodyPr/>
-          <a:lstStyle/>
-          <a:p>
-            <a:r>
-              <a:rPr lang="en-US" dirty="0"/>
-              <a:t>Data Cleaning</a:t>
-            </a:r>
-          </a:p>
-        </p:txBody>
-      </p:sp>
-      <p:sp>
-        <p:nvSpPr>
-          <p:cNvPr id="3" name="Content Placeholder 2">
-            <a:extLst>
-              <a:ext uri="{FF2B5EF4-FFF2-40B4-BE49-F238E27FC236}">
-                <a16:creationId xmlns:a16="http://schemas.microsoft.com/office/drawing/2014/main" id="{3470B9BB-64DB-4DCA-B419-F93A781AFBA9}"/>
-              </a:ext>
-            </a:extLst>
-          </p:cNvPr>
-          <p:cNvSpPr>
-            <a:spLocks noGrp="1"/>
-          </p:cNvSpPr>
-          <p:nvPr>
-            <p:ph idx="1"/>
-          </p:nvPr>
-        </p:nvSpPr>
-        <p:spPr/>
-        <p:txBody>
-          <a:bodyPr/>
-          <a:lstStyle/>
-          <a:p>
-            <a:r>
-              <a:rPr lang="en-US" dirty="0"/>
-              <a:t>Unwanted values were dropped based on research, this included null values within the dataset.</a:t>
-            </a:r>
-          </a:p>
-          <a:p>
-            <a:r>
-              <a:rPr lang="en-US" dirty="0"/>
-              <a:t>The following data was dropped during the data cleaning process: Loan ID, Customer ID, Years in current job, Loan status, Tax liens and purpose. </a:t>
-            </a:r>
-          </a:p>
-          <a:p>
-            <a:r>
-              <a:rPr lang="en-US" dirty="0"/>
-              <a:t>Dataset was standardized in order to preform machine learning</a:t>
-            </a:r>
-          </a:p>
-        </p:txBody>
-      </p:sp>
-    </p:spTree>
-    <p:extLst>
-      <p:ext uri="{BB962C8B-B14F-4D97-AF65-F5344CB8AC3E}">
-        <p14:creationId xmlns:p14="http://schemas.microsoft.com/office/powerpoint/2010/main" val="3919104685"/>
       </p:ext>
     </p:extLst>
   </p:cSld>
@@ -5701,7 +5882,7 @@
           <p:cNvPr id="2" name="Title 1">
             <a:extLst>
               <a:ext uri="{FF2B5EF4-FFF2-40B4-BE49-F238E27FC236}">
-                <a16:creationId xmlns:a16="http://schemas.microsoft.com/office/drawing/2014/main" id="{677E64E2-7B93-87DE-DE8B-C23B1CA0A765}"/>
+                <a16:creationId xmlns:a16="http://schemas.microsoft.com/office/drawing/2014/main" id="{57D54662-0E0E-431F-0B3B-323352A53668}"/>
               </a:ext>
             </a:extLst>
           </p:cNvPr>
@@ -5717,10 +5898,7 @@
           <a:bodyPr/>
           <a:lstStyle/>
           <a:p>
-            <a:r>
-              <a:rPr lang="en-US" dirty="0"/>
-              <a:t>Models</a:t>
-            </a:r>
+            <a:endParaRPr lang="en-US"/>
           </a:p>
         </p:txBody>
       </p:sp>
@@ -5729,7 +5907,7 @@
           <p:cNvPr id="3" name="Content Placeholder 2">
             <a:extLst>
               <a:ext uri="{FF2B5EF4-FFF2-40B4-BE49-F238E27FC236}">
-                <a16:creationId xmlns:a16="http://schemas.microsoft.com/office/drawing/2014/main" id="{3470B9BB-64DB-4DCA-B419-F93A781AFBA9}"/>
+                <a16:creationId xmlns:a16="http://schemas.microsoft.com/office/drawing/2014/main" id="{A7120460-1439-9DB1-9BD8-AD0BA5541C5C}"/>
               </a:ext>
             </a:extLst>
           </p:cNvPr>
@@ -5745,30 +5923,14 @@
           <a:bodyPr/>
           <a:lstStyle/>
           <a:p>
-            <a:r>
-              <a:rPr lang="en-US" dirty="0"/>
-              <a:t>Random Forest</a:t>
-            </a:r>
-          </a:p>
-          <a:p>
-            <a:r>
-              <a:rPr lang="en-US" dirty="0"/>
-              <a:t>Neural Networks</a:t>
-            </a:r>
-          </a:p>
-          <a:p>
-            <a:r>
-              <a:rPr lang="en-US" dirty="0" err="1"/>
-              <a:t>Essemble</a:t>
-            </a:r>
-            <a:endParaRPr lang="en-US" dirty="0"/>
+            <a:endParaRPr lang="en-US"/>
           </a:p>
         </p:txBody>
       </p:sp>
     </p:spTree>
     <p:extLst>
       <p:ext uri="{BB962C8B-B14F-4D97-AF65-F5344CB8AC3E}">
-        <p14:creationId xmlns:p14="http://schemas.microsoft.com/office/powerpoint/2010/main" val="3394512343"/>
+        <p14:creationId xmlns:p14="http://schemas.microsoft.com/office/powerpoint/2010/main" val="2700067284"/>
       </p:ext>
     </p:extLst>
   </p:cSld>
@@ -5800,7 +5962,7 @@
           <p:cNvPr id="2" name="Title 1">
             <a:extLst>
               <a:ext uri="{FF2B5EF4-FFF2-40B4-BE49-F238E27FC236}">
-                <a16:creationId xmlns:a16="http://schemas.microsoft.com/office/drawing/2014/main" id="{9C618366-6964-FCB3-8DB9-72FCACFF7A77}"/>
+                <a16:creationId xmlns:a16="http://schemas.microsoft.com/office/drawing/2014/main" id="{677E64E2-7B93-87DE-DE8B-C23B1CA0A765}"/>
               </a:ext>
             </a:extLst>
           </p:cNvPr>
@@ -5818,7 +5980,7 @@
           <a:p>
             <a:r>
               <a:rPr lang="en-US" dirty="0"/>
-              <a:t>Random Forest</a:t>
+              <a:t>Data Cleaning</a:t>
             </a:r>
           </a:p>
         </p:txBody>
@@ -5828,7 +5990,7 @@
           <p:cNvPr id="3" name="Content Placeholder 2">
             <a:extLst>
               <a:ext uri="{FF2B5EF4-FFF2-40B4-BE49-F238E27FC236}">
-                <a16:creationId xmlns:a16="http://schemas.microsoft.com/office/drawing/2014/main" id="{94210B45-3FD9-F737-C9AB-38566309967A}"/>
+                <a16:creationId xmlns:a16="http://schemas.microsoft.com/office/drawing/2014/main" id="{3470B9BB-64DB-4DCA-B419-F93A781AFBA9}"/>
               </a:ext>
             </a:extLst>
           </p:cNvPr>
@@ -5845,41 +6007,28 @@
           <a:lstStyle/>
           <a:p>
             <a:r>
-              <a:rPr lang="en-AU" b="0" i="0" u="none" strike="noStrike" dirty="0">
-                <a:solidFill>
-                  <a:srgbClr val="D1D5DB"/>
-                </a:solidFill>
-                <a:effectLst/>
-                <a:latin typeface="Söhne"/>
-              </a:rPr>
-              <a:t>Random Forest is an ensemble learning method commonly used for classification, regression, and other machine learning tasks. It belongs to the family of tree-based models and is known for its high accuracy, robustness, and versatility.</a:t>
-            </a:r>
-            <a:endParaRPr lang="en-US" b="0" i="0" u="none" strike="noStrike" dirty="0">
-              <a:solidFill>
-                <a:srgbClr val="D1D5DB"/>
-              </a:solidFill>
-              <a:effectLst/>
-              <a:latin typeface="Söhne"/>
-            </a:endParaRPr>
-          </a:p>
-          <a:p>
-            <a:r>
-              <a:rPr lang="en-US" dirty="0">
-                <a:solidFill>
-                  <a:srgbClr val="D1D5DB"/>
-                </a:solidFill>
-                <a:latin typeface="Söhne"/>
-              </a:rPr>
-              <a:t>Optimization: The model was optimized by altering the number of trees, tree depth and feature importance.</a:t>
-            </a:r>
-            <a:endParaRPr lang="en-US" dirty="0"/>
+              <a:rPr lang="en-US" dirty="0"/>
+              <a:t>Unwanted values were dropped based on research, this included null values within the dataset.</a:t>
+            </a:r>
+          </a:p>
+          <a:p>
+            <a:r>
+              <a:rPr lang="en-US" dirty="0"/>
+              <a:t>The following data was dropped during the data cleaning process: Loan ID, Customer ID, Years in current job, Loan status, Tax liens and purpose. </a:t>
+            </a:r>
+          </a:p>
+          <a:p>
+            <a:r>
+              <a:rPr lang="en-US" dirty="0"/>
+              <a:t>Dataset was standardized in order to preform machine learning</a:t>
+            </a:r>
           </a:p>
         </p:txBody>
       </p:sp>
     </p:spTree>
     <p:extLst>
       <p:ext uri="{BB962C8B-B14F-4D97-AF65-F5344CB8AC3E}">
-        <p14:creationId xmlns:p14="http://schemas.microsoft.com/office/powerpoint/2010/main" val="4146931069"/>
+        <p14:creationId xmlns:p14="http://schemas.microsoft.com/office/powerpoint/2010/main" val="3919104685"/>
       </p:ext>
     </p:extLst>
   </p:cSld>
@@ -5911,7 +6060,7 @@
           <p:cNvPr id="2" name="Title 1">
             <a:extLst>
               <a:ext uri="{FF2B5EF4-FFF2-40B4-BE49-F238E27FC236}">
-                <a16:creationId xmlns:a16="http://schemas.microsoft.com/office/drawing/2014/main" id="{9C618366-6964-FCB3-8DB9-72FCACFF7A77}"/>
+                <a16:creationId xmlns:a16="http://schemas.microsoft.com/office/drawing/2014/main" id="{677E64E2-7B93-87DE-DE8B-C23B1CA0A765}"/>
               </a:ext>
             </a:extLst>
           </p:cNvPr>
@@ -5929,44 +6078,58 @@
           <a:p>
             <a:r>
               <a:rPr lang="en-US" dirty="0"/>
-              <a:t>Random Forest</a:t>
-            </a:r>
-          </a:p>
-        </p:txBody>
-      </p:sp>
-      <p:pic>
-        <p:nvPicPr>
-          <p:cNvPr id="11" name="Content Placeholder 10" descr="A graph with green and white text&#10;&#10;Description automatically generated">
+              <a:t>Models</a:t>
+            </a:r>
+          </a:p>
+        </p:txBody>
+      </p:sp>
+      <p:sp>
+        <p:nvSpPr>
+          <p:cNvPr id="3" name="Content Placeholder 2">
             <a:extLst>
               <a:ext uri="{FF2B5EF4-FFF2-40B4-BE49-F238E27FC236}">
-                <a16:creationId xmlns:a16="http://schemas.microsoft.com/office/drawing/2014/main" id="{83C963A9-D623-D260-1864-A587C031778C}"/>
+                <a16:creationId xmlns:a16="http://schemas.microsoft.com/office/drawing/2014/main" id="{3470B9BB-64DB-4DCA-B419-F93A781AFBA9}"/>
               </a:ext>
             </a:extLst>
           </p:cNvPr>
-          <p:cNvPicPr>
-            <a:picLocks noGrp="1" noChangeAspect="1"/>
-          </p:cNvPicPr>
+          <p:cNvSpPr>
+            <a:spLocks noGrp="1"/>
+          </p:cNvSpPr>
           <p:nvPr>
             <p:ph idx="1"/>
           </p:nvPr>
-        </p:nvPicPr>
-        <p:blipFill>
-          <a:blip r:embed="rId2"/>
-          <a:stretch>
-            <a:fillRect/>
-          </a:stretch>
-        </p:blipFill>
-        <p:spPr>
-          <a:xfrm>
-            <a:off x="2073417" y="2222500"/>
-            <a:ext cx="7847067" cy="4188312"/>
-          </a:xfrm>
-        </p:spPr>
-      </p:pic>
+        </p:nvSpPr>
+        <p:spPr/>
+        <p:txBody>
+          <a:bodyPr/>
+          <a:lstStyle/>
+          <a:p>
+            <a:endParaRPr lang="en-US" dirty="0"/>
+          </a:p>
+          <a:p>
+            <a:r>
+              <a:rPr lang="en-US" dirty="0"/>
+              <a:t>Random Forest</a:t>
+            </a:r>
+          </a:p>
+          <a:p>
+            <a:r>
+              <a:rPr lang="en-US" dirty="0"/>
+              <a:t>Neural Networks</a:t>
+            </a:r>
+          </a:p>
+          <a:p>
+            <a:r>
+              <a:rPr lang="en-US" dirty="0"/>
+              <a:t>Ensemble</a:t>
+            </a:r>
+          </a:p>
+        </p:txBody>
+      </p:sp>
     </p:spTree>
     <p:extLst>
       <p:ext uri="{BB962C8B-B14F-4D97-AF65-F5344CB8AC3E}">
-        <p14:creationId xmlns:p14="http://schemas.microsoft.com/office/powerpoint/2010/main" val="2629098367"/>
+        <p14:creationId xmlns:p14="http://schemas.microsoft.com/office/powerpoint/2010/main" val="3394512343"/>
       </p:ext>
     </p:extLst>
   </p:cSld>
@@ -5979,6 +6142,11 @@
 <file path=ppt/slides/slide7.xml><?xml version="1.0" encoding="utf-8"?>
 <p:sld xmlns:a="http://schemas.openxmlformats.org/drawingml/2006/main" xmlns:r="http://schemas.openxmlformats.org/officeDocument/2006/relationships" xmlns:p="http://schemas.openxmlformats.org/presentationml/2006/main">
   <p:cSld>
+    <p:bg>
+      <p:bgRef idx="1001">
+        <a:schemeClr val="bg2"/>
+      </p:bgRef>
+    </p:bg>
     <p:spTree>
       <p:nvGrpSpPr>
         <p:cNvPr id="1" name=""/>
@@ -5998,7 +6166,7 @@
           <p:cNvPr id="2" name="Title 1">
             <a:extLst>
               <a:ext uri="{FF2B5EF4-FFF2-40B4-BE49-F238E27FC236}">
-                <a16:creationId xmlns:a16="http://schemas.microsoft.com/office/drawing/2014/main" id="{95105F8F-0022-4EF7-7A26-777FA9ECBE4C}"/>
+                <a16:creationId xmlns:a16="http://schemas.microsoft.com/office/drawing/2014/main" id="{9C618366-6964-FCB3-8DB9-72FCACFF7A77}"/>
               </a:ext>
             </a:extLst>
           </p:cNvPr>
@@ -6016,7 +6184,7 @@
           <a:p>
             <a:r>
               <a:rPr lang="en-US" dirty="0"/>
-              <a:t>Neural Networks</a:t>
+              <a:t>Random Forest</a:t>
             </a:r>
           </a:p>
         </p:txBody>
@@ -6026,7 +6194,7 @@
           <p:cNvPr id="3" name="Content Placeholder 2">
             <a:extLst>
               <a:ext uri="{FF2B5EF4-FFF2-40B4-BE49-F238E27FC236}">
-                <a16:creationId xmlns:a16="http://schemas.microsoft.com/office/drawing/2014/main" id="{29C27D89-C4D6-CEA9-E7AA-28B1EEB29249}"/>
+                <a16:creationId xmlns:a16="http://schemas.microsoft.com/office/drawing/2014/main" id="{94210B45-3FD9-F737-C9AB-38566309967A}"/>
               </a:ext>
             </a:extLst>
           </p:cNvPr>
@@ -6042,19 +6210,44 @@
           <a:bodyPr/>
           <a:lstStyle/>
           <a:p>
-            <a:endParaRPr lang="en-US"/>
+            <a:r>
+              <a:rPr lang="en-AU" b="0" i="0" u="none" strike="noStrike" dirty="0">
+                <a:solidFill>
+                  <a:srgbClr val="D1D5DB"/>
+                </a:solidFill>
+                <a:effectLst/>
+              </a:rPr>
+              <a:t>Random Forest is an ensemble learning method commonly used for classification, regression, and other machine learning tasks. It belongs to the family of tree-based models and is known for its high accuracy, robustness, and versatility.</a:t>
+            </a:r>
+            <a:endParaRPr lang="en-US" b="0" i="0" u="none" strike="noStrike" dirty="0">
+              <a:solidFill>
+                <a:srgbClr val="D1D5DB"/>
+              </a:solidFill>
+              <a:effectLst/>
+            </a:endParaRPr>
+          </a:p>
+          <a:p>
+            <a:r>
+              <a:rPr lang="en-US" dirty="0">
+                <a:solidFill>
+                  <a:srgbClr val="D1D5DB"/>
+                </a:solidFill>
+              </a:rPr>
+              <a:t>Optimization: The model was optimized by altering the number of trees, tree depth and feature importance.</a:t>
+            </a:r>
+            <a:endParaRPr lang="en-US" dirty="0"/>
           </a:p>
         </p:txBody>
       </p:sp>
     </p:spTree>
     <p:extLst>
       <p:ext uri="{BB962C8B-B14F-4D97-AF65-F5344CB8AC3E}">
-        <p14:creationId xmlns:p14="http://schemas.microsoft.com/office/powerpoint/2010/main" val="2683175456"/>
+        <p14:creationId xmlns:p14="http://schemas.microsoft.com/office/powerpoint/2010/main" val="4146931069"/>
       </p:ext>
     </p:extLst>
   </p:cSld>
   <p:clrMapOvr>
-    <a:masterClrMapping/>
+    <a:overrideClrMapping bg1="dk1" tx1="lt1" bg2="dk2" tx2="lt2" accent1="accent1" accent2="accent2" accent3="accent3" accent4="accent4" accent5="accent5" accent6="accent6" hlink="hlink" folHlink="folHlink"/>
   </p:clrMapOvr>
 </p:sld>
 </file>
@@ -6081,7 +6274,7 @@
           <p:cNvPr id="2" name="Title 1">
             <a:extLst>
               <a:ext uri="{FF2B5EF4-FFF2-40B4-BE49-F238E27FC236}">
-                <a16:creationId xmlns:a16="http://schemas.microsoft.com/office/drawing/2014/main" id="{DEEE0248-6EFD-AE63-B061-0B297C3A1E7E}"/>
+                <a16:creationId xmlns:a16="http://schemas.microsoft.com/office/drawing/2014/main" id="{9C618366-6964-FCB3-8DB9-72FCACFF7A77}"/>
               </a:ext>
             </a:extLst>
           </p:cNvPr>
@@ -6098,42 +6291,45 @@
           <a:lstStyle/>
           <a:p>
             <a:r>
-              <a:rPr lang="en-US" dirty="0" err="1"/>
-              <a:t>Essemble</a:t>
-            </a:r>
-            <a:endParaRPr lang="en-US" dirty="0"/>
-          </a:p>
-        </p:txBody>
-      </p:sp>
-      <p:sp>
-        <p:nvSpPr>
-          <p:cNvPr id="3" name="Content Placeholder 2">
+              <a:rPr lang="en-US" dirty="0"/>
+              <a:t>Random Forest</a:t>
+            </a:r>
+          </a:p>
+        </p:txBody>
+      </p:sp>
+      <p:pic>
+        <p:nvPicPr>
+          <p:cNvPr id="11" name="Content Placeholder 10" descr="A graph with green and white text&#10;&#10;Description automatically generated">
             <a:extLst>
               <a:ext uri="{FF2B5EF4-FFF2-40B4-BE49-F238E27FC236}">
-                <a16:creationId xmlns:a16="http://schemas.microsoft.com/office/drawing/2014/main" id="{345918B5-4009-375D-BD75-F553D4457F1B}"/>
+                <a16:creationId xmlns:a16="http://schemas.microsoft.com/office/drawing/2014/main" id="{83C963A9-D623-D260-1864-A587C031778C}"/>
               </a:ext>
             </a:extLst>
           </p:cNvPr>
-          <p:cNvSpPr>
-            <a:spLocks noGrp="1"/>
-          </p:cNvSpPr>
+          <p:cNvPicPr>
+            <a:picLocks noGrp="1" noChangeAspect="1"/>
+          </p:cNvPicPr>
           <p:nvPr>
             <p:ph idx="1"/>
           </p:nvPr>
-        </p:nvSpPr>
-        <p:spPr/>
-        <p:txBody>
-          <a:bodyPr/>
-          <a:lstStyle/>
-          <a:p>
-            <a:endParaRPr lang="en-US"/>
-          </a:p>
-        </p:txBody>
-      </p:sp>
+        </p:nvPicPr>
+        <p:blipFill>
+          <a:blip r:embed="rId2"/>
+          <a:stretch>
+            <a:fillRect/>
+          </a:stretch>
+        </p:blipFill>
+        <p:spPr>
+          <a:xfrm>
+            <a:off x="2414467" y="2404532"/>
+            <a:ext cx="7506017" cy="4006279"/>
+          </a:xfrm>
+        </p:spPr>
+      </p:pic>
     </p:spTree>
     <p:extLst>
       <p:ext uri="{BB962C8B-B14F-4D97-AF65-F5344CB8AC3E}">
-        <p14:creationId xmlns:p14="http://schemas.microsoft.com/office/powerpoint/2010/main" val="3684477634"/>
+        <p14:creationId xmlns:p14="http://schemas.microsoft.com/office/powerpoint/2010/main" val="2629098367"/>
       </p:ext>
     </p:extLst>
   </p:cSld>
@@ -6165,7 +6361,7 @@
           <p:cNvPr id="2" name="Title 1">
             <a:extLst>
               <a:ext uri="{FF2B5EF4-FFF2-40B4-BE49-F238E27FC236}">
-                <a16:creationId xmlns:a16="http://schemas.microsoft.com/office/drawing/2014/main" id="{90DE8313-2776-A0C8-843E-9E03DEE57152}"/>
+                <a16:creationId xmlns:a16="http://schemas.microsoft.com/office/drawing/2014/main" id="{95105F8F-0022-4EF7-7A26-777FA9ECBE4C}"/>
               </a:ext>
             </a:extLst>
           </p:cNvPr>
@@ -6182,8 +6378,8 @@
           <a:lstStyle/>
           <a:p>
             <a:r>
-              <a:rPr lang="en-US"/>
-              <a:t>User interface</a:t>
+              <a:rPr lang="en-US" dirty="0"/>
+              <a:t>Neural Networks</a:t>
             </a:r>
           </a:p>
         </p:txBody>
@@ -6193,7 +6389,7 @@
           <p:cNvPr id="3" name="Content Placeholder 2">
             <a:extLst>
               <a:ext uri="{FF2B5EF4-FFF2-40B4-BE49-F238E27FC236}">
-                <a16:creationId xmlns:a16="http://schemas.microsoft.com/office/drawing/2014/main" id="{07BBE9F4-0087-5E27-AB7D-269DE241FCDB}"/>
+                <a16:creationId xmlns:a16="http://schemas.microsoft.com/office/drawing/2014/main" id="{29C27D89-C4D6-CEA9-E7AA-28B1EEB29249}"/>
               </a:ext>
             </a:extLst>
           </p:cNvPr>
@@ -6216,7 +6412,7 @@
     </p:spTree>
     <p:extLst>
       <p:ext uri="{BB962C8B-B14F-4D97-AF65-F5344CB8AC3E}">
-        <p14:creationId xmlns:p14="http://schemas.microsoft.com/office/powerpoint/2010/main" val="724884886"/>
+        <p14:creationId xmlns:p14="http://schemas.microsoft.com/office/powerpoint/2010/main" val="2683175456"/>
       </p:ext>
     </p:extLst>
   </p:cSld>
@@ -6461,4 +6657,47 @@
     </a:ext>
   </a:extLst>
 </a:theme>
+</file>
+
+<file path=ppt/theme/themeOverride1.xml><?xml version="1.0" encoding="utf-8"?>
+<a:themeOverride xmlns:a="http://schemas.openxmlformats.org/drawingml/2006/main">
+  <a:clrScheme name="Quotable">
+    <a:dk1>
+      <a:sysClr val="windowText" lastClr="000000"/>
+    </a:dk1>
+    <a:lt1>
+      <a:sysClr val="window" lastClr="FFFFFF"/>
+    </a:lt1>
+    <a:dk2>
+      <a:srgbClr val="212121"/>
+    </a:dk2>
+    <a:lt2>
+      <a:srgbClr val="636363"/>
+    </a:lt2>
+    <a:accent1>
+      <a:srgbClr val="00C6BB"/>
+    </a:accent1>
+    <a:accent2>
+      <a:srgbClr val="6FEBA0"/>
+    </a:accent2>
+    <a:accent3>
+      <a:srgbClr val="B6DF5E"/>
+    </a:accent3>
+    <a:accent4>
+      <a:srgbClr val="EFB251"/>
+    </a:accent4>
+    <a:accent5>
+      <a:srgbClr val="EF755F"/>
+    </a:accent5>
+    <a:accent6>
+      <a:srgbClr val="ED515C"/>
+    </a:accent6>
+    <a:hlink>
+      <a:srgbClr val="8F8F8F"/>
+    </a:hlink>
+    <a:folHlink>
+      <a:srgbClr val="A5A5A5"/>
+    </a:folHlink>
+  </a:clrScheme>
+</a:themeOverride>
 </file>
--- a/Credit Loan Presentation.pptx
+++ b/Credit Loan Presentation.pptx
@@ -8,14 +8,15 @@
     <p:sldId id="256" r:id="rId2"/>
     <p:sldId id="265" r:id="rId3"/>
     <p:sldId id="257" r:id="rId4"/>
-    <p:sldId id="266" r:id="rId5"/>
-    <p:sldId id="258" r:id="rId6"/>
-    <p:sldId id="259" r:id="rId7"/>
-    <p:sldId id="263" r:id="rId8"/>
-    <p:sldId id="260" r:id="rId9"/>
-    <p:sldId id="261" r:id="rId10"/>
-    <p:sldId id="262" r:id="rId11"/>
-    <p:sldId id="264" r:id="rId12"/>
+    <p:sldId id="259" r:id="rId5"/>
+    <p:sldId id="263" r:id="rId6"/>
+    <p:sldId id="260" r:id="rId7"/>
+    <p:sldId id="262" r:id="rId8"/>
+    <p:sldId id="261" r:id="rId9"/>
+    <p:sldId id="264" r:id="rId10"/>
+    <p:sldId id="269" r:id="rId11"/>
+    <p:sldId id="267" r:id="rId12"/>
+    <p:sldId id="268" r:id="rId13"/>
   </p:sldIdLst>
   <p:sldSz cx="12192000" cy="6858000"/>
   <p:notesSz cx="6858000" cy="9144000"/>
@@ -5378,7 +5379,7 @@
           <a:p>
             <a:r>
               <a:rPr lang="en-US" dirty="0"/>
-              <a:t>Loan Applications Machine Learning</a:t>
+              <a:t>Bankruptcy Machine Learning Model </a:t>
             </a:r>
           </a:p>
         </p:txBody>
@@ -5446,7 +5447,7 @@
           <p:cNvPr id="2" name="Title 1">
             <a:extLst>
               <a:ext uri="{FF2B5EF4-FFF2-40B4-BE49-F238E27FC236}">
-                <a16:creationId xmlns:a16="http://schemas.microsoft.com/office/drawing/2014/main" id="{DEEE0248-6EFD-AE63-B061-0B297C3A1E7E}"/>
+                <a16:creationId xmlns:a16="http://schemas.microsoft.com/office/drawing/2014/main" id="{90DE8313-2776-A0C8-843E-9E03DEE57152}"/>
               </a:ext>
             </a:extLst>
           </p:cNvPr>
@@ -5464,40 +5465,15 @@
           <a:p>
             <a:r>
               <a:rPr lang="en-US" dirty="0"/>
-              <a:t>Ensemble</a:t>
-            </a:r>
-          </a:p>
-        </p:txBody>
-      </p:sp>
-      <p:sp>
-        <p:nvSpPr>
-          <p:cNvPr id="3" name="Content Placeholder 2">
-            <a:extLst>
-              <a:ext uri="{FF2B5EF4-FFF2-40B4-BE49-F238E27FC236}">
-                <a16:creationId xmlns:a16="http://schemas.microsoft.com/office/drawing/2014/main" id="{345918B5-4009-375D-BD75-F553D4457F1B}"/>
-              </a:ext>
-            </a:extLst>
-          </p:cNvPr>
-          <p:cNvSpPr>
-            <a:spLocks noGrp="1"/>
-          </p:cNvSpPr>
-          <p:nvPr>
-            <p:ph idx="1"/>
-          </p:nvPr>
-        </p:nvSpPr>
-        <p:spPr/>
-        <p:txBody>
-          <a:bodyPr/>
-          <a:lstStyle/>
-          <a:p>
-            <a:endParaRPr lang="en-US"/>
+              <a:t>Demonstration</a:t>
+            </a:r>
           </a:p>
         </p:txBody>
       </p:sp>
     </p:spTree>
     <p:extLst>
       <p:ext uri="{BB962C8B-B14F-4D97-AF65-F5344CB8AC3E}">
-        <p14:creationId xmlns:p14="http://schemas.microsoft.com/office/powerpoint/2010/main" val="3684477634"/>
+        <p14:creationId xmlns:p14="http://schemas.microsoft.com/office/powerpoint/2010/main" val="3707661291"/>
       </p:ext>
     </p:extLst>
   </p:cSld>
@@ -5529,7 +5505,7 @@
           <p:cNvPr id="2" name="Title 1">
             <a:extLst>
               <a:ext uri="{FF2B5EF4-FFF2-40B4-BE49-F238E27FC236}">
-                <a16:creationId xmlns:a16="http://schemas.microsoft.com/office/drawing/2014/main" id="{90DE8313-2776-A0C8-843E-9E03DEE57152}"/>
+                <a16:creationId xmlns:a16="http://schemas.microsoft.com/office/drawing/2014/main" id="{85E1091B-D2D7-C00E-0183-49EEBFA9693F}"/>
               </a:ext>
             </a:extLst>
           </p:cNvPr>
@@ -5546,8 +5522,8 @@
           <a:lstStyle/>
           <a:p>
             <a:r>
-              <a:rPr lang="en-US"/>
-              <a:t>User interface</a:t>
+              <a:rPr lang="en-US" dirty="0"/>
+              <a:t>Limitations</a:t>
             </a:r>
           </a:p>
         </p:txBody>
@@ -5557,7 +5533,7 @@
           <p:cNvPr id="3" name="Content Placeholder 2">
             <a:extLst>
               <a:ext uri="{FF2B5EF4-FFF2-40B4-BE49-F238E27FC236}">
-                <a16:creationId xmlns:a16="http://schemas.microsoft.com/office/drawing/2014/main" id="{07BBE9F4-0087-5E27-AB7D-269DE241FCDB}"/>
+                <a16:creationId xmlns:a16="http://schemas.microsoft.com/office/drawing/2014/main" id="{69977693-985E-8A8D-A4C7-4C9946CB8F6B}"/>
               </a:ext>
             </a:extLst>
           </p:cNvPr>
@@ -5580,7 +5556,90 @@
     </p:spTree>
     <p:extLst>
       <p:ext uri="{BB962C8B-B14F-4D97-AF65-F5344CB8AC3E}">
-        <p14:creationId xmlns:p14="http://schemas.microsoft.com/office/powerpoint/2010/main" val="724884886"/>
+        <p14:creationId xmlns:p14="http://schemas.microsoft.com/office/powerpoint/2010/main" val="1372228111"/>
+      </p:ext>
+    </p:extLst>
+  </p:cSld>
+  <p:clrMapOvr>
+    <a:masterClrMapping/>
+  </p:clrMapOvr>
+</p:sld>
+</file>
+
+<file path=ppt/slides/slide12.xml><?xml version="1.0" encoding="utf-8"?>
+<p:sld xmlns:a="http://schemas.openxmlformats.org/drawingml/2006/main" xmlns:r="http://schemas.openxmlformats.org/officeDocument/2006/relationships" xmlns:p="http://schemas.openxmlformats.org/presentationml/2006/main">
+  <p:cSld>
+    <p:spTree>
+      <p:nvGrpSpPr>
+        <p:cNvPr id="1" name=""/>
+        <p:cNvGrpSpPr/>
+        <p:nvPr/>
+      </p:nvGrpSpPr>
+      <p:grpSpPr>
+        <a:xfrm>
+          <a:off x="0" y="0"/>
+          <a:ext cx="0" cy="0"/>
+          <a:chOff x="0" y="0"/>
+          <a:chExt cx="0" cy="0"/>
+        </a:xfrm>
+      </p:grpSpPr>
+      <p:sp>
+        <p:nvSpPr>
+          <p:cNvPr id="2" name="Title 1">
+            <a:extLst>
+              <a:ext uri="{FF2B5EF4-FFF2-40B4-BE49-F238E27FC236}">
+                <a16:creationId xmlns:a16="http://schemas.microsoft.com/office/drawing/2014/main" id="{8EDBDB04-7636-9C8A-DBC9-34704C09FC6E}"/>
+              </a:ext>
+            </a:extLst>
+          </p:cNvPr>
+          <p:cNvSpPr>
+            <a:spLocks noGrp="1"/>
+          </p:cNvSpPr>
+          <p:nvPr>
+            <p:ph type="title"/>
+          </p:nvPr>
+        </p:nvSpPr>
+        <p:spPr/>
+        <p:txBody>
+          <a:bodyPr/>
+          <a:lstStyle/>
+          <a:p>
+            <a:r>
+              <a:rPr lang="en-US" dirty="0"/>
+              <a:t>Conclusion</a:t>
+            </a:r>
+          </a:p>
+        </p:txBody>
+      </p:sp>
+      <p:sp>
+        <p:nvSpPr>
+          <p:cNvPr id="3" name="Content Placeholder 2">
+            <a:extLst>
+              <a:ext uri="{FF2B5EF4-FFF2-40B4-BE49-F238E27FC236}">
+                <a16:creationId xmlns:a16="http://schemas.microsoft.com/office/drawing/2014/main" id="{1B2C83D5-2FB8-94EE-437A-AE44DCFDB7DE}"/>
+              </a:ext>
+            </a:extLst>
+          </p:cNvPr>
+          <p:cNvSpPr>
+            <a:spLocks noGrp="1"/>
+          </p:cNvSpPr>
+          <p:nvPr>
+            <p:ph idx="1"/>
+          </p:nvPr>
+        </p:nvSpPr>
+        <p:spPr/>
+        <p:txBody>
+          <a:bodyPr/>
+          <a:lstStyle/>
+          <a:p>
+            <a:endParaRPr lang="en-US"/>
+          </a:p>
+        </p:txBody>
+      </p:sp>
+    </p:spTree>
+    <p:extLst>
+      <p:ext uri="{BB962C8B-B14F-4D97-AF65-F5344CB8AC3E}">
+        <p14:creationId xmlns:p14="http://schemas.microsoft.com/office/powerpoint/2010/main" val="2040646449"/>
       </p:ext>
     </p:extLst>
   </p:cSld>
@@ -5653,7 +5712,7 @@
         </p:nvSpPr>
         <p:spPr>
           <a:xfrm>
-            <a:off x="818712" y="2222287"/>
+            <a:off x="683246" y="1517543"/>
             <a:ext cx="10554574" cy="3822913"/>
           </a:xfrm>
         </p:spPr>
@@ -5663,13 +5722,21 @@
           <a:p>
             <a:r>
               <a:rPr lang="en-US" dirty="0"/>
-              <a:t>The aim of this project is to use machine learning to predict whether an individual will become bankrupt based on their financial history.</a:t>
+              <a:t>The aim of this project is to use machine learning to predict whether an individual will become </a:t>
+            </a:r>
+            <a:r>
+              <a:rPr lang="en-US" b="1" dirty="0"/>
+              <a:t>bankrupt</a:t>
+            </a:r>
+            <a:r>
+              <a:rPr lang="en-US" dirty="0"/>
+              <a:t> based on their financial history.</a:t>
             </a:r>
           </a:p>
           <a:p>
             <a:r>
               <a:rPr lang="en-AU" dirty="0"/>
-              <a:t>Machine learning can be used as a tool for credit loan assessments, providing efficient and accurate way to evaluate the creditworthiness of loan applicants.</a:t>
+              <a:t>Uses of the model: can be used as a tool for credit loan assessments, providing efficient and accurate way to evaluate the risk of an individual becoming bankrupt</a:t>
             </a:r>
           </a:p>
           <a:p>
@@ -5683,6 +5750,578 @@
           </a:p>
         </p:txBody>
       </p:sp>
+      <p:sp>
+        <p:nvSpPr>
+          <p:cNvPr id="4" name="Rectangle 3">
+            <a:extLst>
+              <a:ext uri="{FF2B5EF4-FFF2-40B4-BE49-F238E27FC236}">
+                <a16:creationId xmlns:a16="http://schemas.microsoft.com/office/drawing/2014/main" id="{60EAA347-BBCD-A14E-B4F0-66C5A10B9080}"/>
+              </a:ext>
+            </a:extLst>
+          </p:cNvPr>
+          <p:cNvSpPr/>
+          <p:nvPr/>
+        </p:nvSpPr>
+        <p:spPr>
+          <a:xfrm>
+            <a:off x="954180" y="3996267"/>
+            <a:ext cx="2856089" cy="564444"/>
+          </a:xfrm>
+          <a:prstGeom prst="rect">
+            <a:avLst/>
+          </a:prstGeom>
+        </p:spPr>
+        <p:style>
+          <a:lnRef idx="2">
+            <a:schemeClr val="accent1">
+              <a:shade val="15000"/>
+            </a:schemeClr>
+          </a:lnRef>
+          <a:fillRef idx="1">
+            <a:schemeClr val="accent1"/>
+          </a:fillRef>
+          <a:effectRef idx="0">
+            <a:schemeClr val="accent1"/>
+          </a:effectRef>
+          <a:fontRef idx="minor">
+            <a:schemeClr val="lt1"/>
+          </a:fontRef>
+        </p:style>
+        <p:txBody>
+          <a:bodyPr rtlCol="0" anchor="ctr"/>
+          <a:lstStyle/>
+          <a:p>
+            <a:pPr algn="ctr"/>
+            <a:r>
+              <a:rPr lang="en-US" dirty="0"/>
+              <a:t>Data Processing</a:t>
+            </a:r>
+          </a:p>
+        </p:txBody>
+      </p:sp>
+      <p:sp>
+        <p:nvSpPr>
+          <p:cNvPr id="5" name="Rectangle 4">
+            <a:extLst>
+              <a:ext uri="{FF2B5EF4-FFF2-40B4-BE49-F238E27FC236}">
+                <a16:creationId xmlns:a16="http://schemas.microsoft.com/office/drawing/2014/main" id="{F65D36FC-3F12-8956-FF90-97FF743E8510}"/>
+              </a:ext>
+            </a:extLst>
+          </p:cNvPr>
+          <p:cNvSpPr/>
+          <p:nvPr/>
+        </p:nvSpPr>
+        <p:spPr>
+          <a:xfrm>
+            <a:off x="954179" y="5158139"/>
+            <a:ext cx="2856089" cy="564444"/>
+          </a:xfrm>
+          <a:prstGeom prst="rect">
+            <a:avLst/>
+          </a:prstGeom>
+        </p:spPr>
+        <p:style>
+          <a:lnRef idx="2">
+            <a:schemeClr val="accent1">
+              <a:shade val="15000"/>
+            </a:schemeClr>
+          </a:lnRef>
+          <a:fillRef idx="1">
+            <a:schemeClr val="accent1"/>
+          </a:fillRef>
+          <a:effectRef idx="0">
+            <a:schemeClr val="accent1"/>
+          </a:effectRef>
+          <a:fontRef idx="minor">
+            <a:schemeClr val="lt1"/>
+          </a:fontRef>
+        </p:style>
+        <p:txBody>
+          <a:bodyPr rtlCol="0" anchor="ctr"/>
+          <a:lstStyle/>
+          <a:p>
+            <a:pPr algn="ctr"/>
+            <a:r>
+              <a:rPr lang="en-US" dirty="0"/>
+              <a:t>Building ML Model</a:t>
+            </a:r>
+          </a:p>
+        </p:txBody>
+      </p:sp>
+      <p:sp>
+        <p:nvSpPr>
+          <p:cNvPr id="6" name="Rectangle 5">
+            <a:extLst>
+              <a:ext uri="{FF2B5EF4-FFF2-40B4-BE49-F238E27FC236}">
+                <a16:creationId xmlns:a16="http://schemas.microsoft.com/office/drawing/2014/main" id="{9E6989C3-BF2C-8495-8575-639A8CD1DBC2}"/>
+              </a:ext>
+            </a:extLst>
+          </p:cNvPr>
+          <p:cNvSpPr/>
+          <p:nvPr/>
+        </p:nvSpPr>
+        <p:spPr>
+          <a:xfrm>
+            <a:off x="4667954" y="3996267"/>
+            <a:ext cx="2856089" cy="564444"/>
+          </a:xfrm>
+          <a:prstGeom prst="rect">
+            <a:avLst/>
+          </a:prstGeom>
+        </p:spPr>
+        <p:style>
+          <a:lnRef idx="2">
+            <a:schemeClr val="accent1">
+              <a:shade val="15000"/>
+            </a:schemeClr>
+          </a:lnRef>
+          <a:fillRef idx="1">
+            <a:schemeClr val="accent1"/>
+          </a:fillRef>
+          <a:effectRef idx="0">
+            <a:schemeClr val="accent1"/>
+          </a:effectRef>
+          <a:fontRef idx="minor">
+            <a:schemeClr val="lt1"/>
+          </a:fontRef>
+        </p:style>
+        <p:txBody>
+          <a:bodyPr rtlCol="0" anchor="ctr"/>
+          <a:lstStyle/>
+          <a:p>
+            <a:pPr algn="ctr"/>
+            <a:r>
+              <a:rPr lang="en-US" dirty="0"/>
+              <a:t>Splitting Data</a:t>
+            </a:r>
+          </a:p>
+        </p:txBody>
+      </p:sp>
+      <p:cxnSp>
+        <p:nvCxnSpPr>
+          <p:cNvPr id="8" name="Straight Connector 7">
+            <a:extLst>
+              <a:ext uri="{FF2B5EF4-FFF2-40B4-BE49-F238E27FC236}">
+                <a16:creationId xmlns:a16="http://schemas.microsoft.com/office/drawing/2014/main" id="{715FAA9F-674C-FDC6-F80B-47D11E5672B2}"/>
+              </a:ext>
+            </a:extLst>
+          </p:cNvPr>
+          <p:cNvCxnSpPr>
+            <a:stCxn id="4" idx="2"/>
+            <a:endCxn id="5" idx="0"/>
+          </p:cNvCxnSpPr>
+          <p:nvPr/>
+        </p:nvCxnSpPr>
+        <p:spPr>
+          <a:xfrm flipH="1">
+            <a:off x="2382224" y="4560711"/>
+            <a:ext cx="1" cy="597428"/>
+          </a:xfrm>
+          <a:prstGeom prst="line">
+            <a:avLst/>
+          </a:prstGeom>
+        </p:spPr>
+        <p:style>
+          <a:lnRef idx="1">
+            <a:schemeClr val="accent1"/>
+          </a:lnRef>
+          <a:fillRef idx="0">
+            <a:schemeClr val="accent1"/>
+          </a:fillRef>
+          <a:effectRef idx="0">
+            <a:schemeClr val="accent1"/>
+          </a:effectRef>
+          <a:fontRef idx="minor">
+            <a:schemeClr val="tx1"/>
+          </a:fontRef>
+        </p:style>
+      </p:cxnSp>
+      <p:cxnSp>
+        <p:nvCxnSpPr>
+          <p:cNvPr id="10" name="Elbow Connector 9">
+            <a:extLst>
+              <a:ext uri="{FF2B5EF4-FFF2-40B4-BE49-F238E27FC236}">
+                <a16:creationId xmlns:a16="http://schemas.microsoft.com/office/drawing/2014/main" id="{E5086C93-3EB4-F6B6-CC66-2C9A00A730F9}"/>
+              </a:ext>
+            </a:extLst>
+          </p:cNvPr>
+          <p:cNvCxnSpPr>
+            <a:cxnSpLocks/>
+            <a:stCxn id="5" idx="3"/>
+            <a:endCxn id="6" idx="1"/>
+          </p:cNvCxnSpPr>
+          <p:nvPr/>
+        </p:nvCxnSpPr>
+        <p:spPr>
+          <a:xfrm flipV="1">
+            <a:off x="3810268" y="4278489"/>
+            <a:ext cx="857686" cy="1161872"/>
+          </a:xfrm>
+          <a:prstGeom prst="bentConnector3">
+            <a:avLst>
+              <a:gd name="adj1" fmla="val 50000"/>
+            </a:avLst>
+          </a:prstGeom>
+        </p:spPr>
+        <p:style>
+          <a:lnRef idx="1">
+            <a:schemeClr val="accent1"/>
+          </a:lnRef>
+          <a:fillRef idx="0">
+            <a:schemeClr val="accent1"/>
+          </a:fillRef>
+          <a:effectRef idx="0">
+            <a:schemeClr val="accent1"/>
+          </a:effectRef>
+          <a:fontRef idx="minor">
+            <a:schemeClr val="tx1"/>
+          </a:fontRef>
+        </p:style>
+      </p:cxnSp>
+      <p:sp>
+        <p:nvSpPr>
+          <p:cNvPr id="13" name="Rectangle 12">
+            <a:extLst>
+              <a:ext uri="{FF2B5EF4-FFF2-40B4-BE49-F238E27FC236}">
+                <a16:creationId xmlns:a16="http://schemas.microsoft.com/office/drawing/2014/main" id="{DB8D6AE6-663C-FD25-F974-3886C4EEEAC1}"/>
+              </a:ext>
+            </a:extLst>
+          </p:cNvPr>
+          <p:cNvSpPr/>
+          <p:nvPr/>
+        </p:nvSpPr>
+        <p:spPr>
+          <a:xfrm>
+            <a:off x="8381731" y="5158139"/>
+            <a:ext cx="2856089" cy="564444"/>
+          </a:xfrm>
+          <a:prstGeom prst="rect">
+            <a:avLst/>
+          </a:prstGeom>
+        </p:spPr>
+        <p:style>
+          <a:lnRef idx="2">
+            <a:schemeClr val="accent1">
+              <a:shade val="15000"/>
+            </a:schemeClr>
+          </a:lnRef>
+          <a:fillRef idx="1">
+            <a:schemeClr val="accent1"/>
+          </a:fillRef>
+          <a:effectRef idx="0">
+            <a:schemeClr val="accent1"/>
+          </a:effectRef>
+          <a:fontRef idx="minor">
+            <a:schemeClr val="lt1"/>
+          </a:fontRef>
+        </p:style>
+        <p:txBody>
+          <a:bodyPr rtlCol="0" anchor="ctr"/>
+          <a:lstStyle/>
+          <a:p>
+            <a:pPr algn="ctr"/>
+            <a:r>
+              <a:rPr lang="en-US" dirty="0"/>
+              <a:t>Making Predictions</a:t>
+            </a:r>
+          </a:p>
+        </p:txBody>
+      </p:sp>
+      <p:sp>
+        <p:nvSpPr>
+          <p:cNvPr id="14" name="Rectangle 13">
+            <a:extLst>
+              <a:ext uri="{FF2B5EF4-FFF2-40B4-BE49-F238E27FC236}">
+                <a16:creationId xmlns:a16="http://schemas.microsoft.com/office/drawing/2014/main" id="{5BE2FCF5-A10F-5398-1F74-2F0791AECBD6}"/>
+              </a:ext>
+            </a:extLst>
+          </p:cNvPr>
+          <p:cNvSpPr/>
+          <p:nvPr/>
+        </p:nvSpPr>
+        <p:spPr>
+          <a:xfrm>
+            <a:off x="8381730" y="4008404"/>
+            <a:ext cx="2856089" cy="564444"/>
+          </a:xfrm>
+          <a:prstGeom prst="rect">
+            <a:avLst/>
+          </a:prstGeom>
+        </p:spPr>
+        <p:style>
+          <a:lnRef idx="2">
+            <a:schemeClr val="accent1">
+              <a:shade val="15000"/>
+            </a:schemeClr>
+          </a:lnRef>
+          <a:fillRef idx="1">
+            <a:schemeClr val="accent1"/>
+          </a:fillRef>
+          <a:effectRef idx="0">
+            <a:schemeClr val="accent1"/>
+          </a:effectRef>
+          <a:fontRef idx="minor">
+            <a:schemeClr val="lt1"/>
+          </a:fontRef>
+        </p:style>
+        <p:txBody>
+          <a:bodyPr rtlCol="0" anchor="ctr"/>
+          <a:lstStyle/>
+          <a:p>
+            <a:pPr algn="ctr"/>
+            <a:r>
+              <a:rPr lang="en-US" dirty="0"/>
+              <a:t>Testing Model</a:t>
+            </a:r>
+          </a:p>
+        </p:txBody>
+      </p:sp>
+      <p:sp>
+        <p:nvSpPr>
+          <p:cNvPr id="15" name="Rectangle 14">
+            <a:extLst>
+              <a:ext uri="{FF2B5EF4-FFF2-40B4-BE49-F238E27FC236}">
+                <a16:creationId xmlns:a16="http://schemas.microsoft.com/office/drawing/2014/main" id="{3FE72085-1086-FC4A-F366-A0877E51F098}"/>
+              </a:ext>
+            </a:extLst>
+          </p:cNvPr>
+          <p:cNvSpPr/>
+          <p:nvPr/>
+        </p:nvSpPr>
+        <p:spPr>
+          <a:xfrm>
+            <a:off x="4667952" y="5166164"/>
+            <a:ext cx="2856089" cy="564444"/>
+          </a:xfrm>
+          <a:prstGeom prst="rect">
+            <a:avLst/>
+          </a:prstGeom>
+        </p:spPr>
+        <p:style>
+          <a:lnRef idx="2">
+            <a:schemeClr val="accent1">
+              <a:shade val="15000"/>
+            </a:schemeClr>
+          </a:lnRef>
+          <a:fillRef idx="1">
+            <a:schemeClr val="accent1"/>
+          </a:fillRef>
+          <a:effectRef idx="0">
+            <a:schemeClr val="accent1"/>
+          </a:effectRef>
+          <a:fontRef idx="minor">
+            <a:schemeClr val="lt1"/>
+          </a:fontRef>
+        </p:style>
+        <p:txBody>
+          <a:bodyPr rtlCol="0" anchor="ctr"/>
+          <a:lstStyle/>
+          <a:p>
+            <a:pPr algn="ctr"/>
+            <a:r>
+              <a:rPr lang="en-US" dirty="0"/>
+              <a:t>Training model</a:t>
+            </a:r>
+          </a:p>
+        </p:txBody>
+      </p:sp>
+      <p:cxnSp>
+        <p:nvCxnSpPr>
+          <p:cNvPr id="16" name="Straight Connector 15">
+            <a:extLst>
+              <a:ext uri="{FF2B5EF4-FFF2-40B4-BE49-F238E27FC236}">
+                <a16:creationId xmlns:a16="http://schemas.microsoft.com/office/drawing/2014/main" id="{389EB443-59F9-4C0C-C1BD-301D3104B5B6}"/>
+              </a:ext>
+            </a:extLst>
+          </p:cNvPr>
+          <p:cNvCxnSpPr/>
+          <p:nvPr/>
+        </p:nvCxnSpPr>
+        <p:spPr>
+          <a:xfrm flipH="1">
+            <a:off x="6095996" y="4560711"/>
+            <a:ext cx="1" cy="597428"/>
+          </a:xfrm>
+          <a:prstGeom prst="line">
+            <a:avLst/>
+          </a:prstGeom>
+        </p:spPr>
+        <p:style>
+          <a:lnRef idx="1">
+            <a:schemeClr val="accent1"/>
+          </a:lnRef>
+          <a:fillRef idx="0">
+            <a:schemeClr val="accent1"/>
+          </a:fillRef>
+          <a:effectRef idx="0">
+            <a:schemeClr val="accent1"/>
+          </a:effectRef>
+          <a:fontRef idx="minor">
+            <a:schemeClr val="tx1"/>
+          </a:fontRef>
+        </p:style>
+      </p:cxnSp>
+      <p:cxnSp>
+        <p:nvCxnSpPr>
+          <p:cNvPr id="17" name="Elbow Connector 16">
+            <a:extLst>
+              <a:ext uri="{FF2B5EF4-FFF2-40B4-BE49-F238E27FC236}">
+                <a16:creationId xmlns:a16="http://schemas.microsoft.com/office/drawing/2014/main" id="{2AFF7E59-079E-8B47-B2FB-C027C82317D3}"/>
+              </a:ext>
+            </a:extLst>
+          </p:cNvPr>
+          <p:cNvCxnSpPr>
+            <a:cxnSpLocks/>
+          </p:cNvCxnSpPr>
+          <p:nvPr/>
+        </p:nvCxnSpPr>
+        <p:spPr>
+          <a:xfrm flipV="1">
+            <a:off x="7524039" y="4282502"/>
+            <a:ext cx="857686" cy="1161872"/>
+          </a:xfrm>
+          <a:prstGeom prst="bentConnector3">
+            <a:avLst>
+              <a:gd name="adj1" fmla="val 50000"/>
+            </a:avLst>
+          </a:prstGeom>
+        </p:spPr>
+        <p:style>
+          <a:lnRef idx="1">
+            <a:schemeClr val="accent1"/>
+          </a:lnRef>
+          <a:fillRef idx="0">
+            <a:schemeClr val="accent1"/>
+          </a:fillRef>
+          <a:effectRef idx="0">
+            <a:schemeClr val="accent1"/>
+          </a:effectRef>
+          <a:fontRef idx="minor">
+            <a:schemeClr val="tx1"/>
+          </a:fontRef>
+        </p:style>
+      </p:cxnSp>
+      <p:cxnSp>
+        <p:nvCxnSpPr>
+          <p:cNvPr id="18" name="Straight Connector 17">
+            <a:extLst>
+              <a:ext uri="{FF2B5EF4-FFF2-40B4-BE49-F238E27FC236}">
+                <a16:creationId xmlns:a16="http://schemas.microsoft.com/office/drawing/2014/main" id="{DDDEC53D-7D5D-489A-E60C-9696D83C717F}"/>
+              </a:ext>
+            </a:extLst>
+          </p:cNvPr>
+          <p:cNvCxnSpPr/>
+          <p:nvPr/>
+        </p:nvCxnSpPr>
+        <p:spPr>
+          <a:xfrm flipH="1">
+            <a:off x="9725374" y="4560711"/>
+            <a:ext cx="1" cy="597428"/>
+          </a:xfrm>
+          <a:prstGeom prst="line">
+            <a:avLst/>
+          </a:prstGeom>
+        </p:spPr>
+        <p:style>
+          <a:lnRef idx="1">
+            <a:schemeClr val="accent1"/>
+          </a:lnRef>
+          <a:fillRef idx="0">
+            <a:schemeClr val="accent1"/>
+          </a:fillRef>
+          <a:effectRef idx="0">
+            <a:schemeClr val="accent1"/>
+          </a:effectRef>
+          <a:fontRef idx="minor">
+            <a:schemeClr val="tx1"/>
+          </a:fontRef>
+        </p:style>
+      </p:cxnSp>
+      <p:sp>
+        <p:nvSpPr>
+          <p:cNvPr id="19" name="Rectangle 18">
+            <a:extLst>
+              <a:ext uri="{FF2B5EF4-FFF2-40B4-BE49-F238E27FC236}">
+                <a16:creationId xmlns:a16="http://schemas.microsoft.com/office/drawing/2014/main" id="{02319CA1-F3A5-524B-F5C1-E28D5E2F9542}"/>
+              </a:ext>
+            </a:extLst>
+          </p:cNvPr>
+          <p:cNvSpPr/>
+          <p:nvPr/>
+        </p:nvSpPr>
+        <p:spPr>
+          <a:xfrm>
+            <a:off x="8381725" y="6128590"/>
+            <a:ext cx="2856089" cy="564444"/>
+          </a:xfrm>
+          <a:prstGeom prst="rect">
+            <a:avLst/>
+          </a:prstGeom>
+        </p:spPr>
+        <p:style>
+          <a:lnRef idx="2">
+            <a:schemeClr val="accent1">
+              <a:shade val="15000"/>
+            </a:schemeClr>
+          </a:lnRef>
+          <a:fillRef idx="1">
+            <a:schemeClr val="accent1"/>
+          </a:fillRef>
+          <a:effectRef idx="0">
+            <a:schemeClr val="accent1"/>
+          </a:effectRef>
+          <a:fontRef idx="minor">
+            <a:schemeClr val="lt1"/>
+          </a:fontRef>
+        </p:style>
+        <p:txBody>
+          <a:bodyPr rtlCol="0" anchor="ctr"/>
+          <a:lstStyle/>
+          <a:p>
+            <a:pPr algn="ctr"/>
+            <a:r>
+              <a:rPr lang="en-US" dirty="0"/>
+              <a:t>User Interface</a:t>
+            </a:r>
+          </a:p>
+        </p:txBody>
+      </p:sp>
+      <p:cxnSp>
+        <p:nvCxnSpPr>
+          <p:cNvPr id="21" name="Straight Connector 20">
+            <a:extLst>
+              <a:ext uri="{FF2B5EF4-FFF2-40B4-BE49-F238E27FC236}">
+                <a16:creationId xmlns:a16="http://schemas.microsoft.com/office/drawing/2014/main" id="{51FE8BD4-2695-A723-3BA1-4B9DE730C952}"/>
+              </a:ext>
+            </a:extLst>
+          </p:cNvPr>
+          <p:cNvCxnSpPr/>
+          <p:nvPr/>
+        </p:nvCxnSpPr>
+        <p:spPr>
+          <a:xfrm flipH="1">
+            <a:off x="9725373" y="5688323"/>
+            <a:ext cx="1" cy="597428"/>
+          </a:xfrm>
+          <a:prstGeom prst="line">
+            <a:avLst/>
+          </a:prstGeom>
+        </p:spPr>
+        <p:style>
+          <a:lnRef idx="1">
+            <a:schemeClr val="accent1"/>
+          </a:lnRef>
+          <a:fillRef idx="0">
+            <a:schemeClr val="accent1"/>
+          </a:fillRef>
+          <a:effectRef idx="0">
+            <a:schemeClr val="accent1"/>
+          </a:effectRef>
+          <a:fontRef idx="minor">
+            <a:schemeClr val="tx1"/>
+          </a:fontRef>
+        </p:style>
+      </p:cxnSp>
     </p:spTree>
     <p:extLst>
       <p:ext uri="{BB962C8B-B14F-4D97-AF65-F5344CB8AC3E}">
@@ -5693,6 +6332,360 @@
   <p:clrMapOvr>
     <a:masterClrMapping/>
   </p:clrMapOvr>
+  <p:timing>
+    <p:tnLst>
+      <p:par>
+        <p:cTn id="1" dur="indefinite" restart="never" nodeType="tmRoot">
+          <p:childTnLst>
+            <p:seq concurrent="1" nextAc="seek">
+              <p:cTn id="2" dur="indefinite" nodeType="mainSeq">
+                <p:childTnLst>
+                  <p:par>
+                    <p:cTn id="3" fill="hold">
+                      <p:stCondLst>
+                        <p:cond delay="indefinite"/>
+                      </p:stCondLst>
+                      <p:childTnLst>
+                        <p:par>
+                          <p:cTn id="4" fill="hold">
+                            <p:stCondLst>
+                              <p:cond delay="0"/>
+                            </p:stCondLst>
+                            <p:childTnLst>
+                              <p:par>
+                                <p:cTn id="5" presetID="1" presetClass="entr" presetSubtype="0" fill="hold" grpId="0" nodeType="clickEffect">
+                                  <p:stCondLst>
+                                    <p:cond delay="0"/>
+                                  </p:stCondLst>
+                                  <p:childTnLst>
+                                    <p:set>
+                                      <p:cBhvr>
+                                        <p:cTn id="6" dur="1" fill="hold">
+                                          <p:stCondLst>
+                                            <p:cond delay="0"/>
+                                          </p:stCondLst>
+                                        </p:cTn>
+                                        <p:tgtEl>
+                                          <p:spTgt spid="4"/>
+                                        </p:tgtEl>
+                                        <p:attrNameLst>
+                                          <p:attrName>style.visibility</p:attrName>
+                                        </p:attrNameLst>
+                                      </p:cBhvr>
+                                      <p:to>
+                                        <p:strVal val="visible"/>
+                                      </p:to>
+                                    </p:set>
+                                  </p:childTnLst>
+                                </p:cTn>
+                              </p:par>
+                            </p:childTnLst>
+                          </p:cTn>
+                        </p:par>
+                      </p:childTnLst>
+                    </p:cTn>
+                  </p:par>
+                  <p:par>
+                    <p:cTn id="7" fill="hold">
+                      <p:stCondLst>
+                        <p:cond delay="indefinite"/>
+                      </p:stCondLst>
+                      <p:childTnLst>
+                        <p:par>
+                          <p:cTn id="8" fill="hold">
+                            <p:stCondLst>
+                              <p:cond delay="0"/>
+                            </p:stCondLst>
+                            <p:childTnLst>
+                              <p:par>
+                                <p:cTn id="9" presetID="1" presetClass="entr" presetSubtype="0" fill="hold" grpId="0" nodeType="clickEffect">
+                                  <p:stCondLst>
+                                    <p:cond delay="0"/>
+                                  </p:stCondLst>
+                                  <p:childTnLst>
+                                    <p:set>
+                                      <p:cBhvr>
+                                        <p:cTn id="10" dur="1" fill="hold">
+                                          <p:stCondLst>
+                                            <p:cond delay="0"/>
+                                          </p:stCondLst>
+                                        </p:cTn>
+                                        <p:tgtEl>
+                                          <p:spTgt spid="5"/>
+                                        </p:tgtEl>
+                                        <p:attrNameLst>
+                                          <p:attrName>style.visibility</p:attrName>
+                                        </p:attrNameLst>
+                                      </p:cBhvr>
+                                      <p:to>
+                                        <p:strVal val="visible"/>
+                                      </p:to>
+                                    </p:set>
+                                  </p:childTnLst>
+                                </p:cTn>
+                              </p:par>
+                            </p:childTnLst>
+                          </p:cTn>
+                        </p:par>
+                      </p:childTnLst>
+                    </p:cTn>
+                  </p:par>
+                  <p:par>
+                    <p:cTn id="11" fill="hold">
+                      <p:stCondLst>
+                        <p:cond delay="indefinite"/>
+                      </p:stCondLst>
+                      <p:childTnLst>
+                        <p:par>
+                          <p:cTn id="12" fill="hold">
+                            <p:stCondLst>
+                              <p:cond delay="0"/>
+                            </p:stCondLst>
+                            <p:childTnLst>
+                              <p:par>
+                                <p:cTn id="13" presetID="1" presetClass="entr" presetSubtype="0" fill="hold" grpId="0" nodeType="clickEffect">
+                                  <p:stCondLst>
+                                    <p:cond delay="0"/>
+                                  </p:stCondLst>
+                                  <p:childTnLst>
+                                    <p:set>
+                                      <p:cBhvr>
+                                        <p:cTn id="14" dur="1" fill="hold">
+                                          <p:stCondLst>
+                                            <p:cond delay="0"/>
+                                          </p:stCondLst>
+                                        </p:cTn>
+                                        <p:tgtEl>
+                                          <p:spTgt spid="6"/>
+                                        </p:tgtEl>
+                                        <p:attrNameLst>
+                                          <p:attrName>style.visibility</p:attrName>
+                                        </p:attrNameLst>
+                                      </p:cBhvr>
+                                      <p:to>
+                                        <p:strVal val="visible"/>
+                                      </p:to>
+                                    </p:set>
+                                  </p:childTnLst>
+                                </p:cTn>
+                              </p:par>
+                            </p:childTnLst>
+                          </p:cTn>
+                        </p:par>
+                      </p:childTnLst>
+                    </p:cTn>
+                  </p:par>
+                  <p:par>
+                    <p:cTn id="15" fill="hold">
+                      <p:stCondLst>
+                        <p:cond delay="indefinite"/>
+                      </p:stCondLst>
+                      <p:childTnLst>
+                        <p:par>
+                          <p:cTn id="16" fill="hold">
+                            <p:stCondLst>
+                              <p:cond delay="0"/>
+                            </p:stCondLst>
+                            <p:childTnLst>
+                              <p:par>
+                                <p:cTn id="17" presetID="1" presetClass="entr" presetSubtype="0" fill="hold" grpId="0" nodeType="clickEffect">
+                                  <p:stCondLst>
+                                    <p:cond delay="0"/>
+                                  </p:stCondLst>
+                                  <p:childTnLst>
+                                    <p:set>
+                                      <p:cBhvr>
+                                        <p:cTn id="18" dur="1" fill="hold">
+                                          <p:stCondLst>
+                                            <p:cond delay="0"/>
+                                          </p:stCondLst>
+                                        </p:cTn>
+                                        <p:tgtEl>
+                                          <p:spTgt spid="15"/>
+                                        </p:tgtEl>
+                                        <p:attrNameLst>
+                                          <p:attrName>style.visibility</p:attrName>
+                                        </p:attrNameLst>
+                                      </p:cBhvr>
+                                      <p:to>
+                                        <p:strVal val="visible"/>
+                                      </p:to>
+                                    </p:set>
+                                  </p:childTnLst>
+                                </p:cTn>
+                              </p:par>
+                            </p:childTnLst>
+                          </p:cTn>
+                        </p:par>
+                      </p:childTnLst>
+                    </p:cTn>
+                  </p:par>
+                  <p:par>
+                    <p:cTn id="19" fill="hold">
+                      <p:stCondLst>
+                        <p:cond delay="indefinite"/>
+                      </p:stCondLst>
+                      <p:childTnLst>
+                        <p:par>
+                          <p:cTn id="20" fill="hold">
+                            <p:stCondLst>
+                              <p:cond delay="0"/>
+                            </p:stCondLst>
+                            <p:childTnLst>
+                              <p:par>
+                                <p:cTn id="21" presetID="1" presetClass="entr" presetSubtype="0" fill="hold" grpId="0" nodeType="clickEffect">
+                                  <p:stCondLst>
+                                    <p:cond delay="0"/>
+                                  </p:stCondLst>
+                                  <p:childTnLst>
+                                    <p:set>
+                                      <p:cBhvr>
+                                        <p:cTn id="22" dur="1" fill="hold">
+                                          <p:stCondLst>
+                                            <p:cond delay="0"/>
+                                          </p:stCondLst>
+                                        </p:cTn>
+                                        <p:tgtEl>
+                                          <p:spTgt spid="14"/>
+                                        </p:tgtEl>
+                                        <p:attrNameLst>
+                                          <p:attrName>style.visibility</p:attrName>
+                                        </p:attrNameLst>
+                                      </p:cBhvr>
+                                      <p:to>
+                                        <p:strVal val="visible"/>
+                                      </p:to>
+                                    </p:set>
+                                  </p:childTnLst>
+                                </p:cTn>
+                              </p:par>
+                            </p:childTnLst>
+                          </p:cTn>
+                        </p:par>
+                      </p:childTnLst>
+                    </p:cTn>
+                  </p:par>
+                  <p:par>
+                    <p:cTn id="23" fill="hold">
+                      <p:stCondLst>
+                        <p:cond delay="indefinite"/>
+                      </p:stCondLst>
+                      <p:childTnLst>
+                        <p:par>
+                          <p:cTn id="24" fill="hold">
+                            <p:stCondLst>
+                              <p:cond delay="0"/>
+                            </p:stCondLst>
+                            <p:childTnLst>
+                              <p:par>
+                                <p:cTn id="25" presetID="1" presetClass="entr" presetSubtype="0" fill="hold" grpId="0" nodeType="clickEffect">
+                                  <p:stCondLst>
+                                    <p:cond delay="0"/>
+                                  </p:stCondLst>
+                                  <p:childTnLst>
+                                    <p:set>
+                                      <p:cBhvr>
+                                        <p:cTn id="26" dur="1" fill="hold">
+                                          <p:stCondLst>
+                                            <p:cond delay="0"/>
+                                          </p:stCondLst>
+                                        </p:cTn>
+                                        <p:tgtEl>
+                                          <p:spTgt spid="13"/>
+                                        </p:tgtEl>
+                                        <p:attrNameLst>
+                                          <p:attrName>style.visibility</p:attrName>
+                                        </p:attrNameLst>
+                                      </p:cBhvr>
+                                      <p:to>
+                                        <p:strVal val="visible"/>
+                                      </p:to>
+                                    </p:set>
+                                  </p:childTnLst>
+                                </p:cTn>
+                              </p:par>
+                            </p:childTnLst>
+                          </p:cTn>
+                        </p:par>
+                      </p:childTnLst>
+                    </p:cTn>
+                  </p:par>
+                  <p:par>
+                    <p:cTn id="27" fill="hold">
+                      <p:stCondLst>
+                        <p:cond delay="indefinite"/>
+                      </p:stCondLst>
+                      <p:childTnLst>
+                        <p:par>
+                          <p:cTn id="28" fill="hold">
+                            <p:stCondLst>
+                              <p:cond delay="0"/>
+                            </p:stCondLst>
+                            <p:childTnLst>
+                              <p:par>
+                                <p:cTn id="29" presetID="1" presetClass="entr" presetSubtype="0" fill="hold" grpId="0" nodeType="clickEffect">
+                                  <p:stCondLst>
+                                    <p:cond delay="0"/>
+                                  </p:stCondLst>
+                                  <p:childTnLst>
+                                    <p:set>
+                                      <p:cBhvr>
+                                        <p:cTn id="30" dur="1" fill="hold">
+                                          <p:stCondLst>
+                                            <p:cond delay="0"/>
+                                          </p:stCondLst>
+                                        </p:cTn>
+                                        <p:tgtEl>
+                                          <p:spTgt spid="19"/>
+                                        </p:tgtEl>
+                                        <p:attrNameLst>
+                                          <p:attrName>style.visibility</p:attrName>
+                                        </p:attrNameLst>
+                                      </p:cBhvr>
+                                      <p:to>
+                                        <p:strVal val="visible"/>
+                                      </p:to>
+                                    </p:set>
+                                  </p:childTnLst>
+                                </p:cTn>
+                              </p:par>
+                            </p:childTnLst>
+                          </p:cTn>
+                        </p:par>
+                      </p:childTnLst>
+                    </p:cTn>
+                  </p:par>
+                </p:childTnLst>
+              </p:cTn>
+              <p:prevCondLst>
+                <p:cond evt="onPrev" delay="0">
+                  <p:tgtEl>
+                    <p:sldTgt/>
+                  </p:tgtEl>
+                </p:cond>
+              </p:prevCondLst>
+              <p:nextCondLst>
+                <p:cond evt="onNext" delay="0">
+                  <p:tgtEl>
+                    <p:sldTgt/>
+                  </p:tgtEl>
+                </p:cond>
+              </p:nextCondLst>
+            </p:seq>
+          </p:childTnLst>
+        </p:cTn>
+      </p:par>
+    </p:tnLst>
+    <p:bldLst>
+      <p:bldP spid="4" grpId="0" animBg="1"/>
+      <p:bldP spid="5" grpId="0" animBg="1"/>
+      <p:bldP spid="6" grpId="0" animBg="1"/>
+      <p:bldP spid="13" grpId="0" animBg="1"/>
+      <p:bldP spid="14" grpId="0" animBg="1"/>
+      <p:bldP spid="15" grpId="0" animBg="1"/>
+      <p:bldP spid="19" grpId="0" animBg="1"/>
+    </p:bldLst>
+  </p:timing>
 </p:sld>
 </file>
 
@@ -5778,6 +6771,12 @@
               <a:t>https://www.kaggle.com/datasets/zaurbegiev/my-dataset</a:t>
             </a:r>
             <a:endParaRPr lang="en-US" dirty="0"/>
+          </a:p>
+          <a:p>
+            <a:r>
+              <a:rPr lang="en-US" dirty="0"/>
+              <a:t>Over 65, 000 lines of data</a:t>
+            </a:r>
           </a:p>
           <a:p>
             <a:r>
@@ -5847,6 +6846,58 @@
           </a:prstGeom>
         </p:spPr>
       </p:pic>
+      <p:sp>
+        <p:nvSpPr>
+          <p:cNvPr id="4" name="Rectangle 3">
+            <a:extLst>
+              <a:ext uri="{FF2B5EF4-FFF2-40B4-BE49-F238E27FC236}">
+                <a16:creationId xmlns:a16="http://schemas.microsoft.com/office/drawing/2014/main" id="{7AE95234-F9A7-C4D5-E002-3175D681662A}"/>
+              </a:ext>
+            </a:extLst>
+          </p:cNvPr>
+          <p:cNvSpPr/>
+          <p:nvPr/>
+        </p:nvSpPr>
+        <p:spPr>
+          <a:xfrm>
+            <a:off x="9652000" y="4120444"/>
+            <a:ext cx="620889" cy="237067"/>
+          </a:xfrm>
+          <a:prstGeom prst="rect">
+            <a:avLst/>
+          </a:prstGeom>
+          <a:noFill/>
+          <a:ln w="38100">
+            <a:solidFill>
+              <a:schemeClr val="accent1"/>
+            </a:solidFill>
+          </a:ln>
+        </p:spPr>
+        <p:style>
+          <a:lnRef idx="2">
+            <a:schemeClr val="accent1">
+              <a:shade val="15000"/>
+            </a:schemeClr>
+          </a:lnRef>
+          <a:fillRef idx="1">
+            <a:schemeClr val="accent1"/>
+          </a:fillRef>
+          <a:effectRef idx="0">
+            <a:schemeClr val="accent1"/>
+          </a:effectRef>
+          <a:fontRef idx="minor">
+            <a:schemeClr val="lt1"/>
+          </a:fontRef>
+        </p:style>
+        <p:txBody>
+          <a:bodyPr rtlCol="0" anchor="ctr"/>
+          <a:lstStyle/>
+          <a:p>
+            <a:pPr algn="ctr"/>
+            <a:endParaRPr lang="en-US"/>
+          </a:p>
+        </p:txBody>
+      </p:sp>
     </p:spTree>
     <p:extLst>
       <p:ext uri="{BB962C8B-B14F-4D97-AF65-F5344CB8AC3E}">
@@ -5857,6 +6908,84 @@
   <p:clrMapOvr>
     <a:masterClrMapping/>
   </p:clrMapOvr>
+  <p:timing>
+    <p:tnLst>
+      <p:par>
+        <p:cTn id="1" dur="indefinite" restart="never" nodeType="tmRoot">
+          <p:childTnLst>
+            <p:seq concurrent="1" nextAc="seek">
+              <p:cTn id="2" dur="indefinite" nodeType="mainSeq">
+                <p:childTnLst>
+                  <p:par>
+                    <p:cTn id="3" fill="hold">
+                      <p:stCondLst>
+                        <p:cond delay="indefinite"/>
+                      </p:stCondLst>
+                      <p:childTnLst>
+                        <p:par>
+                          <p:cTn id="4" fill="hold">
+                            <p:stCondLst>
+                              <p:cond delay="0"/>
+                            </p:stCondLst>
+                            <p:childTnLst>
+                              <p:par>
+                                <p:cTn id="5" presetID="1" presetClass="entr" presetSubtype="0" fill="hold" grpId="0" nodeType="clickEffect">
+                                  <p:stCondLst>
+                                    <p:cond delay="0"/>
+                                  </p:stCondLst>
+                                  <p:childTnLst>
+                                    <p:set>
+                                      <p:cBhvr>
+                                        <p:cTn id="6" dur="1" fill="hold">
+                                          <p:stCondLst>
+                                            <p:cond delay="0"/>
+                                          </p:stCondLst>
+                                        </p:cTn>
+                                        <p:tgtEl>
+                                          <p:spTgt spid="4"/>
+                                        </p:tgtEl>
+                                        <p:attrNameLst>
+                                          <p:attrName>style.visibility</p:attrName>
+                                        </p:attrNameLst>
+                                      </p:cBhvr>
+                                      <p:to>
+                                        <p:strVal val="visible"/>
+                                      </p:to>
+                                    </p:set>
+                                  </p:childTnLst>
+                                </p:cTn>
+                              </p:par>
+                            </p:childTnLst>
+                          </p:cTn>
+                        </p:par>
+                      </p:childTnLst>
+                    </p:cTn>
+                  </p:par>
+                </p:childTnLst>
+              </p:cTn>
+              <p:prevCondLst>
+                <p:cond evt="onPrev" delay="0">
+                  <p:tgtEl>
+                    <p:sldTgt/>
+                  </p:tgtEl>
+                </p:cond>
+              </p:prevCondLst>
+              <p:nextCondLst>
+                <p:cond evt="onNext" delay="0">
+                  <p:tgtEl>
+                    <p:sldTgt/>
+                  </p:tgtEl>
+                </p:cond>
+              </p:nextCondLst>
+            </p:seq>
+          </p:childTnLst>
+        </p:cTn>
+      </p:par>
+    </p:tnLst>
+    <p:bldLst>
+      <p:bldP spid="4" grpId="0" animBg="1"/>
+    </p:bldLst>
+  </p:timing>
 </p:sld>
 </file>
 
@@ -5882,86 +7011,6 @@
           <p:cNvPr id="2" name="Title 1">
             <a:extLst>
               <a:ext uri="{FF2B5EF4-FFF2-40B4-BE49-F238E27FC236}">
-                <a16:creationId xmlns:a16="http://schemas.microsoft.com/office/drawing/2014/main" id="{57D54662-0E0E-431F-0B3B-323352A53668}"/>
-              </a:ext>
-            </a:extLst>
-          </p:cNvPr>
-          <p:cNvSpPr>
-            <a:spLocks noGrp="1"/>
-          </p:cNvSpPr>
-          <p:nvPr>
-            <p:ph type="title"/>
-          </p:nvPr>
-        </p:nvSpPr>
-        <p:spPr/>
-        <p:txBody>
-          <a:bodyPr/>
-          <a:lstStyle/>
-          <a:p>
-            <a:endParaRPr lang="en-US"/>
-          </a:p>
-        </p:txBody>
-      </p:sp>
-      <p:sp>
-        <p:nvSpPr>
-          <p:cNvPr id="3" name="Content Placeholder 2">
-            <a:extLst>
-              <a:ext uri="{FF2B5EF4-FFF2-40B4-BE49-F238E27FC236}">
-                <a16:creationId xmlns:a16="http://schemas.microsoft.com/office/drawing/2014/main" id="{A7120460-1439-9DB1-9BD8-AD0BA5541C5C}"/>
-              </a:ext>
-            </a:extLst>
-          </p:cNvPr>
-          <p:cNvSpPr>
-            <a:spLocks noGrp="1"/>
-          </p:cNvSpPr>
-          <p:nvPr>
-            <p:ph idx="1"/>
-          </p:nvPr>
-        </p:nvSpPr>
-        <p:spPr/>
-        <p:txBody>
-          <a:bodyPr/>
-          <a:lstStyle/>
-          <a:p>
-            <a:endParaRPr lang="en-US"/>
-          </a:p>
-        </p:txBody>
-      </p:sp>
-    </p:spTree>
-    <p:extLst>
-      <p:ext uri="{BB962C8B-B14F-4D97-AF65-F5344CB8AC3E}">
-        <p14:creationId xmlns:p14="http://schemas.microsoft.com/office/powerpoint/2010/main" val="2700067284"/>
-      </p:ext>
-    </p:extLst>
-  </p:cSld>
-  <p:clrMapOvr>
-    <a:masterClrMapping/>
-  </p:clrMapOvr>
-</p:sld>
-</file>
-
-<file path=ppt/slides/slide5.xml><?xml version="1.0" encoding="utf-8"?>
-<p:sld xmlns:a="http://schemas.openxmlformats.org/drawingml/2006/main" xmlns:r="http://schemas.openxmlformats.org/officeDocument/2006/relationships" xmlns:p="http://schemas.openxmlformats.org/presentationml/2006/main">
-  <p:cSld>
-    <p:spTree>
-      <p:nvGrpSpPr>
-        <p:cNvPr id="1" name=""/>
-        <p:cNvGrpSpPr/>
-        <p:nvPr/>
-      </p:nvGrpSpPr>
-      <p:grpSpPr>
-        <a:xfrm>
-          <a:off x="0" y="0"/>
-          <a:ext cx="0" cy="0"/>
-          <a:chOff x="0" y="0"/>
-          <a:chExt cx="0" cy="0"/>
-        </a:xfrm>
-      </p:grpSpPr>
-      <p:sp>
-        <p:nvSpPr>
-          <p:cNvPr id="2" name="Title 1">
-            <a:extLst>
-              <a:ext uri="{FF2B5EF4-FFF2-40B4-BE49-F238E27FC236}">
                 <a16:creationId xmlns:a16="http://schemas.microsoft.com/office/drawing/2014/main" id="{677E64E2-7B93-87DE-DE8B-C23B1CA0A765}"/>
               </a:ext>
             </a:extLst>
@@ -5980,148 +7029,154 @@
           <a:p>
             <a:r>
               <a:rPr lang="en-US" dirty="0"/>
-              <a:t>Data Cleaning</a:t>
-            </a:r>
-          </a:p>
-        </p:txBody>
-      </p:sp>
-      <p:sp>
-        <p:nvSpPr>
-          <p:cNvPr id="3" name="Content Placeholder 2">
+              <a:t>Machine Learning Models</a:t>
+            </a:r>
+          </a:p>
+        </p:txBody>
+      </p:sp>
+      <p:sp>
+        <p:nvSpPr>
+          <p:cNvPr id="4" name="Rectangle 3">
             <a:extLst>
               <a:ext uri="{FF2B5EF4-FFF2-40B4-BE49-F238E27FC236}">
-                <a16:creationId xmlns:a16="http://schemas.microsoft.com/office/drawing/2014/main" id="{3470B9BB-64DB-4DCA-B419-F93A781AFBA9}"/>
+                <a16:creationId xmlns:a16="http://schemas.microsoft.com/office/drawing/2014/main" id="{84CCA7DE-184A-D364-8FAC-3D7E126A8847}"/>
               </a:ext>
             </a:extLst>
           </p:cNvPr>
-          <p:cNvSpPr>
-            <a:spLocks noGrp="1"/>
-          </p:cNvSpPr>
-          <p:nvPr>
-            <p:ph idx="1"/>
-          </p:nvPr>
-        </p:nvSpPr>
-        <p:spPr/>
-        <p:txBody>
-          <a:bodyPr/>
-          <a:lstStyle/>
-          <a:p>
+          <p:cNvSpPr/>
+          <p:nvPr/>
+        </p:nvSpPr>
+        <p:spPr>
+          <a:xfrm>
+            <a:off x="110471" y="3129844"/>
+            <a:ext cx="3646311" cy="1264355"/>
+          </a:xfrm>
+          <a:prstGeom prst="rect">
+            <a:avLst/>
+          </a:prstGeom>
+        </p:spPr>
+        <p:style>
+          <a:lnRef idx="2">
+            <a:schemeClr val="accent1">
+              <a:shade val="15000"/>
+            </a:schemeClr>
+          </a:lnRef>
+          <a:fillRef idx="1">
+            <a:schemeClr val="accent1"/>
+          </a:fillRef>
+          <a:effectRef idx="0">
+            <a:schemeClr val="accent1"/>
+          </a:effectRef>
+          <a:fontRef idx="minor">
+            <a:schemeClr val="lt1"/>
+          </a:fontRef>
+        </p:style>
+        <p:txBody>
+          <a:bodyPr rtlCol="0" anchor="ctr"/>
+          <a:lstStyle/>
+          <a:p>
+            <a:pPr algn="ctr"/>
             <a:r>
               <a:rPr lang="en-US" dirty="0"/>
-              <a:t>Unwanted values were dropped based on research, this included null values within the dataset.</a:t>
-            </a:r>
-          </a:p>
-          <a:p>
-            <a:r>
-              <a:rPr lang="en-US" dirty="0"/>
-              <a:t>The following data was dropped during the data cleaning process: Loan ID, Customer ID, Years in current job, Loan status, Tax liens and purpose. </a:t>
-            </a:r>
-          </a:p>
-          <a:p>
-            <a:r>
-              <a:rPr lang="en-US" dirty="0"/>
-              <a:t>Dataset was standardized in order to preform machine learning</a:t>
-            </a:r>
-          </a:p>
-        </p:txBody>
-      </p:sp>
-    </p:spTree>
-    <p:extLst>
-      <p:ext uri="{BB962C8B-B14F-4D97-AF65-F5344CB8AC3E}">
-        <p14:creationId xmlns:p14="http://schemas.microsoft.com/office/powerpoint/2010/main" val="3919104685"/>
-      </p:ext>
-    </p:extLst>
-  </p:cSld>
-  <p:clrMapOvr>
-    <a:masterClrMapping/>
-  </p:clrMapOvr>
-</p:sld>
-</file>
-
-<file path=ppt/slides/slide6.xml><?xml version="1.0" encoding="utf-8"?>
-<p:sld xmlns:a="http://schemas.openxmlformats.org/drawingml/2006/main" xmlns:r="http://schemas.openxmlformats.org/officeDocument/2006/relationships" xmlns:p="http://schemas.openxmlformats.org/presentationml/2006/main">
-  <p:cSld>
-    <p:spTree>
-      <p:nvGrpSpPr>
-        <p:cNvPr id="1" name=""/>
-        <p:cNvGrpSpPr/>
-        <p:nvPr/>
-      </p:nvGrpSpPr>
-      <p:grpSpPr>
-        <a:xfrm>
-          <a:off x="0" y="0"/>
-          <a:ext cx="0" cy="0"/>
-          <a:chOff x="0" y="0"/>
-          <a:chExt cx="0" cy="0"/>
-        </a:xfrm>
-      </p:grpSpPr>
-      <p:sp>
-        <p:nvSpPr>
-          <p:cNvPr id="2" name="Title 1">
+              <a:t>Neural Networks</a:t>
+            </a:r>
+          </a:p>
+        </p:txBody>
+      </p:sp>
+      <p:sp>
+        <p:nvSpPr>
+          <p:cNvPr id="5" name="Rectangle 4">
             <a:extLst>
               <a:ext uri="{FF2B5EF4-FFF2-40B4-BE49-F238E27FC236}">
-                <a16:creationId xmlns:a16="http://schemas.microsoft.com/office/drawing/2014/main" id="{677E64E2-7B93-87DE-DE8B-C23B1CA0A765}"/>
+                <a16:creationId xmlns:a16="http://schemas.microsoft.com/office/drawing/2014/main" id="{E9017A7D-1929-6255-4818-FC53CE8AEB3E}"/>
               </a:ext>
             </a:extLst>
           </p:cNvPr>
-          <p:cNvSpPr>
-            <a:spLocks noGrp="1"/>
-          </p:cNvSpPr>
-          <p:nvPr>
-            <p:ph type="title"/>
-          </p:nvPr>
-        </p:nvSpPr>
-        <p:spPr/>
-        <p:txBody>
-          <a:bodyPr/>
-          <a:lstStyle/>
-          <a:p>
+          <p:cNvSpPr/>
+          <p:nvPr/>
+        </p:nvSpPr>
+        <p:spPr>
+          <a:xfrm>
+            <a:off x="8435219" y="3129845"/>
+            <a:ext cx="3646311" cy="1264355"/>
+          </a:xfrm>
+          <a:prstGeom prst="rect">
+            <a:avLst/>
+          </a:prstGeom>
+        </p:spPr>
+        <p:style>
+          <a:lnRef idx="2">
+            <a:schemeClr val="accent1">
+              <a:shade val="15000"/>
+            </a:schemeClr>
+          </a:lnRef>
+          <a:fillRef idx="1">
+            <a:schemeClr val="accent1"/>
+          </a:fillRef>
+          <a:effectRef idx="0">
+            <a:schemeClr val="accent1"/>
+          </a:effectRef>
+          <a:fontRef idx="minor">
+            <a:schemeClr val="lt1"/>
+          </a:fontRef>
+        </p:style>
+        <p:txBody>
+          <a:bodyPr rtlCol="0" anchor="ctr"/>
+          <a:lstStyle/>
+          <a:p>
+            <a:pPr algn="ctr"/>
             <a:r>
               <a:rPr lang="en-US" dirty="0"/>
-              <a:t>Models</a:t>
-            </a:r>
-          </a:p>
-        </p:txBody>
-      </p:sp>
-      <p:sp>
-        <p:nvSpPr>
-          <p:cNvPr id="3" name="Content Placeholder 2">
+              <a:t>Ensemble</a:t>
+            </a:r>
+          </a:p>
+        </p:txBody>
+      </p:sp>
+      <p:sp>
+        <p:nvSpPr>
+          <p:cNvPr id="6" name="Rectangle 5">
             <a:extLst>
               <a:ext uri="{FF2B5EF4-FFF2-40B4-BE49-F238E27FC236}">
-                <a16:creationId xmlns:a16="http://schemas.microsoft.com/office/drawing/2014/main" id="{3470B9BB-64DB-4DCA-B419-F93A781AFBA9}"/>
+                <a16:creationId xmlns:a16="http://schemas.microsoft.com/office/drawing/2014/main" id="{04EEC0C2-B256-49FF-49DE-8DE397FBE907}"/>
               </a:ext>
             </a:extLst>
           </p:cNvPr>
-          <p:cNvSpPr>
-            <a:spLocks noGrp="1"/>
-          </p:cNvSpPr>
-          <p:nvPr>
-            <p:ph idx="1"/>
-          </p:nvPr>
-        </p:nvSpPr>
-        <p:spPr/>
-        <p:txBody>
-          <a:bodyPr/>
-          <a:lstStyle/>
-          <a:p>
-            <a:endParaRPr lang="en-US" dirty="0"/>
-          </a:p>
-          <a:p>
+          <p:cNvSpPr/>
+          <p:nvPr/>
+        </p:nvSpPr>
+        <p:spPr>
+          <a:xfrm>
+            <a:off x="4272843" y="3129843"/>
+            <a:ext cx="3646311" cy="1264355"/>
+          </a:xfrm>
+          <a:prstGeom prst="rect">
+            <a:avLst/>
+          </a:prstGeom>
+        </p:spPr>
+        <p:style>
+          <a:lnRef idx="2">
+            <a:schemeClr val="accent2">
+              <a:shade val="15000"/>
+            </a:schemeClr>
+          </a:lnRef>
+          <a:fillRef idx="1">
+            <a:schemeClr val="accent2"/>
+          </a:fillRef>
+          <a:effectRef idx="0">
+            <a:schemeClr val="accent2"/>
+          </a:effectRef>
+          <a:fontRef idx="minor">
+            <a:schemeClr val="lt1"/>
+          </a:fontRef>
+        </p:style>
+        <p:txBody>
+          <a:bodyPr rtlCol="0" anchor="ctr"/>
+          <a:lstStyle/>
+          <a:p>
+            <a:pPr algn="ctr"/>
             <a:r>
               <a:rPr lang="en-US" dirty="0"/>
               <a:t>Random Forest</a:t>
-            </a:r>
-          </a:p>
-          <a:p>
-            <a:r>
-              <a:rPr lang="en-US" dirty="0"/>
-              <a:t>Neural Networks</a:t>
-            </a:r>
-          </a:p>
-          <a:p>
-            <a:r>
-              <a:rPr lang="en-US" dirty="0"/>
-              <a:t>Ensemble</a:t>
             </a:r>
           </a:p>
         </p:txBody>
@@ -6139,7 +7194,7 @@
 </p:sld>
 </file>
 
-<file path=ppt/slides/slide7.xml><?xml version="1.0" encoding="utf-8"?>
+<file path=ppt/slides/slide5.xml><?xml version="1.0" encoding="utf-8"?>
 <p:sld xmlns:a="http://schemas.openxmlformats.org/drawingml/2006/main" xmlns:r="http://schemas.openxmlformats.org/officeDocument/2006/relationships" xmlns:p="http://schemas.openxmlformats.org/presentationml/2006/main">
   <p:cSld>
     <p:bg>
@@ -6183,9 +7238,10 @@
           <a:lstStyle/>
           <a:p>
             <a:r>
-              <a:rPr lang="en-US" dirty="0"/>
-              <a:t>Random Forest</a:t>
-            </a:r>
+              <a:rPr lang="en-US"/>
+              <a:t>Random Forest – Final Model</a:t>
+            </a:r>
+            <a:endParaRPr lang="en-US" dirty="0"/>
           </a:p>
         </p:txBody>
       </p:sp>
@@ -6205,7 +7261,12 @@
             <p:ph idx="1"/>
           </p:nvPr>
         </p:nvSpPr>
-        <p:spPr/>
+        <p:spPr>
+          <a:xfrm>
+            <a:off x="827424" y="1610744"/>
+            <a:ext cx="10554574" cy="3636511"/>
+          </a:xfrm>
+        </p:spPr>
         <p:txBody>
           <a:bodyPr/>
           <a:lstStyle/>
@@ -6252,7 +7313,7 @@
 </p:sld>
 </file>
 
-<file path=ppt/slides/slide8.xml><?xml version="1.0" encoding="utf-8"?>
+<file path=ppt/slides/slide6.xml><?xml version="1.0" encoding="utf-8"?>
 <p:sld xmlns:a="http://schemas.openxmlformats.org/drawingml/2006/main" xmlns:r="http://schemas.openxmlformats.org/officeDocument/2006/relationships" xmlns:p="http://schemas.openxmlformats.org/presentationml/2006/main">
   <p:cSld>
     <p:spTree>
@@ -6339,6 +7400,172 @@
 </p:sld>
 </file>
 
+<file path=ppt/slides/slide7.xml><?xml version="1.0" encoding="utf-8"?>
+<p:sld xmlns:a="http://schemas.openxmlformats.org/drawingml/2006/main" xmlns:r="http://schemas.openxmlformats.org/officeDocument/2006/relationships" xmlns:p="http://schemas.openxmlformats.org/presentationml/2006/main">
+  <p:cSld>
+    <p:spTree>
+      <p:nvGrpSpPr>
+        <p:cNvPr id="1" name=""/>
+        <p:cNvGrpSpPr/>
+        <p:nvPr/>
+      </p:nvGrpSpPr>
+      <p:grpSpPr>
+        <a:xfrm>
+          <a:off x="0" y="0"/>
+          <a:ext cx="0" cy="0"/>
+          <a:chOff x="0" y="0"/>
+          <a:chExt cx="0" cy="0"/>
+        </a:xfrm>
+      </p:grpSpPr>
+      <p:sp>
+        <p:nvSpPr>
+          <p:cNvPr id="2" name="Title 1">
+            <a:extLst>
+              <a:ext uri="{FF2B5EF4-FFF2-40B4-BE49-F238E27FC236}">
+                <a16:creationId xmlns:a16="http://schemas.microsoft.com/office/drawing/2014/main" id="{DEEE0248-6EFD-AE63-B061-0B297C3A1E7E}"/>
+              </a:ext>
+            </a:extLst>
+          </p:cNvPr>
+          <p:cNvSpPr>
+            <a:spLocks noGrp="1"/>
+          </p:cNvSpPr>
+          <p:nvPr>
+            <p:ph type="title"/>
+          </p:nvPr>
+        </p:nvSpPr>
+        <p:spPr/>
+        <p:txBody>
+          <a:bodyPr/>
+          <a:lstStyle/>
+          <a:p>
+            <a:r>
+              <a:rPr lang="en-US" dirty="0"/>
+              <a:t>Ensemble</a:t>
+            </a:r>
+          </a:p>
+        </p:txBody>
+      </p:sp>
+      <p:sp>
+        <p:nvSpPr>
+          <p:cNvPr id="3" name="Content Placeholder 2">
+            <a:extLst>
+              <a:ext uri="{FF2B5EF4-FFF2-40B4-BE49-F238E27FC236}">
+                <a16:creationId xmlns:a16="http://schemas.microsoft.com/office/drawing/2014/main" id="{345918B5-4009-375D-BD75-F553D4457F1B}"/>
+              </a:ext>
+            </a:extLst>
+          </p:cNvPr>
+          <p:cNvSpPr>
+            <a:spLocks noGrp="1"/>
+          </p:cNvSpPr>
+          <p:nvPr>
+            <p:ph idx="1"/>
+          </p:nvPr>
+        </p:nvSpPr>
+        <p:spPr/>
+        <p:txBody>
+          <a:bodyPr/>
+          <a:lstStyle/>
+          <a:p>
+            <a:endParaRPr lang="en-US"/>
+          </a:p>
+        </p:txBody>
+      </p:sp>
+    </p:spTree>
+    <p:extLst>
+      <p:ext uri="{BB962C8B-B14F-4D97-AF65-F5344CB8AC3E}">
+        <p14:creationId xmlns:p14="http://schemas.microsoft.com/office/powerpoint/2010/main" val="3684477634"/>
+      </p:ext>
+    </p:extLst>
+  </p:cSld>
+  <p:clrMapOvr>
+    <a:masterClrMapping/>
+  </p:clrMapOvr>
+</p:sld>
+</file>
+
+<file path=ppt/slides/slide8.xml><?xml version="1.0" encoding="utf-8"?>
+<p:sld xmlns:a="http://schemas.openxmlformats.org/drawingml/2006/main" xmlns:r="http://schemas.openxmlformats.org/officeDocument/2006/relationships" xmlns:p="http://schemas.openxmlformats.org/presentationml/2006/main">
+  <p:cSld>
+    <p:spTree>
+      <p:nvGrpSpPr>
+        <p:cNvPr id="1" name=""/>
+        <p:cNvGrpSpPr/>
+        <p:nvPr/>
+      </p:nvGrpSpPr>
+      <p:grpSpPr>
+        <a:xfrm>
+          <a:off x="0" y="0"/>
+          <a:ext cx="0" cy="0"/>
+          <a:chOff x="0" y="0"/>
+          <a:chExt cx="0" cy="0"/>
+        </a:xfrm>
+      </p:grpSpPr>
+      <p:sp>
+        <p:nvSpPr>
+          <p:cNvPr id="2" name="Title 1">
+            <a:extLst>
+              <a:ext uri="{FF2B5EF4-FFF2-40B4-BE49-F238E27FC236}">
+                <a16:creationId xmlns:a16="http://schemas.microsoft.com/office/drawing/2014/main" id="{95105F8F-0022-4EF7-7A26-777FA9ECBE4C}"/>
+              </a:ext>
+            </a:extLst>
+          </p:cNvPr>
+          <p:cNvSpPr>
+            <a:spLocks noGrp="1"/>
+          </p:cNvSpPr>
+          <p:nvPr>
+            <p:ph type="title"/>
+          </p:nvPr>
+        </p:nvSpPr>
+        <p:spPr/>
+        <p:txBody>
+          <a:bodyPr/>
+          <a:lstStyle/>
+          <a:p>
+            <a:r>
+              <a:rPr lang="en-US" dirty="0"/>
+              <a:t>Neural Networks</a:t>
+            </a:r>
+          </a:p>
+        </p:txBody>
+      </p:sp>
+      <p:sp>
+        <p:nvSpPr>
+          <p:cNvPr id="3" name="Content Placeholder 2">
+            <a:extLst>
+              <a:ext uri="{FF2B5EF4-FFF2-40B4-BE49-F238E27FC236}">
+                <a16:creationId xmlns:a16="http://schemas.microsoft.com/office/drawing/2014/main" id="{29C27D89-C4D6-CEA9-E7AA-28B1EEB29249}"/>
+              </a:ext>
+            </a:extLst>
+          </p:cNvPr>
+          <p:cNvSpPr>
+            <a:spLocks noGrp="1"/>
+          </p:cNvSpPr>
+          <p:nvPr>
+            <p:ph idx="1"/>
+          </p:nvPr>
+        </p:nvSpPr>
+        <p:spPr/>
+        <p:txBody>
+          <a:bodyPr/>
+          <a:lstStyle/>
+          <a:p>
+            <a:endParaRPr lang="en-US"/>
+          </a:p>
+        </p:txBody>
+      </p:sp>
+    </p:spTree>
+    <p:extLst>
+      <p:ext uri="{BB962C8B-B14F-4D97-AF65-F5344CB8AC3E}">
+        <p14:creationId xmlns:p14="http://schemas.microsoft.com/office/powerpoint/2010/main" val="2683175456"/>
+      </p:ext>
+    </p:extLst>
+  </p:cSld>
+  <p:clrMapOvr>
+    <a:masterClrMapping/>
+  </p:clrMapOvr>
+</p:sld>
+</file>
+
 <file path=ppt/slides/slide9.xml><?xml version="1.0" encoding="utf-8"?>
 <p:sld xmlns:a="http://schemas.openxmlformats.org/drawingml/2006/main" xmlns:r="http://schemas.openxmlformats.org/officeDocument/2006/relationships" xmlns:p="http://schemas.openxmlformats.org/presentationml/2006/main">
   <p:cSld>
@@ -6361,7 +7588,7 @@
           <p:cNvPr id="2" name="Title 1">
             <a:extLst>
               <a:ext uri="{FF2B5EF4-FFF2-40B4-BE49-F238E27FC236}">
-                <a16:creationId xmlns:a16="http://schemas.microsoft.com/office/drawing/2014/main" id="{95105F8F-0022-4EF7-7A26-777FA9ECBE4C}"/>
+                <a16:creationId xmlns:a16="http://schemas.microsoft.com/office/drawing/2014/main" id="{90DE8313-2776-A0C8-843E-9E03DEE57152}"/>
               </a:ext>
             </a:extLst>
           </p:cNvPr>
@@ -6378,8 +7605,8 @@
           <a:lstStyle/>
           <a:p>
             <a:r>
-              <a:rPr lang="en-US" dirty="0"/>
-              <a:t>Neural Networks</a:t>
+              <a:rPr lang="en-US"/>
+              <a:t>User interface</a:t>
             </a:r>
           </a:p>
         </p:txBody>
@@ -6389,7 +7616,7 @@
           <p:cNvPr id="3" name="Content Placeholder 2">
             <a:extLst>
               <a:ext uri="{FF2B5EF4-FFF2-40B4-BE49-F238E27FC236}">
-                <a16:creationId xmlns:a16="http://schemas.microsoft.com/office/drawing/2014/main" id="{29C27D89-C4D6-CEA9-E7AA-28B1EEB29249}"/>
+                <a16:creationId xmlns:a16="http://schemas.microsoft.com/office/drawing/2014/main" id="{07BBE9F4-0087-5E27-AB7D-269DE241FCDB}"/>
               </a:ext>
             </a:extLst>
           </p:cNvPr>
@@ -6405,14 +7632,18 @@
           <a:bodyPr/>
           <a:lstStyle/>
           <a:p>
-            <a:endParaRPr lang="en-US"/>
+            <a:r>
+              <a:rPr lang="en-US" dirty="0" err="1"/>
+              <a:t>Javascript</a:t>
+            </a:r>
+            <a:endParaRPr lang="en-US" dirty="0"/>
           </a:p>
         </p:txBody>
       </p:sp>
     </p:spTree>
     <p:extLst>
       <p:ext uri="{BB962C8B-B14F-4D97-AF65-F5344CB8AC3E}">
-        <p14:creationId xmlns:p14="http://schemas.microsoft.com/office/powerpoint/2010/main" val="2683175456"/>
+        <p14:creationId xmlns:p14="http://schemas.microsoft.com/office/powerpoint/2010/main" val="724884886"/>
       </p:ext>
     </p:extLst>
   </p:cSld>

--- a/Credit Loan Presentation.pptx
+++ b/Credit Loan Presentation.pptx
@@ -8,15 +8,16 @@
     <p:sldId id="256" r:id="rId2"/>
     <p:sldId id="265" r:id="rId3"/>
     <p:sldId id="257" r:id="rId4"/>
-    <p:sldId id="259" r:id="rId5"/>
-    <p:sldId id="263" r:id="rId6"/>
-    <p:sldId id="260" r:id="rId7"/>
-    <p:sldId id="262" r:id="rId8"/>
-    <p:sldId id="261" r:id="rId9"/>
-    <p:sldId id="264" r:id="rId10"/>
+    <p:sldId id="270" r:id="rId5"/>
+    <p:sldId id="259" r:id="rId6"/>
+    <p:sldId id="263" r:id="rId7"/>
+    <p:sldId id="260" r:id="rId8"/>
+    <p:sldId id="262" r:id="rId9"/>
+    <p:sldId id="261" r:id="rId10"/>
     <p:sldId id="269" r:id="rId11"/>
-    <p:sldId id="267" r:id="rId12"/>
-    <p:sldId id="268" r:id="rId13"/>
+    <p:sldId id="264" r:id="rId12"/>
+    <p:sldId id="267" r:id="rId13"/>
+    <p:sldId id="268" r:id="rId14"/>
   </p:sldIdLst>
   <p:sldSz cx="12192000" cy="6858000"/>
   <p:notesSz cx="6858000" cy="9144000"/>
@@ -5447,7 +5448,7 @@
           <p:cNvPr id="2" name="Title 1">
             <a:extLst>
               <a:ext uri="{FF2B5EF4-FFF2-40B4-BE49-F238E27FC236}">
-                <a16:creationId xmlns:a16="http://schemas.microsoft.com/office/drawing/2014/main" id="{90DE8313-2776-A0C8-843E-9E03DEE57152}"/>
+                <a16:creationId xmlns:a16="http://schemas.microsoft.com/office/drawing/2014/main" id="{95105F8F-0022-4EF7-7A26-777FA9ECBE4C}"/>
               </a:ext>
             </a:extLst>
           </p:cNvPr>
@@ -5465,15 +5466,40 @@
           <a:p>
             <a:r>
               <a:rPr lang="en-US" dirty="0"/>
-              <a:t>Demonstration</a:t>
-            </a:r>
+              <a:t>Data Analysis</a:t>
+            </a:r>
+          </a:p>
+        </p:txBody>
+      </p:sp>
+      <p:sp>
+        <p:nvSpPr>
+          <p:cNvPr id="3" name="Content Placeholder 2">
+            <a:extLst>
+              <a:ext uri="{FF2B5EF4-FFF2-40B4-BE49-F238E27FC236}">
+                <a16:creationId xmlns:a16="http://schemas.microsoft.com/office/drawing/2014/main" id="{29C27D89-C4D6-CEA9-E7AA-28B1EEB29249}"/>
+              </a:ext>
+            </a:extLst>
+          </p:cNvPr>
+          <p:cNvSpPr>
+            <a:spLocks noGrp="1"/>
+          </p:cNvSpPr>
+          <p:nvPr>
+            <p:ph idx="1"/>
+          </p:nvPr>
+        </p:nvSpPr>
+        <p:spPr/>
+        <p:txBody>
+          <a:bodyPr/>
+          <a:lstStyle/>
+          <a:p>
+            <a:endParaRPr lang="en-US" dirty="0"/>
           </a:p>
         </p:txBody>
       </p:sp>
     </p:spTree>
     <p:extLst>
       <p:ext uri="{BB962C8B-B14F-4D97-AF65-F5344CB8AC3E}">
-        <p14:creationId xmlns:p14="http://schemas.microsoft.com/office/powerpoint/2010/main" val="3707661291"/>
+        <p14:creationId xmlns:p14="http://schemas.microsoft.com/office/powerpoint/2010/main" val="1155483196"/>
       </p:ext>
     </p:extLst>
   </p:cSld>
@@ -5505,7 +5531,7 @@
           <p:cNvPr id="2" name="Title 1">
             <a:extLst>
               <a:ext uri="{FF2B5EF4-FFF2-40B4-BE49-F238E27FC236}">
-                <a16:creationId xmlns:a16="http://schemas.microsoft.com/office/drawing/2014/main" id="{85E1091B-D2D7-C00E-0183-49EEBFA9693F}"/>
+                <a16:creationId xmlns:a16="http://schemas.microsoft.com/office/drawing/2014/main" id="{90DE8313-2776-A0C8-843E-9E03DEE57152}"/>
               </a:ext>
             </a:extLst>
           </p:cNvPr>
@@ -5522,8 +5548,8 @@
           <a:lstStyle/>
           <a:p>
             <a:r>
-              <a:rPr lang="en-US" dirty="0"/>
-              <a:t>Limitations</a:t>
+              <a:rPr lang="en-US"/>
+              <a:t>User interface</a:t>
             </a:r>
           </a:p>
         </p:txBody>
@@ -5533,7 +5559,7 @@
           <p:cNvPr id="3" name="Content Placeholder 2">
             <a:extLst>
               <a:ext uri="{FF2B5EF4-FFF2-40B4-BE49-F238E27FC236}">
-                <a16:creationId xmlns:a16="http://schemas.microsoft.com/office/drawing/2014/main" id="{69977693-985E-8A8D-A4C7-4C9946CB8F6B}"/>
+                <a16:creationId xmlns:a16="http://schemas.microsoft.com/office/drawing/2014/main" id="{07BBE9F4-0087-5E27-AB7D-269DE241FCDB}"/>
               </a:ext>
             </a:extLst>
           </p:cNvPr>
@@ -5549,14 +5575,204 @@
           <a:bodyPr/>
           <a:lstStyle/>
           <a:p>
+            <a:r>
+              <a:rPr lang="en-US" dirty="0"/>
+              <a:t>JavaScript</a:t>
+            </a:r>
+          </a:p>
+          <a:p>
+            <a:r>
+              <a:rPr lang="en-US" dirty="0"/>
+              <a:t>HTML</a:t>
+            </a:r>
+          </a:p>
+          <a:p>
+            <a:r>
+              <a:rPr lang="en-US" dirty="0"/>
+              <a:t>Flask</a:t>
+            </a:r>
+          </a:p>
+          <a:p>
+            <a:endParaRPr lang="en-US" dirty="0"/>
+          </a:p>
+        </p:txBody>
+      </p:sp>
+      <p:pic>
+        <p:nvPicPr>
+          <p:cNvPr id="5" name="Picture 4" descr="A person walking on a green arrow&#10;&#10;Description automatically generated">
+            <a:extLst>
+              <a:ext uri="{FF2B5EF4-FFF2-40B4-BE49-F238E27FC236}">
+                <a16:creationId xmlns:a16="http://schemas.microsoft.com/office/drawing/2014/main" id="{BD7FB0B3-EC2E-A65D-4A1D-96B82E64EFCF}"/>
+              </a:ext>
+            </a:extLst>
+          </p:cNvPr>
+          <p:cNvPicPr>
+            <a:picLocks noChangeAspect="1"/>
+          </p:cNvPicPr>
+          <p:nvPr/>
+        </p:nvPicPr>
+        <p:blipFill>
+          <a:blip r:embed="rId2"/>
+          <a:stretch>
+            <a:fillRect/>
+          </a:stretch>
+        </p:blipFill>
+        <p:spPr>
+          <a:xfrm>
+            <a:off x="3609599" y="2178855"/>
+            <a:ext cx="7763227" cy="3675600"/>
+          </a:xfrm>
+          <a:prstGeom prst="rect">
+            <a:avLst/>
+          </a:prstGeom>
+        </p:spPr>
+      </p:pic>
+      <p:sp>
+        <p:nvSpPr>
+          <p:cNvPr id="6" name="Rectangle 5">
+            <a:extLst>
+              <a:ext uri="{FF2B5EF4-FFF2-40B4-BE49-F238E27FC236}">
+                <a16:creationId xmlns:a16="http://schemas.microsoft.com/office/drawing/2014/main" id="{F93F8766-F489-F5DD-D9DC-9C5C9F16B03F}"/>
+              </a:ext>
+            </a:extLst>
+          </p:cNvPr>
+          <p:cNvSpPr/>
+          <p:nvPr/>
+        </p:nvSpPr>
+        <p:spPr>
+          <a:xfrm>
+            <a:off x="9913434" y="2222287"/>
+            <a:ext cx="1468564" cy="3464835"/>
+          </a:xfrm>
+          <a:prstGeom prst="rect">
+            <a:avLst/>
+          </a:prstGeom>
+          <a:noFill/>
+          <a:ln w="57150">
+            <a:solidFill>
+              <a:schemeClr val="accent1"/>
+            </a:solidFill>
+          </a:ln>
+        </p:spPr>
+        <p:style>
+          <a:lnRef idx="2">
+            <a:schemeClr val="accent1">
+              <a:shade val="15000"/>
+            </a:schemeClr>
+          </a:lnRef>
+          <a:fillRef idx="1">
+            <a:schemeClr val="accent1"/>
+          </a:fillRef>
+          <a:effectRef idx="0">
+            <a:schemeClr val="accent1"/>
+          </a:effectRef>
+          <a:fontRef idx="minor">
+            <a:schemeClr val="lt1"/>
+          </a:fontRef>
+        </p:style>
+        <p:txBody>
+          <a:bodyPr rtlCol="0" anchor="ctr"/>
+          <a:lstStyle/>
+          <a:p>
+            <a:pPr algn="ctr"/>
             <a:endParaRPr lang="en-US"/>
           </a:p>
         </p:txBody>
       </p:sp>
+      <p:sp>
+        <p:nvSpPr>
+          <p:cNvPr id="7" name="Rectangle 6">
+            <a:extLst>
+              <a:ext uri="{FF2B5EF4-FFF2-40B4-BE49-F238E27FC236}">
+                <a16:creationId xmlns:a16="http://schemas.microsoft.com/office/drawing/2014/main" id="{9707F4B5-EB96-C0F4-D809-41C4A4FDA95E}"/>
+              </a:ext>
+            </a:extLst>
+          </p:cNvPr>
+          <p:cNvSpPr/>
+          <p:nvPr/>
+        </p:nvSpPr>
+        <p:spPr>
+          <a:xfrm>
+            <a:off x="7486857" y="2375210"/>
+            <a:ext cx="914400" cy="557561"/>
+          </a:xfrm>
+          <a:prstGeom prst="rect">
+            <a:avLst/>
+          </a:prstGeom>
+        </p:spPr>
+        <p:style>
+          <a:lnRef idx="2">
+            <a:schemeClr val="accent1">
+              <a:shade val="15000"/>
+            </a:schemeClr>
+          </a:lnRef>
+          <a:fillRef idx="1">
+            <a:schemeClr val="accent1"/>
+          </a:fillRef>
+          <a:effectRef idx="0">
+            <a:schemeClr val="accent1"/>
+          </a:effectRef>
+          <a:fontRef idx="minor">
+            <a:schemeClr val="lt1"/>
+          </a:fontRef>
+        </p:style>
+        <p:txBody>
+          <a:bodyPr rtlCol="0" anchor="ctr"/>
+          <a:lstStyle/>
+          <a:p>
+            <a:pPr algn="ctr"/>
+            <a:r>
+              <a:rPr lang="en-US" dirty="0"/>
+              <a:t>Inputs</a:t>
+            </a:r>
+          </a:p>
+        </p:txBody>
+      </p:sp>
+      <p:cxnSp>
+        <p:nvCxnSpPr>
+          <p:cNvPr id="9" name="Straight Arrow Connector 8">
+            <a:extLst>
+              <a:ext uri="{FF2B5EF4-FFF2-40B4-BE49-F238E27FC236}">
+                <a16:creationId xmlns:a16="http://schemas.microsoft.com/office/drawing/2014/main" id="{79D827C2-675E-9231-D3AC-0391B9E4AC81}"/>
+              </a:ext>
+            </a:extLst>
+          </p:cNvPr>
+          <p:cNvCxnSpPr>
+            <a:stCxn id="7" idx="3"/>
+          </p:cNvCxnSpPr>
+          <p:nvPr/>
+        </p:nvCxnSpPr>
+        <p:spPr>
+          <a:xfrm flipV="1">
+            <a:off x="8401257" y="2642839"/>
+            <a:ext cx="1503005" cy="11152"/>
+          </a:xfrm>
+          <a:prstGeom prst="straightConnector1">
+            <a:avLst/>
+          </a:prstGeom>
+          <a:ln>
+            <a:tailEnd type="triangle"/>
+          </a:ln>
+        </p:spPr>
+        <p:style>
+          <a:lnRef idx="1">
+            <a:schemeClr val="accent1"/>
+          </a:lnRef>
+          <a:fillRef idx="0">
+            <a:schemeClr val="accent1"/>
+          </a:fillRef>
+          <a:effectRef idx="0">
+            <a:schemeClr val="accent1"/>
+          </a:effectRef>
+          <a:fontRef idx="minor">
+            <a:schemeClr val="tx1"/>
+          </a:fontRef>
+        </p:style>
+      </p:cxnSp>
     </p:spTree>
     <p:extLst>
       <p:ext uri="{BB962C8B-B14F-4D97-AF65-F5344CB8AC3E}">
-        <p14:creationId xmlns:p14="http://schemas.microsoft.com/office/powerpoint/2010/main" val="1372228111"/>
+        <p14:creationId xmlns:p14="http://schemas.microsoft.com/office/powerpoint/2010/main" val="724884886"/>
       </p:ext>
     </p:extLst>
   </p:cSld>
@@ -5588,6 +5804,104 @@
           <p:cNvPr id="2" name="Title 1">
             <a:extLst>
               <a:ext uri="{FF2B5EF4-FFF2-40B4-BE49-F238E27FC236}">
+                <a16:creationId xmlns:a16="http://schemas.microsoft.com/office/drawing/2014/main" id="{85E1091B-D2D7-C00E-0183-49EEBFA9693F}"/>
+              </a:ext>
+            </a:extLst>
+          </p:cNvPr>
+          <p:cNvSpPr>
+            <a:spLocks noGrp="1"/>
+          </p:cNvSpPr>
+          <p:nvPr>
+            <p:ph type="title"/>
+          </p:nvPr>
+        </p:nvSpPr>
+        <p:spPr/>
+        <p:txBody>
+          <a:bodyPr/>
+          <a:lstStyle/>
+          <a:p>
+            <a:r>
+              <a:rPr lang="en-US" dirty="0"/>
+              <a:t>Limitations</a:t>
+            </a:r>
+          </a:p>
+        </p:txBody>
+      </p:sp>
+      <p:sp>
+        <p:nvSpPr>
+          <p:cNvPr id="3" name="Content Placeholder 2">
+            <a:extLst>
+              <a:ext uri="{FF2B5EF4-FFF2-40B4-BE49-F238E27FC236}">
+                <a16:creationId xmlns:a16="http://schemas.microsoft.com/office/drawing/2014/main" id="{69977693-985E-8A8D-A4C7-4C9946CB8F6B}"/>
+              </a:ext>
+            </a:extLst>
+          </p:cNvPr>
+          <p:cNvSpPr>
+            <a:spLocks noGrp="1"/>
+          </p:cNvSpPr>
+          <p:nvPr>
+            <p:ph idx="1"/>
+          </p:nvPr>
+        </p:nvSpPr>
+        <p:spPr/>
+        <p:txBody>
+          <a:bodyPr/>
+          <a:lstStyle/>
+          <a:p>
+            <a:r>
+              <a:rPr lang="en-US" dirty="0"/>
+              <a:t>The size of the data set.</a:t>
+            </a:r>
+          </a:p>
+          <a:p>
+            <a:r>
+              <a:rPr lang="en-US" dirty="0"/>
+              <a:t>The origin of the dataset – no information regarding the source of the data.</a:t>
+            </a:r>
+          </a:p>
+          <a:p>
+            <a:r>
+              <a:rPr lang="en-US" dirty="0"/>
+              <a:t>Limitations of the model used to make predictions.</a:t>
+            </a:r>
+          </a:p>
+        </p:txBody>
+      </p:sp>
+    </p:spTree>
+    <p:extLst>
+      <p:ext uri="{BB962C8B-B14F-4D97-AF65-F5344CB8AC3E}">
+        <p14:creationId xmlns:p14="http://schemas.microsoft.com/office/powerpoint/2010/main" val="1372228111"/>
+      </p:ext>
+    </p:extLst>
+  </p:cSld>
+  <p:clrMapOvr>
+    <a:masterClrMapping/>
+  </p:clrMapOvr>
+</p:sld>
+</file>
+
+<file path=ppt/slides/slide13.xml><?xml version="1.0" encoding="utf-8"?>
+<p:sld xmlns:a="http://schemas.openxmlformats.org/drawingml/2006/main" xmlns:r="http://schemas.openxmlformats.org/officeDocument/2006/relationships" xmlns:p="http://schemas.openxmlformats.org/presentationml/2006/main">
+  <p:cSld>
+    <p:spTree>
+      <p:nvGrpSpPr>
+        <p:cNvPr id="1" name=""/>
+        <p:cNvGrpSpPr/>
+        <p:nvPr/>
+      </p:nvGrpSpPr>
+      <p:grpSpPr>
+        <a:xfrm>
+          <a:off x="0" y="0"/>
+          <a:ext cx="0" cy="0"/>
+          <a:chOff x="0" y="0"/>
+          <a:chExt cx="0" cy="0"/>
+        </a:xfrm>
+      </p:grpSpPr>
+      <p:sp>
+        <p:nvSpPr>
+          <p:cNvPr id="2" name="Title 1">
+            <a:extLst>
+              <a:ext uri="{FF2B5EF4-FFF2-40B4-BE49-F238E27FC236}">
                 <a16:creationId xmlns:a16="http://schemas.microsoft.com/office/drawing/2014/main" id="{8EDBDB04-7636-9C8A-DBC9-34704C09FC6E}"/>
               </a:ext>
             </a:extLst>
@@ -5632,7 +5946,22 @@
           <a:bodyPr/>
           <a:lstStyle/>
           <a:p>
-            <a:endParaRPr lang="en-US"/>
+            <a:r>
+              <a:rPr lang="en-US" dirty="0"/>
+              <a:t>Machine learning is a powerful tool, which can be used to automate manual tasks.</a:t>
+            </a:r>
+          </a:p>
+          <a:p>
+            <a:r>
+              <a:rPr lang="en-US" dirty="0"/>
+              <a:t>Overall number of credit problems, current credit card balance and maximum open credit was the main factors (according to the Random Forest model) which influenced the outcomes during predictions.</a:t>
+            </a:r>
+          </a:p>
+          <a:p>
+            <a:r>
+              <a:rPr lang="en-US" dirty="0"/>
+              <a:t>Future works – expanding the datasets, further optimizations to do the model and exploration of additional models.</a:t>
+            </a:r>
           </a:p>
         </p:txBody>
       </p:sp>
@@ -6775,12 +7104,6 @@
           <a:p>
             <a:r>
               <a:rPr lang="en-US" dirty="0"/>
-              <a:t>Over 65, 000 lines of data</a:t>
-            </a:r>
-          </a:p>
-          <a:p>
-            <a:r>
-              <a:rPr lang="en-US" dirty="0"/>
               <a:t>Variables in the dataset: Loan ID, Customer ID, Current loan amount, Term, Credit Score, Annual income, Current years in job, Home Ownership, Purpose, Monthly dept</a:t>
             </a:r>
           </a:p>
@@ -7011,6 +7334,104 @@
           <p:cNvPr id="2" name="Title 1">
             <a:extLst>
               <a:ext uri="{FF2B5EF4-FFF2-40B4-BE49-F238E27FC236}">
+                <a16:creationId xmlns:a16="http://schemas.microsoft.com/office/drawing/2014/main" id="{D2041F2A-FA13-27C2-57A0-42944EB0AD64}"/>
+              </a:ext>
+            </a:extLst>
+          </p:cNvPr>
+          <p:cNvSpPr>
+            <a:spLocks noGrp="1"/>
+          </p:cNvSpPr>
+          <p:nvPr>
+            <p:ph type="title"/>
+          </p:nvPr>
+        </p:nvSpPr>
+        <p:spPr/>
+        <p:txBody>
+          <a:bodyPr/>
+          <a:lstStyle/>
+          <a:p>
+            <a:r>
+              <a:rPr lang="en-US" dirty="0"/>
+              <a:t>Data Cleaning</a:t>
+            </a:r>
+          </a:p>
+        </p:txBody>
+      </p:sp>
+      <p:sp>
+        <p:nvSpPr>
+          <p:cNvPr id="7" name="Content Placeholder 6">
+            <a:extLst>
+              <a:ext uri="{FF2B5EF4-FFF2-40B4-BE49-F238E27FC236}">
+                <a16:creationId xmlns:a16="http://schemas.microsoft.com/office/drawing/2014/main" id="{F085AD30-A7B4-506B-D469-8EC2F95F008E}"/>
+              </a:ext>
+            </a:extLst>
+          </p:cNvPr>
+          <p:cNvSpPr>
+            <a:spLocks noGrp="1"/>
+          </p:cNvSpPr>
+          <p:nvPr>
+            <p:ph idx="1"/>
+          </p:nvPr>
+        </p:nvSpPr>
+        <p:spPr/>
+        <p:txBody>
+          <a:bodyPr/>
+          <a:lstStyle/>
+          <a:p>
+            <a:r>
+              <a:rPr lang="en-US" dirty="0"/>
+              <a:t>Unwanted values were dropped based on research, this included null values within the dataset.</a:t>
+            </a:r>
+          </a:p>
+          <a:p>
+            <a:r>
+              <a:rPr lang="en-US" dirty="0"/>
+              <a:t>The following data was dropped during the data cleaning process: Loan ID, Customer ID, Years in current job, Loan status, Tax liens and purpose. </a:t>
+            </a:r>
+          </a:p>
+          <a:p>
+            <a:r>
+              <a:rPr lang="en-US" dirty="0"/>
+              <a:t>Dataset was standardized in order to preform machine learning</a:t>
+            </a:r>
+          </a:p>
+        </p:txBody>
+      </p:sp>
+    </p:spTree>
+    <p:extLst>
+      <p:ext uri="{BB962C8B-B14F-4D97-AF65-F5344CB8AC3E}">
+        <p14:creationId xmlns:p14="http://schemas.microsoft.com/office/powerpoint/2010/main" val="1489247244"/>
+      </p:ext>
+    </p:extLst>
+  </p:cSld>
+  <p:clrMapOvr>
+    <a:masterClrMapping/>
+  </p:clrMapOvr>
+</p:sld>
+</file>
+
+<file path=ppt/slides/slide5.xml><?xml version="1.0" encoding="utf-8"?>
+<p:sld xmlns:a="http://schemas.openxmlformats.org/drawingml/2006/main" xmlns:r="http://schemas.openxmlformats.org/officeDocument/2006/relationships" xmlns:p="http://schemas.openxmlformats.org/presentationml/2006/main">
+  <p:cSld>
+    <p:spTree>
+      <p:nvGrpSpPr>
+        <p:cNvPr id="1" name=""/>
+        <p:cNvGrpSpPr/>
+        <p:nvPr/>
+      </p:nvGrpSpPr>
+      <p:grpSpPr>
+        <a:xfrm>
+          <a:off x="0" y="0"/>
+          <a:ext cx="0" cy="0"/>
+          <a:chOff x="0" y="0"/>
+          <a:chExt cx="0" cy="0"/>
+        </a:xfrm>
+      </p:grpSpPr>
+      <p:sp>
+        <p:nvSpPr>
+          <p:cNvPr id="2" name="Title 1">
+            <a:extLst>
+              <a:ext uri="{FF2B5EF4-FFF2-40B4-BE49-F238E27FC236}">
                 <a16:creationId xmlns:a16="http://schemas.microsoft.com/office/drawing/2014/main" id="{677E64E2-7B93-87DE-DE8B-C23B1CA0A765}"/>
               </a:ext>
             </a:extLst>
@@ -7194,7 +7615,7 @@
 </p:sld>
 </file>
 
-<file path=ppt/slides/slide5.xml><?xml version="1.0" encoding="utf-8"?>
+<file path=ppt/slides/slide6.xml><?xml version="1.0" encoding="utf-8"?>
 <p:sld xmlns:a="http://schemas.openxmlformats.org/drawingml/2006/main" xmlns:r="http://schemas.openxmlformats.org/officeDocument/2006/relationships" xmlns:p="http://schemas.openxmlformats.org/presentationml/2006/main">
   <p:cSld>
     <p:bg>
@@ -7238,10 +7659,9 @@
           <a:lstStyle/>
           <a:p>
             <a:r>
-              <a:rPr lang="en-US"/>
-              <a:t>Random Forest – Final Model</a:t>
-            </a:r>
-            <a:endParaRPr lang="en-US" dirty="0"/>
+              <a:rPr lang="en-US" dirty="0"/>
+              <a:t>Random Forest (Chosen Model)</a:t>
+            </a:r>
           </a:p>
         </p:txBody>
       </p:sp>
@@ -7300,6 +7720,43 @@
           </a:p>
         </p:txBody>
       </p:sp>
+      <p:pic>
+        <p:nvPicPr>
+          <p:cNvPr id="4" name="Content Placeholder 10" descr="A graph with green and white text&#10;&#10;Description automatically generated">
+            <a:extLst>
+              <a:ext uri="{FF2B5EF4-FFF2-40B4-BE49-F238E27FC236}">
+                <a16:creationId xmlns:a16="http://schemas.microsoft.com/office/drawing/2014/main" id="{752B1E7F-5B16-CCAC-D1C8-F9B5B19D3906}"/>
+              </a:ext>
+            </a:extLst>
+          </p:cNvPr>
+          <p:cNvPicPr>
+            <a:picLocks noChangeAspect="1"/>
+          </p:cNvPicPr>
+          <p:nvPr/>
+        </p:nvPicPr>
+        <p:blipFill>
+          <a:blip r:embed="rId3"/>
+          <a:stretch>
+            <a:fillRect/>
+          </a:stretch>
+        </p:blipFill>
+        <p:spPr>
+          <a:xfrm>
+            <a:off x="3612995" y="4376500"/>
+            <a:ext cx="4333723" cy="2313091"/>
+          </a:xfrm>
+          <a:prstGeom prst="rect">
+            <a:avLst/>
+          </a:prstGeom>
+          <a:effectLst>
+            <a:outerShdw blurRad="50800" dir="14400000">
+              <a:srgbClr val="000000">
+                <a:alpha val="40000"/>
+              </a:srgbClr>
+            </a:outerShdw>
+          </a:effectLst>
+        </p:spPr>
+      </p:pic>
     </p:spTree>
     <p:extLst>
       <p:ext uri="{BB962C8B-B14F-4D97-AF65-F5344CB8AC3E}">
@@ -7309,93 +7766,6 @@
   </p:cSld>
   <p:clrMapOvr>
     <a:overrideClrMapping bg1="dk1" tx1="lt1" bg2="dk2" tx2="lt2" accent1="accent1" accent2="accent2" accent3="accent3" accent4="accent4" accent5="accent5" accent6="accent6" hlink="hlink" folHlink="folHlink"/>
-  </p:clrMapOvr>
-</p:sld>
-</file>
-
-<file path=ppt/slides/slide6.xml><?xml version="1.0" encoding="utf-8"?>
-<p:sld xmlns:a="http://schemas.openxmlformats.org/drawingml/2006/main" xmlns:r="http://schemas.openxmlformats.org/officeDocument/2006/relationships" xmlns:p="http://schemas.openxmlformats.org/presentationml/2006/main">
-  <p:cSld>
-    <p:spTree>
-      <p:nvGrpSpPr>
-        <p:cNvPr id="1" name=""/>
-        <p:cNvGrpSpPr/>
-        <p:nvPr/>
-      </p:nvGrpSpPr>
-      <p:grpSpPr>
-        <a:xfrm>
-          <a:off x="0" y="0"/>
-          <a:ext cx="0" cy="0"/>
-          <a:chOff x="0" y="0"/>
-          <a:chExt cx="0" cy="0"/>
-        </a:xfrm>
-      </p:grpSpPr>
-      <p:sp>
-        <p:nvSpPr>
-          <p:cNvPr id="2" name="Title 1">
-            <a:extLst>
-              <a:ext uri="{FF2B5EF4-FFF2-40B4-BE49-F238E27FC236}">
-                <a16:creationId xmlns:a16="http://schemas.microsoft.com/office/drawing/2014/main" id="{9C618366-6964-FCB3-8DB9-72FCACFF7A77}"/>
-              </a:ext>
-            </a:extLst>
-          </p:cNvPr>
-          <p:cNvSpPr>
-            <a:spLocks noGrp="1"/>
-          </p:cNvSpPr>
-          <p:nvPr>
-            <p:ph type="title"/>
-          </p:nvPr>
-        </p:nvSpPr>
-        <p:spPr/>
-        <p:txBody>
-          <a:bodyPr/>
-          <a:lstStyle/>
-          <a:p>
-            <a:r>
-              <a:rPr lang="en-US" dirty="0"/>
-              <a:t>Random Forest</a:t>
-            </a:r>
-          </a:p>
-        </p:txBody>
-      </p:sp>
-      <p:pic>
-        <p:nvPicPr>
-          <p:cNvPr id="11" name="Content Placeholder 10" descr="A graph with green and white text&#10;&#10;Description automatically generated">
-            <a:extLst>
-              <a:ext uri="{FF2B5EF4-FFF2-40B4-BE49-F238E27FC236}">
-                <a16:creationId xmlns:a16="http://schemas.microsoft.com/office/drawing/2014/main" id="{83C963A9-D623-D260-1864-A587C031778C}"/>
-              </a:ext>
-            </a:extLst>
-          </p:cNvPr>
-          <p:cNvPicPr>
-            <a:picLocks noGrp="1" noChangeAspect="1"/>
-          </p:cNvPicPr>
-          <p:nvPr>
-            <p:ph idx="1"/>
-          </p:nvPr>
-        </p:nvPicPr>
-        <p:blipFill>
-          <a:blip r:embed="rId2"/>
-          <a:stretch>
-            <a:fillRect/>
-          </a:stretch>
-        </p:blipFill>
-        <p:spPr>
-          <a:xfrm>
-            <a:off x="2414467" y="2404532"/>
-            <a:ext cx="7506017" cy="4006279"/>
-          </a:xfrm>
-        </p:spPr>
-      </p:pic>
-    </p:spTree>
-    <p:extLst>
-      <p:ext uri="{BB962C8B-B14F-4D97-AF65-F5344CB8AC3E}">
-        <p14:creationId xmlns:p14="http://schemas.microsoft.com/office/powerpoint/2010/main" val="2629098367"/>
-      </p:ext>
-    </p:extLst>
-  </p:cSld>
-  <p:clrMapOvr>
-    <a:masterClrMapping/>
   </p:clrMapOvr>
 </p:sld>
 </file>
@@ -7422,7 +7792,7 @@
           <p:cNvPr id="2" name="Title 1">
             <a:extLst>
               <a:ext uri="{FF2B5EF4-FFF2-40B4-BE49-F238E27FC236}">
-                <a16:creationId xmlns:a16="http://schemas.microsoft.com/office/drawing/2014/main" id="{DEEE0248-6EFD-AE63-B061-0B297C3A1E7E}"/>
+                <a16:creationId xmlns:a16="http://schemas.microsoft.com/office/drawing/2014/main" id="{9C618366-6964-FCB3-8DB9-72FCACFF7A77}"/>
               </a:ext>
             </a:extLst>
           </p:cNvPr>
@@ -7440,40 +7810,243 @@
           <a:p>
             <a:r>
               <a:rPr lang="en-US" dirty="0"/>
-              <a:t>Ensemble</a:t>
-            </a:r>
-          </a:p>
-        </p:txBody>
-      </p:sp>
-      <p:sp>
-        <p:nvSpPr>
-          <p:cNvPr id="3" name="Content Placeholder 2">
+              <a:t>Random Forest - Results</a:t>
+            </a:r>
+          </a:p>
+        </p:txBody>
+      </p:sp>
+      <p:pic>
+        <p:nvPicPr>
+          <p:cNvPr id="6" name="Content Placeholder 5" descr="A screenshot of a computer screen&#10;&#10;Description automatically generated">
             <a:extLst>
               <a:ext uri="{FF2B5EF4-FFF2-40B4-BE49-F238E27FC236}">
-                <a16:creationId xmlns:a16="http://schemas.microsoft.com/office/drawing/2014/main" id="{345918B5-4009-375D-BD75-F553D4457F1B}"/>
+                <a16:creationId xmlns:a16="http://schemas.microsoft.com/office/drawing/2014/main" id="{990ECD87-291B-9057-1BE5-E720AEAFAA10}"/>
               </a:ext>
             </a:extLst>
           </p:cNvPr>
-          <p:cNvSpPr>
-            <a:spLocks noGrp="1"/>
-          </p:cNvSpPr>
+          <p:cNvPicPr>
+            <a:picLocks noGrp="1" noChangeAspect="1"/>
+          </p:cNvPicPr>
           <p:nvPr>
             <p:ph idx="1"/>
           </p:nvPr>
-        </p:nvSpPr>
-        <p:spPr/>
-        <p:txBody>
-          <a:bodyPr/>
-          <a:lstStyle/>
-          <a:p>
-            <a:endParaRPr lang="en-US"/>
-          </a:p>
-        </p:txBody>
-      </p:sp>
+        </p:nvPicPr>
+        <p:blipFill>
+          <a:blip r:embed="rId2"/>
+          <a:stretch>
+            <a:fillRect/>
+          </a:stretch>
+        </p:blipFill>
+        <p:spPr>
+          <a:xfrm>
+            <a:off x="810000" y="2415113"/>
+            <a:ext cx="5325993" cy="3636963"/>
+          </a:xfrm>
+        </p:spPr>
+      </p:pic>
+      <p:graphicFrame>
+        <p:nvGraphicFramePr>
+          <p:cNvPr id="8" name="Table 7">
+            <a:extLst>
+              <a:ext uri="{FF2B5EF4-FFF2-40B4-BE49-F238E27FC236}">
+                <a16:creationId xmlns:a16="http://schemas.microsoft.com/office/drawing/2014/main" id="{35DACCFB-3F34-EEE0-926D-94F6822E2182}"/>
+              </a:ext>
+            </a:extLst>
+          </p:cNvPr>
+          <p:cNvGraphicFramePr>
+            <a:graphicFrameLocks noGrp="1"/>
+          </p:cNvGraphicFramePr>
+          <p:nvPr>
+            <p:extLst>
+              <p:ext uri="{D42A27DB-BD31-4B8C-83A1-F6EECF244321}">
+                <p14:modId xmlns:p14="http://schemas.microsoft.com/office/powerpoint/2010/main" val="3479332403"/>
+              </p:ext>
+            </p:extLst>
+          </p:nvPr>
+        </p:nvGraphicFramePr>
+        <p:xfrm>
+          <a:off x="6608618" y="2901757"/>
+          <a:ext cx="5494482" cy="2021764"/>
+        </p:xfrm>
+        <a:graphic>
+          <a:graphicData uri="http://schemas.openxmlformats.org/drawingml/2006/table">
+            <a:tbl>
+              <a:tblPr firstRow="1" bandRow="1">
+                <a:tableStyleId>{5C22544A-7EE6-4342-B048-85BDC9FD1C3A}</a:tableStyleId>
+              </a:tblPr>
+              <a:tblGrid>
+                <a:gridCol w="2747241">
+                  <a:extLst>
+                    <a:ext uri="{9D8B030D-6E8A-4147-A177-3AD203B41FA5}">
+                      <a16:colId xmlns:a16="http://schemas.microsoft.com/office/drawing/2014/main" val="224807079"/>
+                    </a:ext>
+                  </a:extLst>
+                </a:gridCol>
+                <a:gridCol w="2747241">
+                  <a:extLst>
+                    <a:ext uri="{9D8B030D-6E8A-4147-A177-3AD203B41FA5}">
+                      <a16:colId xmlns:a16="http://schemas.microsoft.com/office/drawing/2014/main" val="3928674221"/>
+                    </a:ext>
+                  </a:extLst>
+                </a:gridCol>
+              </a:tblGrid>
+              <a:tr h="370802">
+                <a:tc>
+                  <a:txBody>
+                    <a:bodyPr/>
+                    <a:lstStyle/>
+                    <a:p>
+                      <a:r>
+                        <a:rPr lang="en-US" dirty="0"/>
+                        <a:t>Model Run</a:t>
+                      </a:r>
+                    </a:p>
+                  </a:txBody>
+                  <a:tcPr/>
+                </a:tc>
+                <a:tc>
+                  <a:txBody>
+                    <a:bodyPr/>
+                    <a:lstStyle/>
+                    <a:p>
+                      <a:r>
+                        <a:rPr lang="en-US" dirty="0"/>
+                        <a:t>Accuracy Score</a:t>
+                      </a:r>
+                    </a:p>
+                  </a:txBody>
+                  <a:tcPr/>
+                </a:tc>
+                <a:extLst>
+                  <a:ext uri="{0D108BD9-81ED-4DB2-BD59-A6C34878D82A}">
+                    <a16:rowId xmlns:a16="http://schemas.microsoft.com/office/drawing/2014/main" val="4040800695"/>
+                  </a:ext>
+                </a:extLst>
+              </a:tr>
+              <a:tr h="370802">
+                <a:tc>
+                  <a:txBody>
+                    <a:bodyPr/>
+                    <a:lstStyle/>
+                    <a:p>
+                      <a:r>
+                        <a:rPr lang="en-US" dirty="0"/>
+                        <a:t>Initial Model</a:t>
+                      </a:r>
+                    </a:p>
+                  </a:txBody>
+                  <a:tcPr/>
+                </a:tc>
+                <a:tc>
+                  <a:txBody>
+                    <a:bodyPr/>
+                    <a:lstStyle/>
+                    <a:p>
+                      <a:r>
+                        <a:rPr lang="en-US" dirty="0"/>
+                        <a:t>0.9794</a:t>
+                      </a:r>
+                    </a:p>
+                  </a:txBody>
+                  <a:tcPr/>
+                </a:tc>
+                <a:extLst>
+                  <a:ext uri="{0D108BD9-81ED-4DB2-BD59-A6C34878D82A}">
+                    <a16:rowId xmlns:a16="http://schemas.microsoft.com/office/drawing/2014/main" val="1216322091"/>
+                  </a:ext>
+                </a:extLst>
+              </a:tr>
+              <a:tr h="370802">
+                <a:tc>
+                  <a:txBody>
+                    <a:bodyPr/>
+                    <a:lstStyle/>
+                    <a:p>
+                      <a:r>
+                        <a:rPr lang="en-US" dirty="0"/>
+                        <a:t>Optimization 1 – estimators</a:t>
+                      </a:r>
+                    </a:p>
+                  </a:txBody>
+                  <a:tcPr/>
+                </a:tc>
+                <a:tc>
+                  <a:txBody>
+                    <a:bodyPr/>
+                    <a:lstStyle/>
+                    <a:p>
+                      <a:r>
+                        <a:rPr lang="en-US" dirty="0"/>
+                        <a:t>0.9792</a:t>
+                      </a:r>
+                    </a:p>
+                  </a:txBody>
+                  <a:tcPr/>
+                </a:tc>
+                <a:extLst>
+                  <a:ext uri="{0D108BD9-81ED-4DB2-BD59-A6C34878D82A}">
+                    <a16:rowId xmlns:a16="http://schemas.microsoft.com/office/drawing/2014/main" val="1248210420"/>
+                  </a:ext>
+                </a:extLst>
+              </a:tr>
+              <a:tr h="370802">
+                <a:tc>
+                  <a:txBody>
+                    <a:bodyPr/>
+                    <a:lstStyle/>
+                    <a:p>
+                      <a:pPr marL="0" marR="0" lvl="0" indent="0" algn="l" defTabSz="457200" rtl="0" eaLnBrk="1" fontAlgn="auto" latinLnBrk="0" hangingPunct="1">
+                        <a:lnSpc>
+                          <a:spcPct val="100000"/>
+                        </a:lnSpc>
+                        <a:spcBef>
+                          <a:spcPts val="0"/>
+                        </a:spcBef>
+                        <a:spcAft>
+                          <a:spcPts val="0"/>
+                        </a:spcAft>
+                        <a:buClrTx/>
+                        <a:buSzTx/>
+                        <a:buFontTx/>
+                        <a:buNone/>
+                        <a:tabLst/>
+                        <a:defRPr/>
+                      </a:pPr>
+                      <a:r>
+                        <a:rPr lang="en-US" dirty="0"/>
+                        <a:t>Optimization 2 – class weight adjustment</a:t>
+                      </a:r>
+                    </a:p>
+                  </a:txBody>
+                  <a:tcPr/>
+                </a:tc>
+                <a:tc>
+                  <a:txBody>
+                    <a:bodyPr/>
+                    <a:lstStyle/>
+                    <a:p>
+                      <a:r>
+                        <a:rPr lang="en-US" dirty="0"/>
+                        <a:t>0.9794</a:t>
+                      </a:r>
+                    </a:p>
+                  </a:txBody>
+                  <a:tcPr/>
+                </a:tc>
+                <a:extLst>
+                  <a:ext uri="{0D108BD9-81ED-4DB2-BD59-A6C34878D82A}">
+                    <a16:rowId xmlns:a16="http://schemas.microsoft.com/office/drawing/2014/main" val="3559769383"/>
+                  </a:ext>
+                </a:extLst>
+              </a:tr>
+            </a:tbl>
+          </a:graphicData>
+        </a:graphic>
+      </p:graphicFrame>
     </p:spTree>
     <p:extLst>
       <p:ext uri="{BB962C8B-B14F-4D97-AF65-F5344CB8AC3E}">
-        <p14:creationId xmlns:p14="http://schemas.microsoft.com/office/powerpoint/2010/main" val="3684477634"/>
+        <p14:creationId xmlns:p14="http://schemas.microsoft.com/office/powerpoint/2010/main" val="2629098367"/>
       </p:ext>
     </p:extLst>
   </p:cSld>
@@ -7505,7 +8078,7 @@
           <p:cNvPr id="2" name="Title 1">
             <a:extLst>
               <a:ext uri="{FF2B5EF4-FFF2-40B4-BE49-F238E27FC236}">
-                <a16:creationId xmlns:a16="http://schemas.microsoft.com/office/drawing/2014/main" id="{95105F8F-0022-4EF7-7A26-777FA9ECBE4C}"/>
+                <a16:creationId xmlns:a16="http://schemas.microsoft.com/office/drawing/2014/main" id="{DEEE0248-6EFD-AE63-B061-0B297C3A1E7E}"/>
               </a:ext>
             </a:extLst>
           </p:cNvPr>
@@ -7523,40 +8096,119 @@
           <a:p>
             <a:r>
               <a:rPr lang="en-US" dirty="0"/>
-              <a:t>Neural Networks</a:t>
-            </a:r>
-          </a:p>
-        </p:txBody>
-      </p:sp>
-      <p:sp>
-        <p:nvSpPr>
-          <p:cNvPr id="3" name="Content Placeholder 2">
+              <a:t>Ensemble</a:t>
+            </a:r>
+          </a:p>
+        </p:txBody>
+      </p:sp>
+      <p:pic>
+        <p:nvPicPr>
+          <p:cNvPr id="5" name="Content Placeholder 4" descr="A number of numbers on a white background&#10;&#10;Description automatically generated">
             <a:extLst>
               <a:ext uri="{FF2B5EF4-FFF2-40B4-BE49-F238E27FC236}">
-                <a16:creationId xmlns:a16="http://schemas.microsoft.com/office/drawing/2014/main" id="{29C27D89-C4D6-CEA9-E7AA-28B1EEB29249}"/>
+                <a16:creationId xmlns:a16="http://schemas.microsoft.com/office/drawing/2014/main" id="{7F1274AD-6027-CA67-1763-E7DEC9E39391}"/>
               </a:ext>
             </a:extLst>
           </p:cNvPr>
-          <p:cNvSpPr>
-            <a:spLocks noGrp="1"/>
-          </p:cNvSpPr>
+          <p:cNvPicPr>
+            <a:picLocks noGrp="1" noChangeAspect="1"/>
+          </p:cNvPicPr>
           <p:nvPr>
             <p:ph idx="1"/>
           </p:nvPr>
-        </p:nvSpPr>
-        <p:spPr/>
-        <p:txBody>
-          <a:bodyPr/>
-          <a:lstStyle/>
-          <a:p>
-            <a:endParaRPr lang="en-US"/>
-          </a:p>
-        </p:txBody>
-      </p:sp>
+        </p:nvPicPr>
+        <p:blipFill>
+          <a:blip r:embed="rId2"/>
+          <a:stretch>
+            <a:fillRect/>
+          </a:stretch>
+        </p:blipFill>
+        <p:spPr>
+          <a:xfrm>
+            <a:off x="6601113" y="49763"/>
+            <a:ext cx="5473700" cy="1765300"/>
+          </a:xfrm>
+        </p:spPr>
+      </p:pic>
+      <p:sp>
+        <p:nvSpPr>
+          <p:cNvPr id="6" name="TextBox 5">
+            <a:extLst>
+              <a:ext uri="{FF2B5EF4-FFF2-40B4-BE49-F238E27FC236}">
+                <a16:creationId xmlns:a16="http://schemas.microsoft.com/office/drawing/2014/main" id="{7144B93C-97A6-C371-4400-3C0B8C4D8EC9}"/>
+              </a:ext>
+            </a:extLst>
+          </p:cNvPr>
+          <p:cNvSpPr txBox="1"/>
+          <p:nvPr/>
+        </p:nvSpPr>
+        <p:spPr>
+          <a:xfrm>
+            <a:off x="914400" y="2150918"/>
+            <a:ext cx="4561609" cy="1477328"/>
+          </a:xfrm>
+          <a:prstGeom prst="rect">
+            <a:avLst/>
+          </a:prstGeom>
+          <a:noFill/>
+        </p:spPr>
+        <p:txBody>
+          <a:bodyPr wrap="square" rtlCol="0">
+            <a:spAutoFit/>
+          </a:bodyPr>
+          <a:lstStyle/>
+          <a:p>
+            <a:pPr marL="285750" indent="-285750">
+              <a:buFont typeface="Courier New" panose="02070309020205020404" pitchFamily="49" charset="0"/>
+              <a:buChar char="o"/>
+            </a:pPr>
+            <a:r>
+              <a:rPr lang="en-US" dirty="0"/>
+              <a:t>Ensemble combines predictions of model to improve the outcome of the prediction</a:t>
+            </a:r>
+          </a:p>
+          <a:p>
+            <a:endParaRPr lang="en-US" dirty="0"/>
+          </a:p>
+          <a:p>
+            <a:endParaRPr lang="en-US" dirty="0"/>
+          </a:p>
+        </p:txBody>
+      </p:sp>
+      <p:pic>
+        <p:nvPicPr>
+          <p:cNvPr id="8" name="Picture 7" descr="A blue and white chart with numbers and a line&#10;&#10;Description automatically generated with medium confidence">
+            <a:extLst>
+              <a:ext uri="{FF2B5EF4-FFF2-40B4-BE49-F238E27FC236}">
+                <a16:creationId xmlns:a16="http://schemas.microsoft.com/office/drawing/2014/main" id="{77556BAE-A822-59EB-8EF2-266D4C753EDB}"/>
+              </a:ext>
+            </a:extLst>
+          </p:cNvPr>
+          <p:cNvPicPr>
+            <a:picLocks noChangeAspect="1"/>
+          </p:cNvPicPr>
+          <p:nvPr/>
+        </p:nvPicPr>
+        <p:blipFill>
+          <a:blip r:embed="rId3"/>
+          <a:stretch>
+            <a:fillRect/>
+          </a:stretch>
+        </p:blipFill>
+        <p:spPr>
+          <a:xfrm>
+            <a:off x="5596647" y="2279308"/>
+            <a:ext cx="6290553" cy="4406862"/>
+          </a:xfrm>
+          <a:prstGeom prst="rect">
+            <a:avLst/>
+          </a:prstGeom>
+        </p:spPr>
+      </p:pic>
     </p:spTree>
     <p:extLst>
       <p:ext uri="{BB962C8B-B14F-4D97-AF65-F5344CB8AC3E}">
-        <p14:creationId xmlns:p14="http://schemas.microsoft.com/office/powerpoint/2010/main" val="2683175456"/>
+        <p14:creationId xmlns:p14="http://schemas.microsoft.com/office/powerpoint/2010/main" val="3684477634"/>
       </p:ext>
     </p:extLst>
   </p:cSld>
@@ -7588,7 +8240,7 @@
           <p:cNvPr id="2" name="Title 1">
             <a:extLst>
               <a:ext uri="{FF2B5EF4-FFF2-40B4-BE49-F238E27FC236}">
-                <a16:creationId xmlns:a16="http://schemas.microsoft.com/office/drawing/2014/main" id="{90DE8313-2776-A0C8-843E-9E03DEE57152}"/>
+                <a16:creationId xmlns:a16="http://schemas.microsoft.com/office/drawing/2014/main" id="{95105F8F-0022-4EF7-7A26-777FA9ECBE4C}"/>
               </a:ext>
             </a:extLst>
           </p:cNvPr>
@@ -7605,8 +8257,8 @@
           <a:lstStyle/>
           <a:p>
             <a:r>
-              <a:rPr lang="en-US"/>
-              <a:t>User interface</a:t>
+              <a:rPr lang="en-US" dirty="0"/>
+              <a:t>Neural Networks</a:t>
             </a:r>
           </a:p>
         </p:txBody>
@@ -7616,7 +8268,7 @@
           <p:cNvPr id="3" name="Content Placeholder 2">
             <a:extLst>
               <a:ext uri="{FF2B5EF4-FFF2-40B4-BE49-F238E27FC236}">
-                <a16:creationId xmlns:a16="http://schemas.microsoft.com/office/drawing/2014/main" id="{07BBE9F4-0087-5E27-AB7D-269DE241FCDB}"/>
+                <a16:creationId xmlns:a16="http://schemas.microsoft.com/office/drawing/2014/main" id="{29C27D89-C4D6-CEA9-E7AA-28B1EEB29249}"/>
               </a:ext>
             </a:extLst>
           </p:cNvPr>
@@ -7633,17 +8285,52 @@
           <a:lstStyle/>
           <a:p>
             <a:r>
-              <a:rPr lang="en-US" dirty="0" err="1"/>
-              <a:t>Javascript</a:t>
+              <a:rPr lang="en-AU" b="0" i="0" u="none" strike="noStrike" dirty="0">
+                <a:solidFill>
+                  <a:srgbClr val="D1D5DB"/>
+                </a:solidFill>
+                <a:effectLst/>
+              </a:rPr>
+              <a:t>They are composed of interconnected nodes, or artificial neurons, organized into layers. Neural networks are capable of learning complex relationships and patterns in data</a:t>
             </a:r>
             <a:endParaRPr lang="en-US" dirty="0"/>
           </a:p>
         </p:txBody>
       </p:sp>
+      <p:pic>
+        <p:nvPicPr>
+          <p:cNvPr id="6" name="Picture 5">
+            <a:extLst>
+              <a:ext uri="{FF2B5EF4-FFF2-40B4-BE49-F238E27FC236}">
+                <a16:creationId xmlns:a16="http://schemas.microsoft.com/office/drawing/2014/main" id="{2E7132BB-EAE4-5D33-7227-11CC3254E708}"/>
+              </a:ext>
+            </a:extLst>
+          </p:cNvPr>
+          <p:cNvPicPr>
+            <a:picLocks noChangeAspect="1"/>
+          </p:cNvPicPr>
+          <p:nvPr/>
+        </p:nvPicPr>
+        <p:blipFill>
+          <a:blip r:embed="rId2"/>
+          <a:stretch>
+            <a:fillRect/>
+          </a:stretch>
+        </p:blipFill>
+        <p:spPr>
+          <a:xfrm>
+            <a:off x="1130877" y="4818496"/>
+            <a:ext cx="6896100" cy="546100"/>
+          </a:xfrm>
+          <a:prstGeom prst="rect">
+            <a:avLst/>
+          </a:prstGeom>
+        </p:spPr>
+      </p:pic>
     </p:spTree>
     <p:extLst>
       <p:ext uri="{BB962C8B-B14F-4D97-AF65-F5344CB8AC3E}">
-        <p14:creationId xmlns:p14="http://schemas.microsoft.com/office/powerpoint/2010/main" val="724884886"/>
+        <p14:creationId xmlns:p14="http://schemas.microsoft.com/office/powerpoint/2010/main" val="2683175456"/>
       </p:ext>
     </p:extLst>
   </p:cSld>

--- a/Credit Loan Presentation.pptx
+++ b/Credit Loan Presentation.pptx
@@ -9,15 +9,17 @@
     <p:sldId id="265" r:id="rId3"/>
     <p:sldId id="257" r:id="rId4"/>
     <p:sldId id="270" r:id="rId5"/>
-    <p:sldId id="259" r:id="rId6"/>
-    <p:sldId id="263" r:id="rId7"/>
-    <p:sldId id="260" r:id="rId8"/>
-    <p:sldId id="262" r:id="rId9"/>
-    <p:sldId id="261" r:id="rId10"/>
-    <p:sldId id="269" r:id="rId11"/>
-    <p:sldId id="264" r:id="rId12"/>
-    <p:sldId id="267" r:id="rId13"/>
-    <p:sldId id="268" r:id="rId14"/>
+    <p:sldId id="269" r:id="rId6"/>
+    <p:sldId id="259" r:id="rId7"/>
+    <p:sldId id="271" r:id="rId8"/>
+    <p:sldId id="263" r:id="rId9"/>
+    <p:sldId id="260" r:id="rId10"/>
+    <p:sldId id="262" r:id="rId11"/>
+    <p:sldId id="261" r:id="rId12"/>
+    <p:sldId id="264" r:id="rId13"/>
+    <p:sldId id="267" r:id="rId14"/>
+    <p:sldId id="268" r:id="rId15"/>
+    <p:sldId id="272" r:id="rId16"/>
   </p:sldIdLst>
   <p:sldSz cx="12192000" cy="6858000"/>
   <p:notesSz cx="6858000" cy="9144000"/>
@@ -219,7 +221,7 @@
           <a:effectLst/>
           <a:extLst>
             <a:ext uri="{91240B29-F687-4f45-9708-019B960494DF}">
-              <a14:hiddenLine xmlns:a14="http://schemas.microsoft.com/office/drawing/2010/main" xmlns="" w="9525">
+              <a14:hiddenLine xmlns="" xmlns:a14="http://schemas.microsoft.com/office/drawing/2010/main" w="9525">
                 <a:solidFill>
                   <a:srgbClr val="000000"/>
                 </a:solidFill>
@@ -1729,7 +1731,7 @@
           <a:ln/>
           <a:extLst>
             <a:ext uri="{91240B29-F687-4f45-9708-019B960494DF}">
-              <a14:hiddenLine xmlns:a14="http://schemas.microsoft.com/office/drawing/2010/main" xmlns="" w="9525">
+              <a14:hiddenLine xmlns="" xmlns:a14="http://schemas.microsoft.com/office/drawing/2010/main" w="9525">
                 <a:solidFill>
                   <a:srgbClr val="000000"/>
                 </a:solidFill>
@@ -2001,7 +2003,7 @@
           <a:ln/>
           <a:extLst>
             <a:ext uri="{91240B29-F687-4f45-9708-019B960494DF}">
-              <a14:hiddenLine xmlns:a14="http://schemas.microsoft.com/office/drawing/2010/main" xmlns="" w="9525">
+              <a14:hiddenLine xmlns="" xmlns:a14="http://schemas.microsoft.com/office/drawing/2010/main" w="9525">
                 <a:solidFill>
                   <a:srgbClr val="000000"/>
                 </a:solidFill>
@@ -2281,7 +2283,7 @@
           <a:ln/>
           <a:extLst>
             <a:ext uri="{91240B29-F687-4f45-9708-019B960494DF}">
-              <a14:hiddenLine xmlns:a14="http://schemas.microsoft.com/office/drawing/2010/main" xmlns="" w="9525">
+              <a14:hiddenLine xmlns="" xmlns:a14="http://schemas.microsoft.com/office/drawing/2010/main" w="9525">
                 <a:solidFill>
                   <a:srgbClr val="000000"/>
                 </a:solidFill>
@@ -2901,7 +2903,7 @@
           <a:ln/>
           <a:extLst>
             <a:ext uri="{91240B29-F687-4f45-9708-019B960494DF}">
-              <a14:hiddenLine xmlns:a14="http://schemas.microsoft.com/office/drawing/2010/main" xmlns="" w="9525">
+              <a14:hiddenLine xmlns="" xmlns:a14="http://schemas.microsoft.com/office/drawing/2010/main" w="9525">
                 <a:solidFill>
                   <a:srgbClr val="000000"/>
                 </a:solidFill>
@@ -3237,7 +3239,7 @@
           <a:ln/>
           <a:extLst>
             <a:ext uri="{91240B29-F687-4f45-9708-019B960494DF}">
-              <a14:hiddenLine xmlns:a14="http://schemas.microsoft.com/office/drawing/2010/main" xmlns="" w="9525">
+              <a14:hiddenLine xmlns="" xmlns:a14="http://schemas.microsoft.com/office/drawing/2010/main" w="9525">
                 <a:solidFill>
                   <a:srgbClr val="000000"/>
                 </a:solidFill>
@@ -3711,7 +3713,7 @@
           <a:ln/>
           <a:extLst>
             <a:ext uri="{91240B29-F687-4f45-9708-019B960494DF}">
-              <a14:hiddenLine xmlns:a14="http://schemas.microsoft.com/office/drawing/2010/main" xmlns="" w="9525">
+              <a14:hiddenLine xmlns="" xmlns:a14="http://schemas.microsoft.com/office/drawing/2010/main" w="9525">
                 <a:solidFill>
                   <a:srgbClr val="000000"/>
                 </a:solidFill>
@@ -4134,7 +4136,7 @@
           <a:ln/>
           <a:extLst>
             <a:ext uri="{91240B29-F687-4f45-9708-019B960494DF}">
-              <a14:hiddenLine xmlns:a14="http://schemas.microsoft.com/office/drawing/2010/main" xmlns="" w="9525">
+              <a14:hiddenLine xmlns="" xmlns:a14="http://schemas.microsoft.com/office/drawing/2010/main" w="9525">
                 <a:solidFill>
                   <a:srgbClr val="000000"/>
                 </a:solidFill>
@@ -5448,7 +5450,7 @@
           <p:cNvPr id="2" name="Title 1">
             <a:extLst>
               <a:ext uri="{FF2B5EF4-FFF2-40B4-BE49-F238E27FC236}">
-                <a16:creationId xmlns:a16="http://schemas.microsoft.com/office/drawing/2014/main" id="{95105F8F-0022-4EF7-7A26-777FA9ECBE4C}"/>
+                <a16:creationId xmlns:a16="http://schemas.microsoft.com/office/drawing/2014/main" id="{DEEE0248-6EFD-AE63-B061-0B297C3A1E7E}"/>
               </a:ext>
             </a:extLst>
           </p:cNvPr>
@@ -5466,40 +5468,119 @@
           <a:p>
             <a:r>
               <a:rPr lang="en-US" dirty="0"/>
-              <a:t>Data Analysis</a:t>
-            </a:r>
-          </a:p>
-        </p:txBody>
-      </p:sp>
-      <p:sp>
-        <p:nvSpPr>
-          <p:cNvPr id="3" name="Content Placeholder 2">
+              <a:t>Ensemble</a:t>
+            </a:r>
+          </a:p>
+        </p:txBody>
+      </p:sp>
+      <p:pic>
+        <p:nvPicPr>
+          <p:cNvPr id="5" name="Content Placeholder 4" descr="A number of numbers on a white background&#10;&#10;Description automatically generated">
             <a:extLst>
               <a:ext uri="{FF2B5EF4-FFF2-40B4-BE49-F238E27FC236}">
-                <a16:creationId xmlns:a16="http://schemas.microsoft.com/office/drawing/2014/main" id="{29C27D89-C4D6-CEA9-E7AA-28B1EEB29249}"/>
+                <a16:creationId xmlns:a16="http://schemas.microsoft.com/office/drawing/2014/main" id="{7F1274AD-6027-CA67-1763-E7DEC9E39391}"/>
               </a:ext>
             </a:extLst>
           </p:cNvPr>
-          <p:cNvSpPr>
-            <a:spLocks noGrp="1"/>
-          </p:cNvSpPr>
+          <p:cNvPicPr>
+            <a:picLocks noGrp="1" noChangeAspect="1"/>
+          </p:cNvPicPr>
           <p:nvPr>
             <p:ph idx="1"/>
           </p:nvPr>
-        </p:nvSpPr>
-        <p:spPr/>
-        <p:txBody>
-          <a:bodyPr/>
-          <a:lstStyle/>
+        </p:nvPicPr>
+        <p:blipFill>
+          <a:blip r:embed="rId2"/>
+          <a:stretch>
+            <a:fillRect/>
+          </a:stretch>
+        </p:blipFill>
+        <p:spPr>
+          <a:xfrm>
+            <a:off x="122947" y="3628246"/>
+            <a:ext cx="5473700" cy="1765300"/>
+          </a:xfrm>
+        </p:spPr>
+      </p:pic>
+      <p:sp>
+        <p:nvSpPr>
+          <p:cNvPr id="6" name="TextBox 5">
+            <a:extLst>
+              <a:ext uri="{FF2B5EF4-FFF2-40B4-BE49-F238E27FC236}">
+                <a16:creationId xmlns:a16="http://schemas.microsoft.com/office/drawing/2014/main" id="{7144B93C-97A6-C371-4400-3C0B8C4D8EC9}"/>
+              </a:ext>
+            </a:extLst>
+          </p:cNvPr>
+          <p:cNvSpPr txBox="1"/>
+          <p:nvPr/>
+        </p:nvSpPr>
+        <p:spPr>
+          <a:xfrm>
+            <a:off x="914400" y="2150918"/>
+            <a:ext cx="4561609" cy="1477328"/>
+          </a:xfrm>
+          <a:prstGeom prst="rect">
+            <a:avLst/>
+          </a:prstGeom>
+          <a:noFill/>
+        </p:spPr>
+        <p:txBody>
+          <a:bodyPr wrap="square" rtlCol="0">
+            <a:spAutoFit/>
+          </a:bodyPr>
+          <a:lstStyle/>
+          <a:p>
+            <a:pPr marL="285750" indent="-285750">
+              <a:buFont typeface="Courier New" panose="02070309020205020404" pitchFamily="49" charset="0"/>
+              <a:buChar char="o"/>
+            </a:pPr>
+            <a:r>
+              <a:rPr lang="en-US" dirty="0"/>
+              <a:t>Ensemble combines predictions of model to improve the outcome of the prediction</a:t>
+            </a:r>
+          </a:p>
           <a:p>
             <a:endParaRPr lang="en-US" dirty="0"/>
           </a:p>
-        </p:txBody>
-      </p:sp>
+          <a:p>
+            <a:endParaRPr lang="en-US" dirty="0"/>
+          </a:p>
+        </p:txBody>
+      </p:sp>
+      <p:pic>
+        <p:nvPicPr>
+          <p:cNvPr id="8" name="Picture 7" descr="A blue and white chart with numbers and a line&#10;&#10;Description automatically generated with medium confidence">
+            <a:extLst>
+              <a:ext uri="{FF2B5EF4-FFF2-40B4-BE49-F238E27FC236}">
+                <a16:creationId xmlns:a16="http://schemas.microsoft.com/office/drawing/2014/main" id="{77556BAE-A822-59EB-8EF2-266D4C753EDB}"/>
+              </a:ext>
+            </a:extLst>
+          </p:cNvPr>
+          <p:cNvPicPr>
+            <a:picLocks noChangeAspect="1"/>
+          </p:cNvPicPr>
+          <p:nvPr/>
+        </p:nvPicPr>
+        <p:blipFill>
+          <a:blip r:embed="rId3"/>
+          <a:stretch>
+            <a:fillRect/>
+          </a:stretch>
+        </p:blipFill>
+        <p:spPr>
+          <a:xfrm>
+            <a:off x="5596647" y="2279308"/>
+            <a:ext cx="6290553" cy="4406862"/>
+          </a:xfrm>
+          <a:prstGeom prst="rect">
+            <a:avLst/>
+          </a:prstGeom>
+        </p:spPr>
+      </p:pic>
     </p:spTree>
     <p:extLst>
       <p:ext uri="{BB962C8B-B14F-4D97-AF65-F5344CB8AC3E}">
-        <p14:creationId xmlns:p14="http://schemas.microsoft.com/office/powerpoint/2010/main" val="1155483196"/>
+        <p14:creationId xmlns:p14="http://schemas.microsoft.com/office/powerpoint/2010/main" val="3684477634"/>
       </p:ext>
     </p:extLst>
   </p:cSld>
@@ -5510,6 +5591,128 @@
 </file>
 
 <file path=ppt/slides/slide11.xml><?xml version="1.0" encoding="utf-8"?>
+<p:sld xmlns:a="http://schemas.openxmlformats.org/drawingml/2006/main" xmlns:r="http://schemas.openxmlformats.org/officeDocument/2006/relationships" xmlns:p="http://schemas.openxmlformats.org/presentationml/2006/main">
+  <p:cSld>
+    <p:spTree>
+      <p:nvGrpSpPr>
+        <p:cNvPr id="1" name=""/>
+        <p:cNvGrpSpPr/>
+        <p:nvPr/>
+      </p:nvGrpSpPr>
+      <p:grpSpPr>
+        <a:xfrm>
+          <a:off x="0" y="0"/>
+          <a:ext cx="0" cy="0"/>
+          <a:chOff x="0" y="0"/>
+          <a:chExt cx="0" cy="0"/>
+        </a:xfrm>
+      </p:grpSpPr>
+      <p:sp>
+        <p:nvSpPr>
+          <p:cNvPr id="2" name="Title 1">
+            <a:extLst>
+              <a:ext uri="{FF2B5EF4-FFF2-40B4-BE49-F238E27FC236}">
+                <a16:creationId xmlns:a16="http://schemas.microsoft.com/office/drawing/2014/main" id="{95105F8F-0022-4EF7-7A26-777FA9ECBE4C}"/>
+              </a:ext>
+            </a:extLst>
+          </p:cNvPr>
+          <p:cNvSpPr>
+            <a:spLocks noGrp="1"/>
+          </p:cNvSpPr>
+          <p:nvPr>
+            <p:ph type="title"/>
+          </p:nvPr>
+        </p:nvSpPr>
+        <p:spPr/>
+        <p:txBody>
+          <a:bodyPr/>
+          <a:lstStyle/>
+          <a:p>
+            <a:r>
+              <a:rPr lang="en-US" dirty="0"/>
+              <a:t>Neural Networks</a:t>
+            </a:r>
+          </a:p>
+        </p:txBody>
+      </p:sp>
+      <p:sp>
+        <p:nvSpPr>
+          <p:cNvPr id="3" name="Content Placeholder 2">
+            <a:extLst>
+              <a:ext uri="{FF2B5EF4-FFF2-40B4-BE49-F238E27FC236}">
+                <a16:creationId xmlns:a16="http://schemas.microsoft.com/office/drawing/2014/main" id="{29C27D89-C4D6-CEA9-E7AA-28B1EEB29249}"/>
+              </a:ext>
+            </a:extLst>
+          </p:cNvPr>
+          <p:cNvSpPr>
+            <a:spLocks noGrp="1"/>
+          </p:cNvSpPr>
+          <p:nvPr>
+            <p:ph idx="1"/>
+          </p:nvPr>
+        </p:nvSpPr>
+        <p:spPr/>
+        <p:txBody>
+          <a:bodyPr/>
+          <a:lstStyle/>
+          <a:p>
+            <a:r>
+              <a:rPr lang="en-AU" b="0" i="0" u="none" strike="noStrike" dirty="0">
+                <a:solidFill>
+                  <a:srgbClr val="D1D5DB"/>
+                </a:solidFill>
+                <a:effectLst/>
+              </a:rPr>
+              <a:t>They are composed of interconnected nodes, or artificial neurons, organized into layers. Neural networks are capable of learning complex relationships and patterns in data</a:t>
+            </a:r>
+            <a:endParaRPr lang="en-US" dirty="0"/>
+          </a:p>
+        </p:txBody>
+      </p:sp>
+      <p:pic>
+        <p:nvPicPr>
+          <p:cNvPr id="6" name="Picture 5">
+            <a:extLst>
+              <a:ext uri="{FF2B5EF4-FFF2-40B4-BE49-F238E27FC236}">
+                <a16:creationId xmlns:a16="http://schemas.microsoft.com/office/drawing/2014/main" id="{2E7132BB-EAE4-5D33-7227-11CC3254E708}"/>
+              </a:ext>
+            </a:extLst>
+          </p:cNvPr>
+          <p:cNvPicPr>
+            <a:picLocks noChangeAspect="1"/>
+          </p:cNvPicPr>
+          <p:nvPr/>
+        </p:nvPicPr>
+        <p:blipFill>
+          <a:blip r:embed="rId2"/>
+          <a:stretch>
+            <a:fillRect/>
+          </a:stretch>
+        </p:blipFill>
+        <p:spPr>
+          <a:xfrm>
+            <a:off x="1130877" y="4818496"/>
+            <a:ext cx="6896100" cy="546100"/>
+          </a:xfrm>
+          <a:prstGeom prst="rect">
+            <a:avLst/>
+          </a:prstGeom>
+        </p:spPr>
+      </p:pic>
+    </p:spTree>
+    <p:extLst>
+      <p:ext uri="{BB962C8B-B14F-4D97-AF65-F5344CB8AC3E}">
+        <p14:creationId xmlns:p14="http://schemas.microsoft.com/office/powerpoint/2010/main" val="2683175456"/>
+      </p:ext>
+    </p:extLst>
+  </p:cSld>
+  <p:clrMapOvr>
+    <a:masterClrMapping/>
+  </p:clrMapOvr>
+</p:sld>
+</file>
+
+<file path=ppt/slides/slide12.xml><?xml version="1.0" encoding="utf-8"?>
 <p:sld xmlns:a="http://schemas.openxmlformats.org/drawingml/2006/main" xmlns:r="http://schemas.openxmlformats.org/officeDocument/2006/relationships" xmlns:p="http://schemas.openxmlformats.org/presentationml/2006/main">
   <p:cSld>
     <p:spTree>
@@ -5782,104 +5985,6 @@
 </p:sld>
 </file>
 
-<file path=ppt/slides/slide12.xml><?xml version="1.0" encoding="utf-8"?>
-<p:sld xmlns:a="http://schemas.openxmlformats.org/drawingml/2006/main" xmlns:r="http://schemas.openxmlformats.org/officeDocument/2006/relationships" xmlns:p="http://schemas.openxmlformats.org/presentationml/2006/main">
-  <p:cSld>
-    <p:spTree>
-      <p:nvGrpSpPr>
-        <p:cNvPr id="1" name=""/>
-        <p:cNvGrpSpPr/>
-        <p:nvPr/>
-      </p:nvGrpSpPr>
-      <p:grpSpPr>
-        <a:xfrm>
-          <a:off x="0" y="0"/>
-          <a:ext cx="0" cy="0"/>
-          <a:chOff x="0" y="0"/>
-          <a:chExt cx="0" cy="0"/>
-        </a:xfrm>
-      </p:grpSpPr>
-      <p:sp>
-        <p:nvSpPr>
-          <p:cNvPr id="2" name="Title 1">
-            <a:extLst>
-              <a:ext uri="{FF2B5EF4-FFF2-40B4-BE49-F238E27FC236}">
-                <a16:creationId xmlns:a16="http://schemas.microsoft.com/office/drawing/2014/main" id="{85E1091B-D2D7-C00E-0183-49EEBFA9693F}"/>
-              </a:ext>
-            </a:extLst>
-          </p:cNvPr>
-          <p:cNvSpPr>
-            <a:spLocks noGrp="1"/>
-          </p:cNvSpPr>
-          <p:nvPr>
-            <p:ph type="title"/>
-          </p:nvPr>
-        </p:nvSpPr>
-        <p:spPr/>
-        <p:txBody>
-          <a:bodyPr/>
-          <a:lstStyle/>
-          <a:p>
-            <a:r>
-              <a:rPr lang="en-US" dirty="0"/>
-              <a:t>Limitations</a:t>
-            </a:r>
-          </a:p>
-        </p:txBody>
-      </p:sp>
-      <p:sp>
-        <p:nvSpPr>
-          <p:cNvPr id="3" name="Content Placeholder 2">
-            <a:extLst>
-              <a:ext uri="{FF2B5EF4-FFF2-40B4-BE49-F238E27FC236}">
-                <a16:creationId xmlns:a16="http://schemas.microsoft.com/office/drawing/2014/main" id="{69977693-985E-8A8D-A4C7-4C9946CB8F6B}"/>
-              </a:ext>
-            </a:extLst>
-          </p:cNvPr>
-          <p:cNvSpPr>
-            <a:spLocks noGrp="1"/>
-          </p:cNvSpPr>
-          <p:nvPr>
-            <p:ph idx="1"/>
-          </p:nvPr>
-        </p:nvSpPr>
-        <p:spPr/>
-        <p:txBody>
-          <a:bodyPr/>
-          <a:lstStyle/>
-          <a:p>
-            <a:r>
-              <a:rPr lang="en-US" dirty="0"/>
-              <a:t>The size of the data set.</a:t>
-            </a:r>
-          </a:p>
-          <a:p>
-            <a:r>
-              <a:rPr lang="en-US" dirty="0"/>
-              <a:t>The origin of the dataset – no information regarding the source of the data.</a:t>
-            </a:r>
-          </a:p>
-          <a:p>
-            <a:r>
-              <a:rPr lang="en-US" dirty="0"/>
-              <a:t>Limitations of the model used to make predictions.</a:t>
-            </a:r>
-          </a:p>
-        </p:txBody>
-      </p:sp>
-    </p:spTree>
-    <p:extLst>
-      <p:ext uri="{BB962C8B-B14F-4D97-AF65-F5344CB8AC3E}">
-        <p14:creationId xmlns:p14="http://schemas.microsoft.com/office/powerpoint/2010/main" val="1372228111"/>
-      </p:ext>
-    </p:extLst>
-  </p:cSld>
-  <p:clrMapOvr>
-    <a:masterClrMapping/>
-  </p:clrMapOvr>
-</p:sld>
-</file>
-
 <file path=ppt/slides/slide13.xml><?xml version="1.0" encoding="utf-8"?>
 <p:sld xmlns:a="http://schemas.openxmlformats.org/drawingml/2006/main" xmlns:r="http://schemas.openxmlformats.org/officeDocument/2006/relationships" xmlns:p="http://schemas.openxmlformats.org/presentationml/2006/main">
   <p:cSld>
@@ -5902,6 +6007,104 @@
           <p:cNvPr id="2" name="Title 1">
             <a:extLst>
               <a:ext uri="{FF2B5EF4-FFF2-40B4-BE49-F238E27FC236}">
+                <a16:creationId xmlns:a16="http://schemas.microsoft.com/office/drawing/2014/main" id="{85E1091B-D2D7-C00E-0183-49EEBFA9693F}"/>
+              </a:ext>
+            </a:extLst>
+          </p:cNvPr>
+          <p:cNvSpPr>
+            <a:spLocks noGrp="1"/>
+          </p:cNvSpPr>
+          <p:nvPr>
+            <p:ph type="title"/>
+          </p:nvPr>
+        </p:nvSpPr>
+        <p:spPr/>
+        <p:txBody>
+          <a:bodyPr/>
+          <a:lstStyle/>
+          <a:p>
+            <a:r>
+              <a:rPr lang="en-US" dirty="0"/>
+              <a:t>Limitations</a:t>
+            </a:r>
+          </a:p>
+        </p:txBody>
+      </p:sp>
+      <p:sp>
+        <p:nvSpPr>
+          <p:cNvPr id="3" name="Content Placeholder 2">
+            <a:extLst>
+              <a:ext uri="{FF2B5EF4-FFF2-40B4-BE49-F238E27FC236}">
+                <a16:creationId xmlns:a16="http://schemas.microsoft.com/office/drawing/2014/main" id="{69977693-985E-8A8D-A4C7-4C9946CB8F6B}"/>
+              </a:ext>
+            </a:extLst>
+          </p:cNvPr>
+          <p:cNvSpPr>
+            <a:spLocks noGrp="1"/>
+          </p:cNvSpPr>
+          <p:nvPr>
+            <p:ph idx="1"/>
+          </p:nvPr>
+        </p:nvSpPr>
+        <p:spPr/>
+        <p:txBody>
+          <a:bodyPr/>
+          <a:lstStyle/>
+          <a:p>
+            <a:r>
+              <a:rPr lang="en-US" dirty="0"/>
+              <a:t>The size of the data set.</a:t>
+            </a:r>
+          </a:p>
+          <a:p>
+            <a:r>
+              <a:rPr lang="en-US" dirty="0"/>
+              <a:t>The origin of the dataset – no information regarding the source of the data.</a:t>
+            </a:r>
+          </a:p>
+          <a:p>
+            <a:r>
+              <a:rPr lang="en-US" dirty="0"/>
+              <a:t>Limitations of the model used to make predictions.</a:t>
+            </a:r>
+          </a:p>
+        </p:txBody>
+      </p:sp>
+    </p:spTree>
+    <p:extLst>
+      <p:ext uri="{BB962C8B-B14F-4D97-AF65-F5344CB8AC3E}">
+        <p14:creationId xmlns:p14="http://schemas.microsoft.com/office/powerpoint/2010/main" val="1372228111"/>
+      </p:ext>
+    </p:extLst>
+  </p:cSld>
+  <p:clrMapOvr>
+    <a:masterClrMapping/>
+  </p:clrMapOvr>
+</p:sld>
+</file>
+
+<file path=ppt/slides/slide14.xml><?xml version="1.0" encoding="utf-8"?>
+<p:sld xmlns:a="http://schemas.openxmlformats.org/drawingml/2006/main" xmlns:r="http://schemas.openxmlformats.org/officeDocument/2006/relationships" xmlns:p="http://schemas.openxmlformats.org/presentationml/2006/main">
+  <p:cSld>
+    <p:spTree>
+      <p:nvGrpSpPr>
+        <p:cNvPr id="1" name=""/>
+        <p:cNvGrpSpPr/>
+        <p:nvPr/>
+      </p:nvGrpSpPr>
+      <p:grpSpPr>
+        <a:xfrm>
+          <a:off x="0" y="0"/>
+          <a:ext cx="0" cy="0"/>
+          <a:chOff x="0" y="0"/>
+          <a:chExt cx="0" cy="0"/>
+        </a:xfrm>
+      </p:grpSpPr>
+      <p:sp>
+        <p:nvSpPr>
+          <p:cNvPr id="2" name="Title 1">
+            <a:extLst>
+              <a:ext uri="{FF2B5EF4-FFF2-40B4-BE49-F238E27FC236}">
                 <a16:creationId xmlns:a16="http://schemas.microsoft.com/office/drawing/2014/main" id="{8EDBDB04-7636-9C8A-DBC9-34704C09FC6E}"/>
               </a:ext>
             </a:extLst>
@@ -5957,18 +6160,110 @@
               <a:t>Overall number of credit problems, current credit card balance and maximum open credit was the main factors (according to the Random Forest model) which influenced the outcomes during predictions.</a:t>
             </a:r>
           </a:p>
-          <a:p>
-            <a:r>
-              <a:rPr lang="en-US" dirty="0"/>
-              <a:t>Future works – expanding the datasets, further optimizations to do the model and exploration of additional models.</a:t>
-            </a:r>
-          </a:p>
         </p:txBody>
       </p:sp>
     </p:spTree>
     <p:extLst>
       <p:ext uri="{BB962C8B-B14F-4D97-AF65-F5344CB8AC3E}">
         <p14:creationId xmlns:p14="http://schemas.microsoft.com/office/powerpoint/2010/main" val="2040646449"/>
+      </p:ext>
+    </p:extLst>
+  </p:cSld>
+  <p:clrMapOvr>
+    <a:masterClrMapping/>
+  </p:clrMapOvr>
+</p:sld>
+</file>
+
+<file path=ppt/slides/slide15.xml><?xml version="1.0" encoding="utf-8"?>
+<p:sld xmlns:a="http://schemas.openxmlformats.org/drawingml/2006/main" xmlns:r="http://schemas.openxmlformats.org/officeDocument/2006/relationships" xmlns:p="http://schemas.openxmlformats.org/presentationml/2006/main">
+  <p:cSld>
+    <p:spTree>
+      <p:nvGrpSpPr>
+        <p:cNvPr id="1" name=""/>
+        <p:cNvGrpSpPr/>
+        <p:nvPr/>
+      </p:nvGrpSpPr>
+      <p:grpSpPr>
+        <a:xfrm>
+          <a:off x="0" y="0"/>
+          <a:ext cx="0" cy="0"/>
+          <a:chOff x="0" y="0"/>
+          <a:chExt cx="0" cy="0"/>
+        </a:xfrm>
+      </p:grpSpPr>
+      <p:sp>
+        <p:nvSpPr>
+          <p:cNvPr id="2" name="Title 1">
+            <a:extLst>
+              <a:ext uri="{FF2B5EF4-FFF2-40B4-BE49-F238E27FC236}">
+                <a16:creationId xmlns:a16="http://schemas.microsoft.com/office/drawing/2014/main" id="{F4DD21BD-F7DE-3EEE-51C0-C03796DDEB18}"/>
+              </a:ext>
+            </a:extLst>
+          </p:cNvPr>
+          <p:cNvSpPr>
+            <a:spLocks noGrp="1"/>
+          </p:cNvSpPr>
+          <p:nvPr>
+            <p:ph type="title"/>
+          </p:nvPr>
+        </p:nvSpPr>
+        <p:spPr/>
+        <p:txBody>
+          <a:bodyPr/>
+          <a:lstStyle/>
+          <a:p>
+            <a:r>
+              <a:rPr lang="en-US" dirty="0"/>
+              <a:t>Future Work</a:t>
+            </a:r>
+          </a:p>
+        </p:txBody>
+      </p:sp>
+      <p:sp>
+        <p:nvSpPr>
+          <p:cNvPr id="3" name="Content Placeholder 2">
+            <a:extLst>
+              <a:ext uri="{FF2B5EF4-FFF2-40B4-BE49-F238E27FC236}">
+                <a16:creationId xmlns:a16="http://schemas.microsoft.com/office/drawing/2014/main" id="{574CEA0C-D864-0640-750D-E39C5B9195AF}"/>
+              </a:ext>
+            </a:extLst>
+          </p:cNvPr>
+          <p:cNvSpPr>
+            <a:spLocks noGrp="1"/>
+          </p:cNvSpPr>
+          <p:nvPr>
+            <p:ph idx="1"/>
+          </p:nvPr>
+        </p:nvSpPr>
+        <p:spPr/>
+        <p:txBody>
+          <a:bodyPr/>
+          <a:lstStyle/>
+          <a:p>
+            <a:r>
+              <a:rPr lang="en-US" dirty="0"/>
+              <a:t>Using a more balanced the dataset, explore over sampling and/or expand datasets.</a:t>
+            </a:r>
+          </a:p>
+          <a:p>
+            <a:r>
+              <a:rPr lang="en-US" dirty="0"/>
+              <a:t>Further optimizations to do the model and exploration of additional models.</a:t>
+            </a:r>
+          </a:p>
+          <a:p>
+            <a:endParaRPr lang="en-US" dirty="0"/>
+          </a:p>
+          <a:p>
+            <a:endParaRPr lang="en-US" dirty="0"/>
+          </a:p>
+        </p:txBody>
+      </p:sp>
+    </p:spTree>
+    <p:extLst>
+      <p:ext uri="{BB962C8B-B14F-4D97-AF65-F5344CB8AC3E}">
+        <p14:creationId xmlns:p14="http://schemas.microsoft.com/office/powerpoint/2010/main" val="1496607646"/>
       </p:ext>
     </p:extLst>
   </p:cSld>
@@ -7432,6 +7727,64 @@
           <p:cNvPr id="2" name="Title 1">
             <a:extLst>
               <a:ext uri="{FF2B5EF4-FFF2-40B4-BE49-F238E27FC236}">
+                <a16:creationId xmlns:a16="http://schemas.microsoft.com/office/drawing/2014/main" id="{95105F8F-0022-4EF7-7A26-777FA9ECBE4C}"/>
+              </a:ext>
+            </a:extLst>
+          </p:cNvPr>
+          <p:cNvSpPr>
+            <a:spLocks noGrp="1"/>
+          </p:cNvSpPr>
+          <p:nvPr>
+            <p:ph type="title"/>
+          </p:nvPr>
+        </p:nvSpPr>
+        <p:spPr/>
+        <p:txBody>
+          <a:bodyPr/>
+          <a:lstStyle/>
+          <a:p>
+            <a:r>
+              <a:rPr lang="en-US" dirty="0"/>
+              <a:t>Data Analysis</a:t>
+            </a:r>
+          </a:p>
+        </p:txBody>
+      </p:sp>
+    </p:spTree>
+    <p:extLst>
+      <p:ext uri="{BB962C8B-B14F-4D97-AF65-F5344CB8AC3E}">
+        <p14:creationId xmlns:p14="http://schemas.microsoft.com/office/powerpoint/2010/main" val="1155483196"/>
+      </p:ext>
+    </p:extLst>
+  </p:cSld>
+  <p:clrMapOvr>
+    <a:masterClrMapping/>
+  </p:clrMapOvr>
+</p:sld>
+</file>
+
+<file path=ppt/slides/slide6.xml><?xml version="1.0" encoding="utf-8"?>
+<p:sld xmlns:a="http://schemas.openxmlformats.org/drawingml/2006/main" xmlns:r="http://schemas.openxmlformats.org/officeDocument/2006/relationships" xmlns:p="http://schemas.openxmlformats.org/presentationml/2006/main">
+  <p:cSld>
+    <p:spTree>
+      <p:nvGrpSpPr>
+        <p:cNvPr id="1" name=""/>
+        <p:cNvGrpSpPr/>
+        <p:nvPr/>
+      </p:nvGrpSpPr>
+      <p:grpSpPr>
+        <a:xfrm>
+          <a:off x="0" y="0"/>
+          <a:ext cx="0" cy="0"/>
+          <a:chOff x="0" y="0"/>
+          <a:chExt cx="0" cy="0"/>
+        </a:xfrm>
+      </p:grpSpPr>
+      <p:sp>
+        <p:nvSpPr>
+          <p:cNvPr id="2" name="Title 1">
+            <a:extLst>
+              <a:ext uri="{FF2B5EF4-FFF2-40B4-BE49-F238E27FC236}">
                 <a16:creationId xmlns:a16="http://schemas.microsoft.com/office/drawing/2014/main" id="{677E64E2-7B93-87DE-DE8B-C23B1CA0A765}"/>
               </a:ext>
             </a:extLst>
@@ -7615,7 +7968,270 @@
 </p:sld>
 </file>
 
-<file path=ppt/slides/slide6.xml><?xml version="1.0" encoding="utf-8"?>
+<file path=ppt/slides/slide7.xml><?xml version="1.0" encoding="utf-8"?>
+<p:sld xmlns:a="http://schemas.openxmlformats.org/drawingml/2006/main" xmlns:r="http://schemas.openxmlformats.org/officeDocument/2006/relationships" xmlns:p="http://schemas.openxmlformats.org/presentationml/2006/main">
+  <p:cSld>
+    <p:spTree>
+      <p:nvGrpSpPr>
+        <p:cNvPr id="1" name=""/>
+        <p:cNvGrpSpPr/>
+        <p:nvPr/>
+      </p:nvGrpSpPr>
+      <p:grpSpPr>
+        <a:xfrm>
+          <a:off x="0" y="0"/>
+          <a:ext cx="0" cy="0"/>
+          <a:chOff x="0" y="0"/>
+          <a:chExt cx="0" cy="0"/>
+        </a:xfrm>
+      </p:grpSpPr>
+      <p:sp>
+        <p:nvSpPr>
+          <p:cNvPr id="2" name="Title 1">
+            <a:extLst>
+              <a:ext uri="{FF2B5EF4-FFF2-40B4-BE49-F238E27FC236}">
+                <a16:creationId xmlns:a16="http://schemas.microsoft.com/office/drawing/2014/main" id="{D6C3CEDA-A940-43D9-08A0-1CA8DCCFF975}"/>
+              </a:ext>
+            </a:extLst>
+          </p:cNvPr>
+          <p:cNvSpPr>
+            <a:spLocks noGrp="1"/>
+          </p:cNvSpPr>
+          <p:nvPr>
+            <p:ph type="title"/>
+          </p:nvPr>
+        </p:nvSpPr>
+        <p:spPr/>
+        <p:txBody>
+          <a:bodyPr/>
+          <a:lstStyle/>
+          <a:p>
+            <a:r>
+              <a:rPr lang="en-US" dirty="0"/>
+              <a:t>Comparison</a:t>
+            </a:r>
+          </a:p>
+        </p:txBody>
+      </p:sp>
+      <p:graphicFrame>
+        <p:nvGraphicFramePr>
+          <p:cNvPr id="4" name="Table 3">
+            <a:extLst>
+              <a:ext uri="{FF2B5EF4-FFF2-40B4-BE49-F238E27FC236}">
+                <a16:creationId xmlns:a16="http://schemas.microsoft.com/office/drawing/2014/main" id="{A924FFB8-326C-12A7-2E99-AECA76EE683B}"/>
+              </a:ext>
+            </a:extLst>
+          </p:cNvPr>
+          <p:cNvGraphicFramePr>
+            <a:graphicFrameLocks noGrp="1"/>
+          </p:cNvGraphicFramePr>
+          <p:nvPr>
+            <p:extLst>
+              <p:ext uri="{D42A27DB-BD31-4B8C-83A1-F6EECF244321}">
+                <p14:modId xmlns:p14="http://schemas.microsoft.com/office/powerpoint/2010/main" val="2444749628"/>
+              </p:ext>
+            </p:extLst>
+          </p:nvPr>
+        </p:nvGraphicFramePr>
+        <p:xfrm>
+          <a:off x="975462" y="2418118"/>
+          <a:ext cx="9489338" cy="3350504"/>
+        </p:xfrm>
+        <a:graphic>
+          <a:graphicData uri="http://schemas.openxmlformats.org/drawingml/2006/table">
+            <a:tbl>
+              <a:tblPr firstRow="1" bandRow="1">
+                <a:tableStyleId>{5C22544A-7EE6-4342-B048-85BDC9FD1C3A}</a:tableStyleId>
+              </a:tblPr>
+              <a:tblGrid>
+                <a:gridCol w="4744669">
+                  <a:extLst>
+                    <a:ext uri="{9D8B030D-6E8A-4147-A177-3AD203B41FA5}">
+                      <a16:colId xmlns:a16="http://schemas.microsoft.com/office/drawing/2014/main" val="224807079"/>
+                    </a:ext>
+                  </a:extLst>
+                </a:gridCol>
+                <a:gridCol w="4744669">
+                  <a:extLst>
+                    <a:ext uri="{9D8B030D-6E8A-4147-A177-3AD203B41FA5}">
+                      <a16:colId xmlns:a16="http://schemas.microsoft.com/office/drawing/2014/main" val="3928674221"/>
+                    </a:ext>
+                  </a:extLst>
+                </a:gridCol>
+              </a:tblGrid>
+              <a:tr h="614500">
+                <a:tc>
+                  <a:txBody>
+                    <a:bodyPr/>
+                    <a:lstStyle/>
+                    <a:p>
+                      <a:r>
+                        <a:rPr lang="en-US" dirty="0"/>
+                        <a:t>Model </a:t>
+                      </a:r>
+                    </a:p>
+                  </a:txBody>
+                  <a:tcPr/>
+                </a:tc>
+                <a:tc>
+                  <a:txBody>
+                    <a:bodyPr/>
+                    <a:lstStyle/>
+                    <a:p>
+                      <a:r>
+                        <a:rPr lang="en-US" dirty="0"/>
+                        <a:t>Accuracy Score</a:t>
+                      </a:r>
+                    </a:p>
+                  </a:txBody>
+                  <a:tcPr/>
+                </a:tc>
+                <a:extLst>
+                  <a:ext uri="{0D108BD9-81ED-4DB2-BD59-A6C34878D82A}">
+                    <a16:rowId xmlns:a16="http://schemas.microsoft.com/office/drawing/2014/main" val="4040800695"/>
+                  </a:ext>
+                </a:extLst>
+              </a:tr>
+              <a:tr h="614500">
+                <a:tc>
+                  <a:txBody>
+                    <a:bodyPr/>
+                    <a:lstStyle/>
+                    <a:p>
+                      <a:r>
+                        <a:rPr lang="en-US" dirty="0"/>
+                        <a:t>Random Forest</a:t>
+                      </a:r>
+                    </a:p>
+                  </a:txBody>
+                  <a:tcPr/>
+                </a:tc>
+                <a:tc>
+                  <a:txBody>
+                    <a:bodyPr/>
+                    <a:lstStyle/>
+                    <a:p>
+                      <a:r>
+                        <a:rPr lang="en-US" dirty="0"/>
+                        <a:t>0.9794</a:t>
+                      </a:r>
+                    </a:p>
+                  </a:txBody>
+                  <a:tcPr/>
+                </a:tc>
+                <a:extLst>
+                  <a:ext uri="{0D108BD9-81ED-4DB2-BD59-A6C34878D82A}">
+                    <a16:rowId xmlns:a16="http://schemas.microsoft.com/office/drawing/2014/main" val="1216322091"/>
+                  </a:ext>
+                </a:extLst>
+              </a:tr>
+              <a:tr h="1060752">
+                <a:tc>
+                  <a:txBody>
+                    <a:bodyPr/>
+                    <a:lstStyle/>
+                    <a:p>
+                      <a:r>
+                        <a:rPr lang="en-US" dirty="0"/>
+                        <a:t>Neural Networks</a:t>
+                      </a:r>
+                    </a:p>
+                  </a:txBody>
+                  <a:tcPr/>
+                </a:tc>
+                <a:tc>
+                  <a:txBody>
+                    <a:bodyPr/>
+                    <a:lstStyle/>
+                    <a:p>
+                      <a:r>
+                        <a:rPr lang="en-US" dirty="0"/>
+                        <a:t>0.89</a:t>
+                      </a:r>
+                    </a:p>
+                  </a:txBody>
+                  <a:tcPr/>
+                </a:tc>
+                <a:extLst>
+                  <a:ext uri="{0D108BD9-81ED-4DB2-BD59-A6C34878D82A}">
+                    <a16:rowId xmlns:a16="http://schemas.microsoft.com/office/drawing/2014/main" val="1248210420"/>
+                  </a:ext>
+                </a:extLst>
+              </a:tr>
+              <a:tr h="1060752">
+                <a:tc>
+                  <a:txBody>
+                    <a:bodyPr/>
+                    <a:lstStyle/>
+                    <a:p>
+                      <a:pPr marL="0" marR="0" lvl="0" indent="0" algn="l" defTabSz="457200" rtl="0" eaLnBrk="1" fontAlgn="auto" latinLnBrk="0" hangingPunct="1">
+                        <a:lnSpc>
+                          <a:spcPct val="100000"/>
+                        </a:lnSpc>
+                        <a:spcBef>
+                          <a:spcPts val="0"/>
+                        </a:spcBef>
+                        <a:spcAft>
+                          <a:spcPts val="0"/>
+                        </a:spcAft>
+                        <a:buClrTx/>
+                        <a:buSzTx/>
+                        <a:buFontTx/>
+                        <a:buNone/>
+                        <a:tabLst/>
+                        <a:defRPr/>
+                      </a:pPr>
+                      <a:r>
+                        <a:rPr lang="en-US" dirty="0"/>
+                        <a:t>Ensemble</a:t>
+                      </a:r>
+                    </a:p>
+                  </a:txBody>
+                  <a:tcPr/>
+                </a:tc>
+                <a:tc>
+                  <a:txBody>
+                    <a:bodyPr/>
+                    <a:lstStyle/>
+                    <a:p>
+                      <a:r>
+                        <a:rPr lang="en-US" dirty="0"/>
+                        <a:t>0.99*</a:t>
+                      </a:r>
+                    </a:p>
+                    <a:p>
+                      <a:r>
+                        <a:rPr lang="en-US" dirty="0"/>
+                        <a:t>*Heavily imbalanced model</a:t>
+                      </a:r>
+                    </a:p>
+                  </a:txBody>
+                  <a:tcPr/>
+                </a:tc>
+                <a:extLst>
+                  <a:ext uri="{0D108BD9-81ED-4DB2-BD59-A6C34878D82A}">
+                    <a16:rowId xmlns:a16="http://schemas.microsoft.com/office/drawing/2014/main" val="3559769383"/>
+                  </a:ext>
+                </a:extLst>
+              </a:tr>
+            </a:tbl>
+          </a:graphicData>
+        </a:graphic>
+      </p:graphicFrame>
+    </p:spTree>
+    <p:extLst>
+      <p:ext uri="{BB962C8B-B14F-4D97-AF65-F5344CB8AC3E}">
+        <p14:creationId xmlns:p14="http://schemas.microsoft.com/office/powerpoint/2010/main" val="3363612074"/>
+      </p:ext>
+    </p:extLst>
+  </p:cSld>
+  <p:clrMapOvr>
+    <a:masterClrMapping/>
+  </p:clrMapOvr>
+</p:sld>
+</file>
+
+<file path=ppt/slides/slide8.xml><?xml version="1.0" encoding="utf-8"?>
 <p:sld xmlns:a="http://schemas.openxmlformats.org/drawingml/2006/main" xmlns:r="http://schemas.openxmlformats.org/officeDocument/2006/relationships" xmlns:p="http://schemas.openxmlformats.org/presentationml/2006/main">
   <p:cSld>
     <p:bg>
@@ -7770,7 +8386,7 @@
 </p:sld>
 </file>
 
-<file path=ppt/slides/slide7.xml><?xml version="1.0" encoding="utf-8"?>
+<file path=ppt/slides/slide9.xml><?xml version="1.0" encoding="utf-8"?>
 <p:sld xmlns:a="http://schemas.openxmlformats.org/drawingml/2006/main" xmlns:r="http://schemas.openxmlformats.org/officeDocument/2006/relationships" xmlns:p="http://schemas.openxmlformats.org/presentationml/2006/main">
   <p:cSld>
     <p:spTree>
@@ -8047,290 +8663,6 @@
     <p:extLst>
       <p:ext uri="{BB962C8B-B14F-4D97-AF65-F5344CB8AC3E}">
         <p14:creationId xmlns:p14="http://schemas.microsoft.com/office/powerpoint/2010/main" val="2629098367"/>
-      </p:ext>
-    </p:extLst>
-  </p:cSld>
-  <p:clrMapOvr>
-    <a:masterClrMapping/>
-  </p:clrMapOvr>
-</p:sld>
-</file>
-
-<file path=ppt/slides/slide8.xml><?xml version="1.0" encoding="utf-8"?>
-<p:sld xmlns:a="http://schemas.openxmlformats.org/drawingml/2006/main" xmlns:r="http://schemas.openxmlformats.org/officeDocument/2006/relationships" xmlns:p="http://schemas.openxmlformats.org/presentationml/2006/main">
-  <p:cSld>
-    <p:spTree>
-      <p:nvGrpSpPr>
-        <p:cNvPr id="1" name=""/>
-        <p:cNvGrpSpPr/>
-        <p:nvPr/>
-      </p:nvGrpSpPr>
-      <p:grpSpPr>
-        <a:xfrm>
-          <a:off x="0" y="0"/>
-          <a:ext cx="0" cy="0"/>
-          <a:chOff x="0" y="0"/>
-          <a:chExt cx="0" cy="0"/>
-        </a:xfrm>
-      </p:grpSpPr>
-      <p:sp>
-        <p:nvSpPr>
-          <p:cNvPr id="2" name="Title 1">
-            <a:extLst>
-              <a:ext uri="{FF2B5EF4-FFF2-40B4-BE49-F238E27FC236}">
-                <a16:creationId xmlns:a16="http://schemas.microsoft.com/office/drawing/2014/main" id="{DEEE0248-6EFD-AE63-B061-0B297C3A1E7E}"/>
-              </a:ext>
-            </a:extLst>
-          </p:cNvPr>
-          <p:cNvSpPr>
-            <a:spLocks noGrp="1"/>
-          </p:cNvSpPr>
-          <p:nvPr>
-            <p:ph type="title"/>
-          </p:nvPr>
-        </p:nvSpPr>
-        <p:spPr/>
-        <p:txBody>
-          <a:bodyPr/>
-          <a:lstStyle/>
-          <a:p>
-            <a:r>
-              <a:rPr lang="en-US" dirty="0"/>
-              <a:t>Ensemble</a:t>
-            </a:r>
-          </a:p>
-        </p:txBody>
-      </p:sp>
-      <p:pic>
-        <p:nvPicPr>
-          <p:cNvPr id="5" name="Content Placeholder 4" descr="A number of numbers on a white background&#10;&#10;Description automatically generated">
-            <a:extLst>
-              <a:ext uri="{FF2B5EF4-FFF2-40B4-BE49-F238E27FC236}">
-                <a16:creationId xmlns:a16="http://schemas.microsoft.com/office/drawing/2014/main" id="{7F1274AD-6027-CA67-1763-E7DEC9E39391}"/>
-              </a:ext>
-            </a:extLst>
-          </p:cNvPr>
-          <p:cNvPicPr>
-            <a:picLocks noGrp="1" noChangeAspect="1"/>
-          </p:cNvPicPr>
-          <p:nvPr>
-            <p:ph idx="1"/>
-          </p:nvPr>
-        </p:nvPicPr>
-        <p:blipFill>
-          <a:blip r:embed="rId2"/>
-          <a:stretch>
-            <a:fillRect/>
-          </a:stretch>
-        </p:blipFill>
-        <p:spPr>
-          <a:xfrm>
-            <a:off x="6601113" y="49763"/>
-            <a:ext cx="5473700" cy="1765300"/>
-          </a:xfrm>
-        </p:spPr>
-      </p:pic>
-      <p:sp>
-        <p:nvSpPr>
-          <p:cNvPr id="6" name="TextBox 5">
-            <a:extLst>
-              <a:ext uri="{FF2B5EF4-FFF2-40B4-BE49-F238E27FC236}">
-                <a16:creationId xmlns:a16="http://schemas.microsoft.com/office/drawing/2014/main" id="{7144B93C-97A6-C371-4400-3C0B8C4D8EC9}"/>
-              </a:ext>
-            </a:extLst>
-          </p:cNvPr>
-          <p:cNvSpPr txBox="1"/>
-          <p:nvPr/>
-        </p:nvSpPr>
-        <p:spPr>
-          <a:xfrm>
-            <a:off x="914400" y="2150918"/>
-            <a:ext cx="4561609" cy="1477328"/>
-          </a:xfrm>
-          <a:prstGeom prst="rect">
-            <a:avLst/>
-          </a:prstGeom>
-          <a:noFill/>
-        </p:spPr>
-        <p:txBody>
-          <a:bodyPr wrap="square" rtlCol="0">
-            <a:spAutoFit/>
-          </a:bodyPr>
-          <a:lstStyle/>
-          <a:p>
-            <a:pPr marL="285750" indent="-285750">
-              <a:buFont typeface="Courier New" panose="02070309020205020404" pitchFamily="49" charset="0"/>
-              <a:buChar char="o"/>
-            </a:pPr>
-            <a:r>
-              <a:rPr lang="en-US" dirty="0"/>
-              <a:t>Ensemble combines predictions of model to improve the outcome of the prediction</a:t>
-            </a:r>
-          </a:p>
-          <a:p>
-            <a:endParaRPr lang="en-US" dirty="0"/>
-          </a:p>
-          <a:p>
-            <a:endParaRPr lang="en-US" dirty="0"/>
-          </a:p>
-        </p:txBody>
-      </p:sp>
-      <p:pic>
-        <p:nvPicPr>
-          <p:cNvPr id="8" name="Picture 7" descr="A blue and white chart with numbers and a line&#10;&#10;Description automatically generated with medium confidence">
-            <a:extLst>
-              <a:ext uri="{FF2B5EF4-FFF2-40B4-BE49-F238E27FC236}">
-                <a16:creationId xmlns:a16="http://schemas.microsoft.com/office/drawing/2014/main" id="{77556BAE-A822-59EB-8EF2-266D4C753EDB}"/>
-              </a:ext>
-            </a:extLst>
-          </p:cNvPr>
-          <p:cNvPicPr>
-            <a:picLocks noChangeAspect="1"/>
-          </p:cNvPicPr>
-          <p:nvPr/>
-        </p:nvPicPr>
-        <p:blipFill>
-          <a:blip r:embed="rId3"/>
-          <a:stretch>
-            <a:fillRect/>
-          </a:stretch>
-        </p:blipFill>
-        <p:spPr>
-          <a:xfrm>
-            <a:off x="5596647" y="2279308"/>
-            <a:ext cx="6290553" cy="4406862"/>
-          </a:xfrm>
-          <a:prstGeom prst="rect">
-            <a:avLst/>
-          </a:prstGeom>
-        </p:spPr>
-      </p:pic>
-    </p:spTree>
-    <p:extLst>
-      <p:ext uri="{BB962C8B-B14F-4D97-AF65-F5344CB8AC3E}">
-        <p14:creationId xmlns:p14="http://schemas.microsoft.com/office/powerpoint/2010/main" val="3684477634"/>
-      </p:ext>
-    </p:extLst>
-  </p:cSld>
-  <p:clrMapOvr>
-    <a:masterClrMapping/>
-  </p:clrMapOvr>
-</p:sld>
-</file>
-
-<file path=ppt/slides/slide9.xml><?xml version="1.0" encoding="utf-8"?>
-<p:sld xmlns:a="http://schemas.openxmlformats.org/drawingml/2006/main" xmlns:r="http://schemas.openxmlformats.org/officeDocument/2006/relationships" xmlns:p="http://schemas.openxmlformats.org/presentationml/2006/main">
-  <p:cSld>
-    <p:spTree>
-      <p:nvGrpSpPr>
-        <p:cNvPr id="1" name=""/>
-        <p:cNvGrpSpPr/>
-        <p:nvPr/>
-      </p:nvGrpSpPr>
-      <p:grpSpPr>
-        <a:xfrm>
-          <a:off x="0" y="0"/>
-          <a:ext cx="0" cy="0"/>
-          <a:chOff x="0" y="0"/>
-          <a:chExt cx="0" cy="0"/>
-        </a:xfrm>
-      </p:grpSpPr>
-      <p:sp>
-        <p:nvSpPr>
-          <p:cNvPr id="2" name="Title 1">
-            <a:extLst>
-              <a:ext uri="{FF2B5EF4-FFF2-40B4-BE49-F238E27FC236}">
-                <a16:creationId xmlns:a16="http://schemas.microsoft.com/office/drawing/2014/main" id="{95105F8F-0022-4EF7-7A26-777FA9ECBE4C}"/>
-              </a:ext>
-            </a:extLst>
-          </p:cNvPr>
-          <p:cNvSpPr>
-            <a:spLocks noGrp="1"/>
-          </p:cNvSpPr>
-          <p:nvPr>
-            <p:ph type="title"/>
-          </p:nvPr>
-        </p:nvSpPr>
-        <p:spPr/>
-        <p:txBody>
-          <a:bodyPr/>
-          <a:lstStyle/>
-          <a:p>
-            <a:r>
-              <a:rPr lang="en-US" dirty="0"/>
-              <a:t>Neural Networks</a:t>
-            </a:r>
-          </a:p>
-        </p:txBody>
-      </p:sp>
-      <p:sp>
-        <p:nvSpPr>
-          <p:cNvPr id="3" name="Content Placeholder 2">
-            <a:extLst>
-              <a:ext uri="{FF2B5EF4-FFF2-40B4-BE49-F238E27FC236}">
-                <a16:creationId xmlns:a16="http://schemas.microsoft.com/office/drawing/2014/main" id="{29C27D89-C4D6-CEA9-E7AA-28B1EEB29249}"/>
-              </a:ext>
-            </a:extLst>
-          </p:cNvPr>
-          <p:cNvSpPr>
-            <a:spLocks noGrp="1"/>
-          </p:cNvSpPr>
-          <p:nvPr>
-            <p:ph idx="1"/>
-          </p:nvPr>
-        </p:nvSpPr>
-        <p:spPr/>
-        <p:txBody>
-          <a:bodyPr/>
-          <a:lstStyle/>
-          <a:p>
-            <a:r>
-              <a:rPr lang="en-AU" b="0" i="0" u="none" strike="noStrike" dirty="0">
-                <a:solidFill>
-                  <a:srgbClr val="D1D5DB"/>
-                </a:solidFill>
-                <a:effectLst/>
-              </a:rPr>
-              <a:t>They are composed of interconnected nodes, or artificial neurons, organized into layers. Neural networks are capable of learning complex relationships and patterns in data</a:t>
-            </a:r>
-            <a:endParaRPr lang="en-US" dirty="0"/>
-          </a:p>
-        </p:txBody>
-      </p:sp>
-      <p:pic>
-        <p:nvPicPr>
-          <p:cNvPr id="6" name="Picture 5">
-            <a:extLst>
-              <a:ext uri="{FF2B5EF4-FFF2-40B4-BE49-F238E27FC236}">
-                <a16:creationId xmlns:a16="http://schemas.microsoft.com/office/drawing/2014/main" id="{2E7132BB-EAE4-5D33-7227-11CC3254E708}"/>
-              </a:ext>
-            </a:extLst>
-          </p:cNvPr>
-          <p:cNvPicPr>
-            <a:picLocks noChangeAspect="1"/>
-          </p:cNvPicPr>
-          <p:nvPr/>
-        </p:nvPicPr>
-        <p:blipFill>
-          <a:blip r:embed="rId2"/>
-          <a:stretch>
-            <a:fillRect/>
-          </a:stretch>
-        </p:blipFill>
-        <p:spPr>
-          <a:xfrm>
-            <a:off x="1130877" y="4818496"/>
-            <a:ext cx="6896100" cy="546100"/>
-          </a:xfrm>
-          <a:prstGeom prst="rect">
-            <a:avLst/>
-          </a:prstGeom>
-        </p:spPr>
-      </p:pic>
-    </p:spTree>
-    <p:extLst>
-      <p:ext uri="{BB962C8B-B14F-4D97-AF65-F5344CB8AC3E}">
-        <p14:creationId xmlns:p14="http://schemas.microsoft.com/office/powerpoint/2010/main" val="2683175456"/>
       </p:ext>
     </p:extLst>
   </p:cSld>

--- a/Credit Loan Presentation.pptx
+++ b/Credit Loan Presentation.pptx
@@ -10,16 +10,18 @@
     <p:sldId id="257" r:id="rId4"/>
     <p:sldId id="270" r:id="rId5"/>
     <p:sldId id="269" r:id="rId6"/>
-    <p:sldId id="259" r:id="rId7"/>
-    <p:sldId id="271" r:id="rId8"/>
-    <p:sldId id="263" r:id="rId9"/>
-    <p:sldId id="260" r:id="rId10"/>
-    <p:sldId id="262" r:id="rId11"/>
-    <p:sldId id="261" r:id="rId12"/>
-    <p:sldId id="264" r:id="rId13"/>
-    <p:sldId id="267" r:id="rId14"/>
-    <p:sldId id="268" r:id="rId15"/>
-    <p:sldId id="272" r:id="rId16"/>
+    <p:sldId id="274" r:id="rId7"/>
+    <p:sldId id="273" r:id="rId8"/>
+    <p:sldId id="259" r:id="rId9"/>
+    <p:sldId id="271" r:id="rId10"/>
+    <p:sldId id="263" r:id="rId11"/>
+    <p:sldId id="260" r:id="rId12"/>
+    <p:sldId id="262" r:id="rId13"/>
+    <p:sldId id="261" r:id="rId14"/>
+    <p:sldId id="264" r:id="rId15"/>
+    <p:sldId id="267" r:id="rId16"/>
+    <p:sldId id="268" r:id="rId17"/>
+    <p:sldId id="272" r:id="rId18"/>
   </p:sldIdLst>
   <p:sldSz cx="12192000" cy="6858000"/>
   <p:notesSz cx="6858000" cy="9144000"/>
@@ -414,7 +416,7 @@
             <a:fld id="{08B9EBBA-996F-894A-B54A-D6246ED52CEA}" type="datetimeFigureOut">
               <a:rPr lang="en-US" dirty="0"/>
               <a:pPr/>
-              <a:t>1/8/24</a:t>
+              <a:t>1/9/24</a:t>
             </a:fld>
             <a:endParaRPr lang="en-US" dirty="0"/>
           </a:p>
@@ -729,7 +731,7 @@
             <a:fld id="{18C79C5D-2A6F-F04D-97DA-BEF2467B64E4}" type="datetimeFigureOut">
               <a:rPr lang="en-US" dirty="0"/>
               <a:pPr/>
-              <a:t>1/8/24</a:t>
+              <a:t>1/9/24</a:t>
             </a:fld>
             <a:endParaRPr lang="en-US" dirty="0"/>
           </a:p>
@@ -1214,7 +1216,7 @@
             <a:fld id="{8DFA1846-DA80-1C48-A609-854EA85C59AD}" type="datetimeFigureOut">
               <a:rPr lang="en-US" dirty="0"/>
               <a:pPr/>
-              <a:t>1/8/24</a:t>
+              <a:t>1/9/24</a:t>
             </a:fld>
             <a:endParaRPr lang="en-US" dirty="0"/>
           </a:p>
@@ -1580,7 +1582,7 @@
             <a:fld id="{FBF54567-0DE4-3F47-BF90-CB84690072F9}" type="datetimeFigureOut">
               <a:rPr lang="en-US" dirty="0"/>
               <a:pPr/>
-              <a:t>1/8/24</a:t>
+              <a:t>1/9/24</a:t>
             </a:fld>
             <a:endParaRPr lang="en-US" dirty="0"/>
           </a:p>
@@ -1850,7 +1852,7 @@
             <a:fld id="{C6C52C72-DE31-F449-A4ED-4C594FD91407}" type="datetimeFigureOut">
               <a:rPr lang="en-US" dirty="0"/>
               <a:pPr/>
-              <a:t>1/8/24</a:t>
+              <a:t>1/9/24</a:t>
             </a:fld>
             <a:endParaRPr lang="en-US" dirty="0"/>
           </a:p>
@@ -2132,7 +2134,7 @@
             <a:fld id="{ED62726E-379B-B349-9EED-81ED093FA806}" type="datetimeFigureOut">
               <a:rPr lang="en-US" dirty="0"/>
               <a:pPr/>
-              <a:t>1/8/24</a:t>
+              <a:t>1/9/24</a:t>
             </a:fld>
             <a:endParaRPr lang="en-US" dirty="0"/>
           </a:p>
@@ -2412,7 +2414,7 @@
             <a:fld id="{9B3A1323-8D79-1946-B0D7-40001CF92E9D}" type="datetimeFigureOut">
               <a:rPr lang="en-US" dirty="0"/>
               <a:pPr/>
-              <a:t>1/8/24</a:t>
+              <a:t>1/9/24</a:t>
             </a:fld>
             <a:endParaRPr lang="en-US" dirty="0"/>
           </a:p>
@@ -2752,7 +2754,7 @@
             <a:fld id="{8DFA1846-DA80-1C48-A609-854EA85C59AD}" type="datetimeFigureOut">
               <a:rPr lang="en-US" dirty="0"/>
               <a:pPr/>
-              <a:t>1/8/24</a:t>
+              <a:t>1/9/24</a:t>
             </a:fld>
             <a:endParaRPr lang="en-US" dirty="0"/>
           </a:p>
@@ -3088,7 +3090,7 @@
             <a:fld id="{57302355-E14B-8545-A8F8-0FE83CC9D524}" type="datetimeFigureOut">
               <a:rPr lang="en-US" dirty="0"/>
               <a:pPr/>
-              <a:t>1/8/24</a:t>
+              <a:t>1/9/24</a:t>
             </a:fld>
             <a:endParaRPr lang="en-US" dirty="0"/>
           </a:p>
@@ -3562,7 +3564,7 @@
             <a:fld id="{02640F58-564D-2B4F-AE67-E407BA4FCF45}" type="datetimeFigureOut">
               <a:rPr lang="en-US" dirty="0"/>
               <a:pPr/>
-              <a:t>1/8/24</a:t>
+              <a:t>1/9/24</a:t>
             </a:fld>
             <a:endParaRPr lang="en-US" dirty="0"/>
           </a:p>
@@ -3780,7 +3782,7 @@
             <a:fld id="{F13A34C8-038E-2045-AF43-DF7DBB8E0E9E}" type="datetimeFigureOut">
               <a:rPr lang="en-US" dirty="0"/>
               <a:pPr/>
-              <a:t>1/8/24</a:t>
+              <a:t>1/9/24</a:t>
             </a:fld>
             <a:endParaRPr lang="en-US" dirty="0"/>
           </a:p>
@@ -3872,7 +3874,7 @@
             <a:fld id="{8818C68F-D26B-8F47-958C-23B49CF8A634}" type="datetimeFigureOut">
               <a:rPr lang="en-US" dirty="0"/>
               <a:pPr/>
-              <a:t>1/8/24</a:t>
+              <a:t>1/9/24</a:t>
             </a:fld>
             <a:endParaRPr lang="en-US" dirty="0"/>
           </a:p>
@@ -4336,7 +4338,7 @@
             <a:fld id="{D0DF5E60-9974-AC48-9591-99C2BB44B7CF}" type="datetimeFigureOut">
               <a:rPr lang="en-US" dirty="0"/>
               <a:pPr/>
-              <a:t>1/8/24</a:t>
+              <a:t>1/9/24</a:t>
             </a:fld>
             <a:endParaRPr lang="en-US" dirty="0"/>
           </a:p>
@@ -4646,7 +4648,7 @@
             <a:fld id="{18C79C5D-2A6F-F04D-97DA-BEF2467B64E4}" type="datetimeFigureOut">
               <a:rPr lang="en-US" dirty="0"/>
               <a:pPr/>
-              <a:t>1/8/24</a:t>
+              <a:t>1/9/24</a:t>
             </a:fld>
             <a:endParaRPr lang="en-US" dirty="0"/>
           </a:p>
@@ -4913,7 +4915,7 @@
             <a:fld id="{09B482E8-6E0E-1B4F-B1FD-C69DB9E858D9}" type="datetimeFigureOut">
               <a:rPr lang="en-US" dirty="0"/>
               <a:pPr/>
-              <a:t>1/8/24</a:t>
+              <a:t>1/9/24</a:t>
             </a:fld>
             <a:endParaRPr lang="en-US" dirty="0"/>
           </a:p>
@@ -5431,6 +5433,447 @@
 <file path=ppt/slides/slide10.xml><?xml version="1.0" encoding="utf-8"?>
 <p:sld xmlns:a="http://schemas.openxmlformats.org/drawingml/2006/main" xmlns:r="http://schemas.openxmlformats.org/officeDocument/2006/relationships" xmlns:p="http://schemas.openxmlformats.org/presentationml/2006/main">
   <p:cSld>
+    <p:bg>
+      <p:bgRef idx="1001">
+        <a:schemeClr val="bg2"/>
+      </p:bgRef>
+    </p:bg>
+    <p:spTree>
+      <p:nvGrpSpPr>
+        <p:cNvPr id="1" name=""/>
+        <p:cNvGrpSpPr/>
+        <p:nvPr/>
+      </p:nvGrpSpPr>
+      <p:grpSpPr>
+        <a:xfrm>
+          <a:off x="0" y="0"/>
+          <a:ext cx="0" cy="0"/>
+          <a:chOff x="0" y="0"/>
+          <a:chExt cx="0" cy="0"/>
+        </a:xfrm>
+      </p:grpSpPr>
+      <p:sp>
+        <p:nvSpPr>
+          <p:cNvPr id="2" name="Title 1">
+            <a:extLst>
+              <a:ext uri="{FF2B5EF4-FFF2-40B4-BE49-F238E27FC236}">
+                <a16:creationId xmlns:a16="http://schemas.microsoft.com/office/drawing/2014/main" id="{9C618366-6964-FCB3-8DB9-72FCACFF7A77}"/>
+              </a:ext>
+            </a:extLst>
+          </p:cNvPr>
+          <p:cNvSpPr>
+            <a:spLocks noGrp="1"/>
+          </p:cNvSpPr>
+          <p:nvPr>
+            <p:ph type="title"/>
+          </p:nvPr>
+        </p:nvSpPr>
+        <p:spPr/>
+        <p:txBody>
+          <a:bodyPr/>
+          <a:lstStyle/>
+          <a:p>
+            <a:r>
+              <a:rPr lang="en-US" dirty="0"/>
+              <a:t>Random Forest (Chosen Model)</a:t>
+            </a:r>
+          </a:p>
+        </p:txBody>
+      </p:sp>
+      <p:sp>
+        <p:nvSpPr>
+          <p:cNvPr id="3" name="Content Placeholder 2">
+            <a:extLst>
+              <a:ext uri="{FF2B5EF4-FFF2-40B4-BE49-F238E27FC236}">
+                <a16:creationId xmlns:a16="http://schemas.microsoft.com/office/drawing/2014/main" id="{94210B45-3FD9-F737-C9AB-38566309967A}"/>
+              </a:ext>
+            </a:extLst>
+          </p:cNvPr>
+          <p:cNvSpPr>
+            <a:spLocks noGrp="1"/>
+          </p:cNvSpPr>
+          <p:nvPr>
+            <p:ph idx="1"/>
+          </p:nvPr>
+        </p:nvSpPr>
+        <p:spPr>
+          <a:xfrm>
+            <a:off x="827424" y="1610744"/>
+            <a:ext cx="10554574" cy="3636511"/>
+          </a:xfrm>
+        </p:spPr>
+        <p:txBody>
+          <a:bodyPr/>
+          <a:lstStyle/>
+          <a:p>
+            <a:r>
+              <a:rPr lang="en-AU" b="0" i="0" u="none" strike="noStrike" dirty="0">
+                <a:solidFill>
+                  <a:srgbClr val="D1D5DB"/>
+                </a:solidFill>
+                <a:effectLst/>
+              </a:rPr>
+              <a:t>Random Forest is an ensemble learning method commonly used for classification, regression, and other machine learning tasks. It belongs to the family of tree-based models and is known for its high accuracy, robustness, and versatility.</a:t>
+            </a:r>
+            <a:endParaRPr lang="en-US" b="0" i="0" u="none" strike="noStrike" dirty="0">
+              <a:solidFill>
+                <a:srgbClr val="D1D5DB"/>
+              </a:solidFill>
+              <a:effectLst/>
+            </a:endParaRPr>
+          </a:p>
+          <a:p>
+            <a:r>
+              <a:rPr lang="en-US" dirty="0">
+                <a:solidFill>
+                  <a:srgbClr val="D1D5DB"/>
+                </a:solidFill>
+              </a:rPr>
+              <a:t>Optimization: The model was optimized by altering the number of trees, tree depth and feature importance.</a:t>
+            </a:r>
+            <a:endParaRPr lang="en-US" dirty="0"/>
+          </a:p>
+        </p:txBody>
+      </p:sp>
+      <p:pic>
+        <p:nvPicPr>
+          <p:cNvPr id="4" name="Content Placeholder 10" descr="A graph with green and white text&#10;&#10;Description automatically generated">
+            <a:extLst>
+              <a:ext uri="{FF2B5EF4-FFF2-40B4-BE49-F238E27FC236}">
+                <a16:creationId xmlns:a16="http://schemas.microsoft.com/office/drawing/2014/main" id="{752B1E7F-5B16-CCAC-D1C8-F9B5B19D3906}"/>
+              </a:ext>
+            </a:extLst>
+          </p:cNvPr>
+          <p:cNvPicPr>
+            <a:picLocks noChangeAspect="1"/>
+          </p:cNvPicPr>
+          <p:nvPr/>
+        </p:nvPicPr>
+        <p:blipFill>
+          <a:blip r:embed="rId3"/>
+          <a:stretch>
+            <a:fillRect/>
+          </a:stretch>
+        </p:blipFill>
+        <p:spPr>
+          <a:xfrm>
+            <a:off x="3612995" y="4376500"/>
+            <a:ext cx="4333723" cy="2313091"/>
+          </a:xfrm>
+          <a:prstGeom prst="rect">
+            <a:avLst/>
+          </a:prstGeom>
+          <a:effectLst>
+            <a:outerShdw blurRad="50800" dir="14400000">
+              <a:srgbClr val="000000">
+                <a:alpha val="40000"/>
+              </a:srgbClr>
+            </a:outerShdw>
+          </a:effectLst>
+        </p:spPr>
+      </p:pic>
+    </p:spTree>
+    <p:extLst>
+      <p:ext uri="{BB962C8B-B14F-4D97-AF65-F5344CB8AC3E}">
+        <p14:creationId xmlns:p14="http://schemas.microsoft.com/office/powerpoint/2010/main" val="4146931069"/>
+      </p:ext>
+    </p:extLst>
+  </p:cSld>
+  <p:clrMapOvr>
+    <a:overrideClrMapping bg1="dk1" tx1="lt1" bg2="dk2" tx2="lt2" accent1="accent1" accent2="accent2" accent3="accent3" accent4="accent4" accent5="accent5" accent6="accent6" hlink="hlink" folHlink="folHlink"/>
+  </p:clrMapOvr>
+</p:sld>
+</file>
+
+<file path=ppt/slides/slide11.xml><?xml version="1.0" encoding="utf-8"?>
+<p:sld xmlns:a="http://schemas.openxmlformats.org/drawingml/2006/main" xmlns:r="http://schemas.openxmlformats.org/officeDocument/2006/relationships" xmlns:p="http://schemas.openxmlformats.org/presentationml/2006/main">
+  <p:cSld>
+    <p:spTree>
+      <p:nvGrpSpPr>
+        <p:cNvPr id="1" name=""/>
+        <p:cNvGrpSpPr/>
+        <p:nvPr/>
+      </p:nvGrpSpPr>
+      <p:grpSpPr>
+        <a:xfrm>
+          <a:off x="0" y="0"/>
+          <a:ext cx="0" cy="0"/>
+          <a:chOff x="0" y="0"/>
+          <a:chExt cx="0" cy="0"/>
+        </a:xfrm>
+      </p:grpSpPr>
+      <p:sp>
+        <p:nvSpPr>
+          <p:cNvPr id="2" name="Title 1">
+            <a:extLst>
+              <a:ext uri="{FF2B5EF4-FFF2-40B4-BE49-F238E27FC236}">
+                <a16:creationId xmlns:a16="http://schemas.microsoft.com/office/drawing/2014/main" id="{9C618366-6964-FCB3-8DB9-72FCACFF7A77}"/>
+              </a:ext>
+            </a:extLst>
+          </p:cNvPr>
+          <p:cNvSpPr>
+            <a:spLocks noGrp="1"/>
+          </p:cNvSpPr>
+          <p:nvPr>
+            <p:ph type="title"/>
+          </p:nvPr>
+        </p:nvSpPr>
+        <p:spPr/>
+        <p:txBody>
+          <a:bodyPr/>
+          <a:lstStyle/>
+          <a:p>
+            <a:r>
+              <a:rPr lang="en-US" dirty="0"/>
+              <a:t>Random Forest - Results</a:t>
+            </a:r>
+          </a:p>
+        </p:txBody>
+      </p:sp>
+      <p:pic>
+        <p:nvPicPr>
+          <p:cNvPr id="6" name="Content Placeholder 5" descr="A screenshot of a computer screen&#10;&#10;Description automatically generated">
+            <a:extLst>
+              <a:ext uri="{FF2B5EF4-FFF2-40B4-BE49-F238E27FC236}">
+                <a16:creationId xmlns:a16="http://schemas.microsoft.com/office/drawing/2014/main" id="{990ECD87-291B-9057-1BE5-E720AEAFAA10}"/>
+              </a:ext>
+            </a:extLst>
+          </p:cNvPr>
+          <p:cNvPicPr>
+            <a:picLocks noGrp="1" noChangeAspect="1"/>
+          </p:cNvPicPr>
+          <p:nvPr>
+            <p:ph idx="1"/>
+          </p:nvPr>
+        </p:nvPicPr>
+        <p:blipFill>
+          <a:blip r:embed="rId2"/>
+          <a:stretch>
+            <a:fillRect/>
+          </a:stretch>
+        </p:blipFill>
+        <p:spPr>
+          <a:xfrm>
+            <a:off x="810000" y="2415113"/>
+            <a:ext cx="5325993" cy="3636963"/>
+          </a:xfrm>
+        </p:spPr>
+      </p:pic>
+      <p:graphicFrame>
+        <p:nvGraphicFramePr>
+          <p:cNvPr id="8" name="Table 7">
+            <a:extLst>
+              <a:ext uri="{FF2B5EF4-FFF2-40B4-BE49-F238E27FC236}">
+                <a16:creationId xmlns:a16="http://schemas.microsoft.com/office/drawing/2014/main" id="{35DACCFB-3F34-EEE0-926D-94F6822E2182}"/>
+              </a:ext>
+            </a:extLst>
+          </p:cNvPr>
+          <p:cNvGraphicFramePr>
+            <a:graphicFrameLocks noGrp="1"/>
+          </p:cNvGraphicFramePr>
+          <p:nvPr>
+            <p:extLst>
+              <p:ext uri="{D42A27DB-BD31-4B8C-83A1-F6EECF244321}">
+                <p14:modId xmlns:p14="http://schemas.microsoft.com/office/powerpoint/2010/main" val="3479332403"/>
+              </p:ext>
+            </p:extLst>
+          </p:nvPr>
+        </p:nvGraphicFramePr>
+        <p:xfrm>
+          <a:off x="6608618" y="2901757"/>
+          <a:ext cx="5494482" cy="2021764"/>
+        </p:xfrm>
+        <a:graphic>
+          <a:graphicData uri="http://schemas.openxmlformats.org/drawingml/2006/table">
+            <a:tbl>
+              <a:tblPr firstRow="1" bandRow="1">
+                <a:tableStyleId>{5C22544A-7EE6-4342-B048-85BDC9FD1C3A}</a:tableStyleId>
+              </a:tblPr>
+              <a:tblGrid>
+                <a:gridCol w="2747241">
+                  <a:extLst>
+                    <a:ext uri="{9D8B030D-6E8A-4147-A177-3AD203B41FA5}">
+                      <a16:colId xmlns:a16="http://schemas.microsoft.com/office/drawing/2014/main" val="224807079"/>
+                    </a:ext>
+                  </a:extLst>
+                </a:gridCol>
+                <a:gridCol w="2747241">
+                  <a:extLst>
+                    <a:ext uri="{9D8B030D-6E8A-4147-A177-3AD203B41FA5}">
+                      <a16:colId xmlns:a16="http://schemas.microsoft.com/office/drawing/2014/main" val="3928674221"/>
+                    </a:ext>
+                  </a:extLst>
+                </a:gridCol>
+              </a:tblGrid>
+              <a:tr h="370802">
+                <a:tc>
+                  <a:txBody>
+                    <a:bodyPr/>
+                    <a:lstStyle/>
+                    <a:p>
+                      <a:r>
+                        <a:rPr lang="en-US" dirty="0"/>
+                        <a:t>Model Run</a:t>
+                      </a:r>
+                    </a:p>
+                  </a:txBody>
+                  <a:tcPr/>
+                </a:tc>
+                <a:tc>
+                  <a:txBody>
+                    <a:bodyPr/>
+                    <a:lstStyle/>
+                    <a:p>
+                      <a:r>
+                        <a:rPr lang="en-US" dirty="0"/>
+                        <a:t>Accuracy Score</a:t>
+                      </a:r>
+                    </a:p>
+                  </a:txBody>
+                  <a:tcPr/>
+                </a:tc>
+                <a:extLst>
+                  <a:ext uri="{0D108BD9-81ED-4DB2-BD59-A6C34878D82A}">
+                    <a16:rowId xmlns:a16="http://schemas.microsoft.com/office/drawing/2014/main" val="4040800695"/>
+                  </a:ext>
+                </a:extLst>
+              </a:tr>
+              <a:tr h="370802">
+                <a:tc>
+                  <a:txBody>
+                    <a:bodyPr/>
+                    <a:lstStyle/>
+                    <a:p>
+                      <a:r>
+                        <a:rPr lang="en-US" dirty="0"/>
+                        <a:t>Initial Model</a:t>
+                      </a:r>
+                    </a:p>
+                  </a:txBody>
+                  <a:tcPr/>
+                </a:tc>
+                <a:tc>
+                  <a:txBody>
+                    <a:bodyPr/>
+                    <a:lstStyle/>
+                    <a:p>
+                      <a:r>
+                        <a:rPr lang="en-US" dirty="0"/>
+                        <a:t>0.9794</a:t>
+                      </a:r>
+                    </a:p>
+                  </a:txBody>
+                  <a:tcPr/>
+                </a:tc>
+                <a:extLst>
+                  <a:ext uri="{0D108BD9-81ED-4DB2-BD59-A6C34878D82A}">
+                    <a16:rowId xmlns:a16="http://schemas.microsoft.com/office/drawing/2014/main" val="1216322091"/>
+                  </a:ext>
+                </a:extLst>
+              </a:tr>
+              <a:tr h="370802">
+                <a:tc>
+                  <a:txBody>
+                    <a:bodyPr/>
+                    <a:lstStyle/>
+                    <a:p>
+                      <a:r>
+                        <a:rPr lang="en-US" dirty="0"/>
+                        <a:t>Optimization 1 – estimators</a:t>
+                      </a:r>
+                    </a:p>
+                  </a:txBody>
+                  <a:tcPr/>
+                </a:tc>
+                <a:tc>
+                  <a:txBody>
+                    <a:bodyPr/>
+                    <a:lstStyle/>
+                    <a:p>
+                      <a:r>
+                        <a:rPr lang="en-US" dirty="0"/>
+                        <a:t>0.9792</a:t>
+                      </a:r>
+                    </a:p>
+                  </a:txBody>
+                  <a:tcPr/>
+                </a:tc>
+                <a:extLst>
+                  <a:ext uri="{0D108BD9-81ED-4DB2-BD59-A6C34878D82A}">
+                    <a16:rowId xmlns:a16="http://schemas.microsoft.com/office/drawing/2014/main" val="1248210420"/>
+                  </a:ext>
+                </a:extLst>
+              </a:tr>
+              <a:tr h="370802">
+                <a:tc>
+                  <a:txBody>
+                    <a:bodyPr/>
+                    <a:lstStyle/>
+                    <a:p>
+                      <a:pPr marL="0" marR="0" lvl="0" indent="0" algn="l" defTabSz="457200" rtl="0" eaLnBrk="1" fontAlgn="auto" latinLnBrk="0" hangingPunct="1">
+                        <a:lnSpc>
+                          <a:spcPct val="100000"/>
+                        </a:lnSpc>
+                        <a:spcBef>
+                          <a:spcPts val="0"/>
+                        </a:spcBef>
+                        <a:spcAft>
+                          <a:spcPts val="0"/>
+                        </a:spcAft>
+                        <a:buClrTx/>
+                        <a:buSzTx/>
+                        <a:buFontTx/>
+                        <a:buNone/>
+                        <a:tabLst/>
+                        <a:defRPr/>
+                      </a:pPr>
+                      <a:r>
+                        <a:rPr lang="en-US" dirty="0"/>
+                        <a:t>Optimization 2 – class weight adjustment</a:t>
+                      </a:r>
+                    </a:p>
+                  </a:txBody>
+                  <a:tcPr/>
+                </a:tc>
+                <a:tc>
+                  <a:txBody>
+                    <a:bodyPr/>
+                    <a:lstStyle/>
+                    <a:p>
+                      <a:r>
+                        <a:rPr lang="en-US" dirty="0"/>
+                        <a:t>0.9794</a:t>
+                      </a:r>
+                    </a:p>
+                  </a:txBody>
+                  <a:tcPr/>
+                </a:tc>
+                <a:extLst>
+                  <a:ext uri="{0D108BD9-81ED-4DB2-BD59-A6C34878D82A}">
+                    <a16:rowId xmlns:a16="http://schemas.microsoft.com/office/drawing/2014/main" val="3559769383"/>
+                  </a:ext>
+                </a:extLst>
+              </a:tr>
+            </a:tbl>
+          </a:graphicData>
+        </a:graphic>
+      </p:graphicFrame>
+    </p:spTree>
+    <p:extLst>
+      <p:ext uri="{BB962C8B-B14F-4D97-AF65-F5344CB8AC3E}">
+        <p14:creationId xmlns:p14="http://schemas.microsoft.com/office/powerpoint/2010/main" val="2629098367"/>
+      </p:ext>
+    </p:extLst>
+  </p:cSld>
+  <p:clrMapOvr>
+    <a:masterClrMapping/>
+  </p:clrMapOvr>
+</p:sld>
+</file>
+
+<file path=ppt/slides/slide12.xml><?xml version="1.0" encoding="utf-8"?>
+<p:sld xmlns:a="http://schemas.openxmlformats.org/drawingml/2006/main" xmlns:r="http://schemas.openxmlformats.org/officeDocument/2006/relationships" xmlns:p="http://schemas.openxmlformats.org/presentationml/2006/main">
+  <p:cSld>
     <p:spTree>
       <p:nvGrpSpPr>
         <p:cNvPr id="1" name=""/>
@@ -5590,7 +6033,7 @@
 </p:sld>
 </file>
 
-<file path=ppt/slides/slide11.xml><?xml version="1.0" encoding="utf-8"?>
+<file path=ppt/slides/slide13.xml><?xml version="1.0" encoding="utf-8"?>
 <p:sld xmlns:a="http://schemas.openxmlformats.org/drawingml/2006/main" xmlns:r="http://schemas.openxmlformats.org/officeDocument/2006/relationships" xmlns:p="http://schemas.openxmlformats.org/presentationml/2006/main">
   <p:cSld>
     <p:spTree>
@@ -5712,7 +6155,7 @@
 </p:sld>
 </file>
 
-<file path=ppt/slides/slide12.xml><?xml version="1.0" encoding="utf-8"?>
+<file path=ppt/slides/slide14.xml><?xml version="1.0" encoding="utf-8"?>
 <p:sld xmlns:a="http://schemas.openxmlformats.org/drawingml/2006/main" xmlns:r="http://schemas.openxmlformats.org/officeDocument/2006/relationships" xmlns:p="http://schemas.openxmlformats.org/presentationml/2006/main">
   <p:cSld>
     <p:spTree>
@@ -5985,7 +6428,7 @@
 </p:sld>
 </file>
 
-<file path=ppt/slides/slide13.xml><?xml version="1.0" encoding="utf-8"?>
+<file path=ppt/slides/slide15.xml><?xml version="1.0" encoding="utf-8"?>
 <p:sld xmlns:a="http://schemas.openxmlformats.org/drawingml/2006/main" xmlns:r="http://schemas.openxmlformats.org/officeDocument/2006/relationships" xmlns:p="http://schemas.openxmlformats.org/presentationml/2006/main">
   <p:cSld>
     <p:spTree>
@@ -6083,7 +6526,7 @@
 </p:sld>
 </file>
 
-<file path=ppt/slides/slide14.xml><?xml version="1.0" encoding="utf-8"?>
+<file path=ppt/slides/slide16.xml><?xml version="1.0" encoding="utf-8"?>
 <p:sld xmlns:a="http://schemas.openxmlformats.org/drawingml/2006/main" xmlns:r="http://schemas.openxmlformats.org/officeDocument/2006/relationships" xmlns:p="http://schemas.openxmlformats.org/presentationml/2006/main">
   <p:cSld>
     <p:spTree>
@@ -6175,7 +6618,7 @@
 </p:sld>
 </file>
 
-<file path=ppt/slides/slide15.xml><?xml version="1.0" encoding="utf-8"?>
+<file path=ppt/slides/slide17.xml><?xml version="1.0" encoding="utf-8"?>
 <p:sld xmlns:a="http://schemas.openxmlformats.org/drawingml/2006/main" xmlns:r="http://schemas.openxmlformats.org/officeDocument/2006/relationships" xmlns:p="http://schemas.openxmlformats.org/presentationml/2006/main">
   <p:cSld>
     <p:spTree>
@@ -7687,7 +8130,13 @@
           <a:p>
             <a:r>
               <a:rPr lang="en-US" dirty="0"/>
-              <a:t>Dataset was standardized in order to preform machine learning</a:t>
+              <a:t>Data was stored in an SQL database.</a:t>
+            </a:r>
+          </a:p>
+          <a:p>
+            <a:r>
+              <a:rPr lang="en-US" dirty="0"/>
+              <a:t>Dataset was standardized to preform machine learning</a:t>
             </a:r>
           </a:p>
         </p:txBody>
@@ -7750,6 +8199,36 @@
           </a:p>
         </p:txBody>
       </p:sp>
+      <p:pic>
+        <p:nvPicPr>
+          <p:cNvPr id="4" name="Picture 3" descr="A graph with numbers and a number of credit problems&#10;&#10;Description automatically generated">
+            <a:extLst>
+              <a:ext uri="{FF2B5EF4-FFF2-40B4-BE49-F238E27FC236}">
+                <a16:creationId xmlns:a16="http://schemas.microsoft.com/office/drawing/2014/main" id="{955E2F9A-B510-EEA6-09EB-BFF521C2FF4E}"/>
+              </a:ext>
+            </a:extLst>
+          </p:cNvPr>
+          <p:cNvPicPr>
+            <a:picLocks noChangeAspect="1"/>
+          </p:cNvPicPr>
+          <p:nvPr/>
+        </p:nvPicPr>
+        <p:blipFill>
+          <a:blip r:embed="rId2"/>
+          <a:stretch>
+            <a:fillRect/>
+          </a:stretch>
+        </p:blipFill>
+        <p:spPr>
+          <a:xfrm>
+            <a:off x="3024306" y="2340332"/>
+            <a:ext cx="6641310" cy="4070480"/>
+          </a:xfrm>
+          <a:prstGeom prst="rect">
+            <a:avLst/>
+          </a:prstGeom>
+        </p:spPr>
+      </p:pic>
     </p:spTree>
     <p:extLst>
       <p:ext uri="{BB962C8B-B14F-4D97-AF65-F5344CB8AC3E}">
@@ -7785,6 +8264,281 @@
           <p:cNvPr id="2" name="Title 1">
             <a:extLst>
               <a:ext uri="{FF2B5EF4-FFF2-40B4-BE49-F238E27FC236}">
+                <a16:creationId xmlns:a16="http://schemas.microsoft.com/office/drawing/2014/main" id="{9D296105-EA1D-26A4-063F-CFD801846DD8}"/>
+              </a:ext>
+            </a:extLst>
+          </p:cNvPr>
+          <p:cNvSpPr>
+            <a:spLocks noGrp="1"/>
+          </p:cNvSpPr>
+          <p:nvPr>
+            <p:ph type="title"/>
+          </p:nvPr>
+        </p:nvSpPr>
+        <p:spPr/>
+        <p:txBody>
+          <a:bodyPr/>
+          <a:lstStyle/>
+          <a:p>
+            <a:r>
+              <a:rPr lang="en-US" dirty="0"/>
+              <a:t>Data Analysis</a:t>
+            </a:r>
+          </a:p>
+        </p:txBody>
+      </p:sp>
+      <p:pic>
+        <p:nvPicPr>
+          <p:cNvPr id="7" name="Picture 6" descr="A chart of a number of credit balances&#10;&#10;Description automatically generated">
+            <a:extLst>
+              <a:ext uri="{FF2B5EF4-FFF2-40B4-BE49-F238E27FC236}">
+                <a16:creationId xmlns:a16="http://schemas.microsoft.com/office/drawing/2014/main" id="{A58363F9-4491-E0C5-7C0D-720A207D10D1}"/>
+              </a:ext>
+            </a:extLst>
+          </p:cNvPr>
+          <p:cNvPicPr>
+            <a:picLocks noChangeAspect="1"/>
+          </p:cNvPicPr>
+          <p:nvPr/>
+        </p:nvPicPr>
+        <p:blipFill>
+          <a:blip r:embed="rId2"/>
+          <a:stretch>
+            <a:fillRect/>
+          </a:stretch>
+        </p:blipFill>
+        <p:spPr>
+          <a:xfrm>
+            <a:off x="2965938" y="1990844"/>
+            <a:ext cx="7052408" cy="4663688"/>
+          </a:xfrm>
+          <a:prstGeom prst="rect">
+            <a:avLst/>
+          </a:prstGeom>
+        </p:spPr>
+      </p:pic>
+    </p:spTree>
+    <p:extLst>
+      <p:ext uri="{BB962C8B-B14F-4D97-AF65-F5344CB8AC3E}">
+        <p14:creationId xmlns:p14="http://schemas.microsoft.com/office/powerpoint/2010/main" val="1604289612"/>
+      </p:ext>
+    </p:extLst>
+  </p:cSld>
+  <p:clrMapOvr>
+    <a:masterClrMapping/>
+  </p:clrMapOvr>
+</p:sld>
+</file>
+
+<file path=ppt/slides/slide7.xml><?xml version="1.0" encoding="utf-8"?>
+<p:sld xmlns:a="http://schemas.openxmlformats.org/drawingml/2006/main" xmlns:r="http://schemas.openxmlformats.org/officeDocument/2006/relationships" xmlns:p="http://schemas.openxmlformats.org/presentationml/2006/main">
+  <p:cSld>
+    <p:spTree>
+      <p:nvGrpSpPr>
+        <p:cNvPr id="1" name=""/>
+        <p:cNvGrpSpPr/>
+        <p:nvPr/>
+      </p:nvGrpSpPr>
+      <p:grpSpPr>
+        <a:xfrm>
+          <a:off x="0" y="0"/>
+          <a:ext cx="0" cy="0"/>
+          <a:chOff x="0" y="0"/>
+          <a:chExt cx="0" cy="0"/>
+        </a:xfrm>
+      </p:grpSpPr>
+      <p:sp>
+        <p:nvSpPr>
+          <p:cNvPr id="2" name="Title 1">
+            <a:extLst>
+              <a:ext uri="{FF2B5EF4-FFF2-40B4-BE49-F238E27FC236}">
+                <a16:creationId xmlns:a16="http://schemas.microsoft.com/office/drawing/2014/main" id="{9D296105-EA1D-26A4-063F-CFD801846DD8}"/>
+              </a:ext>
+            </a:extLst>
+          </p:cNvPr>
+          <p:cNvSpPr>
+            <a:spLocks noGrp="1"/>
+          </p:cNvSpPr>
+          <p:nvPr>
+            <p:ph type="title"/>
+          </p:nvPr>
+        </p:nvSpPr>
+        <p:spPr/>
+        <p:txBody>
+          <a:bodyPr/>
+          <a:lstStyle/>
+          <a:p>
+            <a:r>
+              <a:rPr lang="en-US" dirty="0"/>
+              <a:t>Data Analysis</a:t>
+            </a:r>
+          </a:p>
+        </p:txBody>
+      </p:sp>
+      <p:pic>
+        <p:nvPicPr>
+          <p:cNvPr id="5" name="Content Placeholder 4" descr="A graph of a number of different colored bars&#10;&#10;Description automatically generated with medium confidence">
+            <a:extLst>
+              <a:ext uri="{FF2B5EF4-FFF2-40B4-BE49-F238E27FC236}">
+                <a16:creationId xmlns:a16="http://schemas.microsoft.com/office/drawing/2014/main" id="{DFEC8B43-D6B2-8E67-AAEC-D5069C67BB0E}"/>
+              </a:ext>
+            </a:extLst>
+          </p:cNvPr>
+          <p:cNvPicPr>
+            <a:picLocks noGrp="1" noChangeAspect="1"/>
+          </p:cNvPicPr>
+          <p:nvPr>
+            <p:ph idx="1"/>
+          </p:nvPr>
+        </p:nvPicPr>
+        <p:blipFill>
+          <a:blip r:embed="rId2"/>
+          <a:stretch>
+            <a:fillRect/>
+          </a:stretch>
+        </p:blipFill>
+        <p:spPr>
+          <a:xfrm>
+            <a:off x="810000" y="2445238"/>
+            <a:ext cx="4985817" cy="3636963"/>
+          </a:xfrm>
+        </p:spPr>
+      </p:pic>
+      <p:pic>
+        <p:nvPicPr>
+          <p:cNvPr id="7" name="Picture 6" descr="A graph of a number of different colored bars&#10;&#10;Description automatically generated with medium confidence">
+            <a:extLst>
+              <a:ext uri="{FF2B5EF4-FFF2-40B4-BE49-F238E27FC236}">
+                <a16:creationId xmlns:a16="http://schemas.microsoft.com/office/drawing/2014/main" id="{F7928BF7-A648-FD71-70E1-007F901DC664}"/>
+              </a:ext>
+            </a:extLst>
+          </p:cNvPr>
+          <p:cNvPicPr>
+            <a:picLocks noChangeAspect="1"/>
+          </p:cNvPicPr>
+          <p:nvPr/>
+        </p:nvPicPr>
+        <p:blipFill>
+          <a:blip r:embed="rId3"/>
+          <a:stretch>
+            <a:fillRect/>
+          </a:stretch>
+        </p:blipFill>
+        <p:spPr>
+          <a:xfrm>
+            <a:off x="6396181" y="2445238"/>
+            <a:ext cx="4985817" cy="3607057"/>
+          </a:xfrm>
+          <a:prstGeom prst="rect">
+            <a:avLst/>
+          </a:prstGeom>
+        </p:spPr>
+      </p:pic>
+      <p:sp>
+        <p:nvSpPr>
+          <p:cNvPr id="8" name="TextBox 7">
+            <a:extLst>
+              <a:ext uri="{FF2B5EF4-FFF2-40B4-BE49-F238E27FC236}">
+                <a16:creationId xmlns:a16="http://schemas.microsoft.com/office/drawing/2014/main" id="{BC66E01A-DE14-9AE1-94C5-655A1C8432BF}"/>
+              </a:ext>
+            </a:extLst>
+          </p:cNvPr>
+          <p:cNvSpPr txBox="1"/>
+          <p:nvPr/>
+        </p:nvSpPr>
+        <p:spPr>
+          <a:xfrm>
+            <a:off x="8042033" y="2075906"/>
+            <a:ext cx="1793629" cy="369332"/>
+          </a:xfrm>
+          <a:prstGeom prst="rect">
+            <a:avLst/>
+          </a:prstGeom>
+          <a:noFill/>
+        </p:spPr>
+        <p:txBody>
+          <a:bodyPr wrap="square" rtlCol="0">
+            <a:spAutoFit/>
+          </a:bodyPr>
+          <a:lstStyle/>
+          <a:p>
+            <a:r>
+              <a:rPr lang="en-US" dirty="0"/>
+              <a:t>Not Bankrupt</a:t>
+            </a:r>
+          </a:p>
+        </p:txBody>
+      </p:sp>
+      <p:sp>
+        <p:nvSpPr>
+          <p:cNvPr id="9" name="TextBox 8">
+            <a:extLst>
+              <a:ext uri="{FF2B5EF4-FFF2-40B4-BE49-F238E27FC236}">
+                <a16:creationId xmlns:a16="http://schemas.microsoft.com/office/drawing/2014/main" id="{C2A7458F-701D-AA12-D2B6-B54E87912B5C}"/>
+              </a:ext>
+            </a:extLst>
+          </p:cNvPr>
+          <p:cNvSpPr txBox="1"/>
+          <p:nvPr/>
+        </p:nvSpPr>
+        <p:spPr>
+          <a:xfrm>
+            <a:off x="2523323" y="2088550"/>
+            <a:ext cx="1559169" cy="369332"/>
+          </a:xfrm>
+          <a:prstGeom prst="rect">
+            <a:avLst/>
+          </a:prstGeom>
+          <a:noFill/>
+        </p:spPr>
+        <p:txBody>
+          <a:bodyPr wrap="square" rtlCol="0">
+            <a:spAutoFit/>
+          </a:bodyPr>
+          <a:lstStyle/>
+          <a:p>
+            <a:r>
+              <a:rPr lang="en-US" dirty="0"/>
+              <a:t>Bankrupt</a:t>
+            </a:r>
+          </a:p>
+        </p:txBody>
+      </p:sp>
+    </p:spTree>
+    <p:extLst>
+      <p:ext uri="{BB962C8B-B14F-4D97-AF65-F5344CB8AC3E}">
+        <p14:creationId xmlns:p14="http://schemas.microsoft.com/office/powerpoint/2010/main" val="1218115371"/>
+      </p:ext>
+    </p:extLst>
+  </p:cSld>
+  <p:clrMapOvr>
+    <a:masterClrMapping/>
+  </p:clrMapOvr>
+</p:sld>
+</file>
+
+<file path=ppt/slides/slide8.xml><?xml version="1.0" encoding="utf-8"?>
+<p:sld xmlns:a="http://schemas.openxmlformats.org/drawingml/2006/main" xmlns:r="http://schemas.openxmlformats.org/officeDocument/2006/relationships" xmlns:p="http://schemas.openxmlformats.org/presentationml/2006/main">
+  <p:cSld>
+    <p:spTree>
+      <p:nvGrpSpPr>
+        <p:cNvPr id="1" name=""/>
+        <p:cNvGrpSpPr/>
+        <p:nvPr/>
+      </p:nvGrpSpPr>
+      <p:grpSpPr>
+        <a:xfrm>
+          <a:off x="0" y="0"/>
+          <a:ext cx="0" cy="0"/>
+          <a:chOff x="0" y="0"/>
+          <a:chExt cx="0" cy="0"/>
+        </a:xfrm>
+      </p:grpSpPr>
+      <p:sp>
+        <p:nvSpPr>
+          <p:cNvPr id="2" name="Title 1">
+            <a:extLst>
+              <a:ext uri="{FF2B5EF4-FFF2-40B4-BE49-F238E27FC236}">
                 <a16:creationId xmlns:a16="http://schemas.microsoft.com/office/drawing/2014/main" id="{677E64E2-7B93-87DE-DE8B-C23B1CA0A765}"/>
               </a:ext>
             </a:extLst>
@@ -7968,7 +8722,7 @@
 </p:sld>
 </file>
 
-<file path=ppt/slides/slide7.xml><?xml version="1.0" encoding="utf-8"?>
+<file path=ppt/slides/slide9.xml><?xml version="1.0" encoding="utf-8"?>
 <p:sld xmlns:a="http://schemas.openxmlformats.org/drawingml/2006/main" xmlns:r="http://schemas.openxmlformats.org/officeDocument/2006/relationships" xmlns:p="http://schemas.openxmlformats.org/presentationml/2006/main">
   <p:cSld>
     <p:spTree>
@@ -8222,447 +8976,6 @@
     <p:extLst>
       <p:ext uri="{BB962C8B-B14F-4D97-AF65-F5344CB8AC3E}">
         <p14:creationId xmlns:p14="http://schemas.microsoft.com/office/powerpoint/2010/main" val="3363612074"/>
-      </p:ext>
-    </p:extLst>
-  </p:cSld>
-  <p:clrMapOvr>
-    <a:masterClrMapping/>
-  </p:clrMapOvr>
-</p:sld>
-</file>
-
-<file path=ppt/slides/slide8.xml><?xml version="1.0" encoding="utf-8"?>
-<p:sld xmlns:a="http://schemas.openxmlformats.org/drawingml/2006/main" xmlns:r="http://schemas.openxmlformats.org/officeDocument/2006/relationships" xmlns:p="http://schemas.openxmlformats.org/presentationml/2006/main">
-  <p:cSld>
-    <p:bg>
-      <p:bgRef idx="1001">
-        <a:schemeClr val="bg2"/>
-      </p:bgRef>
-    </p:bg>
-    <p:spTree>
-      <p:nvGrpSpPr>
-        <p:cNvPr id="1" name=""/>
-        <p:cNvGrpSpPr/>
-        <p:nvPr/>
-      </p:nvGrpSpPr>
-      <p:grpSpPr>
-        <a:xfrm>
-          <a:off x="0" y="0"/>
-          <a:ext cx="0" cy="0"/>
-          <a:chOff x="0" y="0"/>
-          <a:chExt cx="0" cy="0"/>
-        </a:xfrm>
-      </p:grpSpPr>
-      <p:sp>
-        <p:nvSpPr>
-          <p:cNvPr id="2" name="Title 1">
-            <a:extLst>
-              <a:ext uri="{FF2B5EF4-FFF2-40B4-BE49-F238E27FC236}">
-                <a16:creationId xmlns:a16="http://schemas.microsoft.com/office/drawing/2014/main" id="{9C618366-6964-FCB3-8DB9-72FCACFF7A77}"/>
-              </a:ext>
-            </a:extLst>
-          </p:cNvPr>
-          <p:cNvSpPr>
-            <a:spLocks noGrp="1"/>
-          </p:cNvSpPr>
-          <p:nvPr>
-            <p:ph type="title"/>
-          </p:nvPr>
-        </p:nvSpPr>
-        <p:spPr/>
-        <p:txBody>
-          <a:bodyPr/>
-          <a:lstStyle/>
-          <a:p>
-            <a:r>
-              <a:rPr lang="en-US" dirty="0"/>
-              <a:t>Random Forest (Chosen Model)</a:t>
-            </a:r>
-          </a:p>
-        </p:txBody>
-      </p:sp>
-      <p:sp>
-        <p:nvSpPr>
-          <p:cNvPr id="3" name="Content Placeholder 2">
-            <a:extLst>
-              <a:ext uri="{FF2B5EF4-FFF2-40B4-BE49-F238E27FC236}">
-                <a16:creationId xmlns:a16="http://schemas.microsoft.com/office/drawing/2014/main" id="{94210B45-3FD9-F737-C9AB-38566309967A}"/>
-              </a:ext>
-            </a:extLst>
-          </p:cNvPr>
-          <p:cNvSpPr>
-            <a:spLocks noGrp="1"/>
-          </p:cNvSpPr>
-          <p:nvPr>
-            <p:ph idx="1"/>
-          </p:nvPr>
-        </p:nvSpPr>
-        <p:spPr>
-          <a:xfrm>
-            <a:off x="827424" y="1610744"/>
-            <a:ext cx="10554574" cy="3636511"/>
-          </a:xfrm>
-        </p:spPr>
-        <p:txBody>
-          <a:bodyPr/>
-          <a:lstStyle/>
-          <a:p>
-            <a:r>
-              <a:rPr lang="en-AU" b="0" i="0" u="none" strike="noStrike" dirty="0">
-                <a:solidFill>
-                  <a:srgbClr val="D1D5DB"/>
-                </a:solidFill>
-                <a:effectLst/>
-              </a:rPr>
-              <a:t>Random Forest is an ensemble learning method commonly used for classification, regression, and other machine learning tasks. It belongs to the family of tree-based models and is known for its high accuracy, robustness, and versatility.</a:t>
-            </a:r>
-            <a:endParaRPr lang="en-US" b="0" i="0" u="none" strike="noStrike" dirty="0">
-              <a:solidFill>
-                <a:srgbClr val="D1D5DB"/>
-              </a:solidFill>
-              <a:effectLst/>
-            </a:endParaRPr>
-          </a:p>
-          <a:p>
-            <a:r>
-              <a:rPr lang="en-US" dirty="0">
-                <a:solidFill>
-                  <a:srgbClr val="D1D5DB"/>
-                </a:solidFill>
-              </a:rPr>
-              <a:t>Optimization: The model was optimized by altering the number of trees, tree depth and feature importance.</a:t>
-            </a:r>
-            <a:endParaRPr lang="en-US" dirty="0"/>
-          </a:p>
-        </p:txBody>
-      </p:sp>
-      <p:pic>
-        <p:nvPicPr>
-          <p:cNvPr id="4" name="Content Placeholder 10" descr="A graph with green and white text&#10;&#10;Description automatically generated">
-            <a:extLst>
-              <a:ext uri="{FF2B5EF4-FFF2-40B4-BE49-F238E27FC236}">
-                <a16:creationId xmlns:a16="http://schemas.microsoft.com/office/drawing/2014/main" id="{752B1E7F-5B16-CCAC-D1C8-F9B5B19D3906}"/>
-              </a:ext>
-            </a:extLst>
-          </p:cNvPr>
-          <p:cNvPicPr>
-            <a:picLocks noChangeAspect="1"/>
-          </p:cNvPicPr>
-          <p:nvPr/>
-        </p:nvPicPr>
-        <p:blipFill>
-          <a:blip r:embed="rId3"/>
-          <a:stretch>
-            <a:fillRect/>
-          </a:stretch>
-        </p:blipFill>
-        <p:spPr>
-          <a:xfrm>
-            <a:off x="3612995" y="4376500"/>
-            <a:ext cx="4333723" cy="2313091"/>
-          </a:xfrm>
-          <a:prstGeom prst="rect">
-            <a:avLst/>
-          </a:prstGeom>
-          <a:effectLst>
-            <a:outerShdw blurRad="50800" dir="14400000">
-              <a:srgbClr val="000000">
-                <a:alpha val="40000"/>
-              </a:srgbClr>
-            </a:outerShdw>
-          </a:effectLst>
-        </p:spPr>
-      </p:pic>
-    </p:spTree>
-    <p:extLst>
-      <p:ext uri="{BB962C8B-B14F-4D97-AF65-F5344CB8AC3E}">
-        <p14:creationId xmlns:p14="http://schemas.microsoft.com/office/powerpoint/2010/main" val="4146931069"/>
-      </p:ext>
-    </p:extLst>
-  </p:cSld>
-  <p:clrMapOvr>
-    <a:overrideClrMapping bg1="dk1" tx1="lt1" bg2="dk2" tx2="lt2" accent1="accent1" accent2="accent2" accent3="accent3" accent4="accent4" accent5="accent5" accent6="accent6" hlink="hlink" folHlink="folHlink"/>
-  </p:clrMapOvr>
-</p:sld>
-</file>
-
-<file path=ppt/slides/slide9.xml><?xml version="1.0" encoding="utf-8"?>
-<p:sld xmlns:a="http://schemas.openxmlformats.org/drawingml/2006/main" xmlns:r="http://schemas.openxmlformats.org/officeDocument/2006/relationships" xmlns:p="http://schemas.openxmlformats.org/presentationml/2006/main">
-  <p:cSld>
-    <p:spTree>
-      <p:nvGrpSpPr>
-        <p:cNvPr id="1" name=""/>
-        <p:cNvGrpSpPr/>
-        <p:nvPr/>
-      </p:nvGrpSpPr>
-      <p:grpSpPr>
-        <a:xfrm>
-          <a:off x="0" y="0"/>
-          <a:ext cx="0" cy="0"/>
-          <a:chOff x="0" y="0"/>
-          <a:chExt cx="0" cy="0"/>
-        </a:xfrm>
-      </p:grpSpPr>
-      <p:sp>
-        <p:nvSpPr>
-          <p:cNvPr id="2" name="Title 1">
-            <a:extLst>
-              <a:ext uri="{FF2B5EF4-FFF2-40B4-BE49-F238E27FC236}">
-                <a16:creationId xmlns:a16="http://schemas.microsoft.com/office/drawing/2014/main" id="{9C618366-6964-FCB3-8DB9-72FCACFF7A77}"/>
-              </a:ext>
-            </a:extLst>
-          </p:cNvPr>
-          <p:cNvSpPr>
-            <a:spLocks noGrp="1"/>
-          </p:cNvSpPr>
-          <p:nvPr>
-            <p:ph type="title"/>
-          </p:nvPr>
-        </p:nvSpPr>
-        <p:spPr/>
-        <p:txBody>
-          <a:bodyPr/>
-          <a:lstStyle/>
-          <a:p>
-            <a:r>
-              <a:rPr lang="en-US" dirty="0"/>
-              <a:t>Random Forest - Results</a:t>
-            </a:r>
-          </a:p>
-        </p:txBody>
-      </p:sp>
-      <p:pic>
-        <p:nvPicPr>
-          <p:cNvPr id="6" name="Content Placeholder 5" descr="A screenshot of a computer screen&#10;&#10;Description automatically generated">
-            <a:extLst>
-              <a:ext uri="{FF2B5EF4-FFF2-40B4-BE49-F238E27FC236}">
-                <a16:creationId xmlns:a16="http://schemas.microsoft.com/office/drawing/2014/main" id="{990ECD87-291B-9057-1BE5-E720AEAFAA10}"/>
-              </a:ext>
-            </a:extLst>
-          </p:cNvPr>
-          <p:cNvPicPr>
-            <a:picLocks noGrp="1" noChangeAspect="1"/>
-          </p:cNvPicPr>
-          <p:nvPr>
-            <p:ph idx="1"/>
-          </p:nvPr>
-        </p:nvPicPr>
-        <p:blipFill>
-          <a:blip r:embed="rId2"/>
-          <a:stretch>
-            <a:fillRect/>
-          </a:stretch>
-        </p:blipFill>
-        <p:spPr>
-          <a:xfrm>
-            <a:off x="810000" y="2415113"/>
-            <a:ext cx="5325993" cy="3636963"/>
-          </a:xfrm>
-        </p:spPr>
-      </p:pic>
-      <p:graphicFrame>
-        <p:nvGraphicFramePr>
-          <p:cNvPr id="8" name="Table 7">
-            <a:extLst>
-              <a:ext uri="{FF2B5EF4-FFF2-40B4-BE49-F238E27FC236}">
-                <a16:creationId xmlns:a16="http://schemas.microsoft.com/office/drawing/2014/main" id="{35DACCFB-3F34-EEE0-926D-94F6822E2182}"/>
-              </a:ext>
-            </a:extLst>
-          </p:cNvPr>
-          <p:cNvGraphicFramePr>
-            <a:graphicFrameLocks noGrp="1"/>
-          </p:cNvGraphicFramePr>
-          <p:nvPr>
-            <p:extLst>
-              <p:ext uri="{D42A27DB-BD31-4B8C-83A1-F6EECF244321}">
-                <p14:modId xmlns:p14="http://schemas.microsoft.com/office/powerpoint/2010/main" val="3479332403"/>
-              </p:ext>
-            </p:extLst>
-          </p:nvPr>
-        </p:nvGraphicFramePr>
-        <p:xfrm>
-          <a:off x="6608618" y="2901757"/>
-          <a:ext cx="5494482" cy="2021764"/>
-        </p:xfrm>
-        <a:graphic>
-          <a:graphicData uri="http://schemas.openxmlformats.org/drawingml/2006/table">
-            <a:tbl>
-              <a:tblPr firstRow="1" bandRow="1">
-                <a:tableStyleId>{5C22544A-7EE6-4342-B048-85BDC9FD1C3A}</a:tableStyleId>
-              </a:tblPr>
-              <a:tblGrid>
-                <a:gridCol w="2747241">
-                  <a:extLst>
-                    <a:ext uri="{9D8B030D-6E8A-4147-A177-3AD203B41FA5}">
-                      <a16:colId xmlns:a16="http://schemas.microsoft.com/office/drawing/2014/main" val="224807079"/>
-                    </a:ext>
-                  </a:extLst>
-                </a:gridCol>
-                <a:gridCol w="2747241">
-                  <a:extLst>
-                    <a:ext uri="{9D8B030D-6E8A-4147-A177-3AD203B41FA5}">
-                      <a16:colId xmlns:a16="http://schemas.microsoft.com/office/drawing/2014/main" val="3928674221"/>
-                    </a:ext>
-                  </a:extLst>
-                </a:gridCol>
-              </a:tblGrid>
-              <a:tr h="370802">
-                <a:tc>
-                  <a:txBody>
-                    <a:bodyPr/>
-                    <a:lstStyle/>
-                    <a:p>
-                      <a:r>
-                        <a:rPr lang="en-US" dirty="0"/>
-                        <a:t>Model Run</a:t>
-                      </a:r>
-                    </a:p>
-                  </a:txBody>
-                  <a:tcPr/>
-                </a:tc>
-                <a:tc>
-                  <a:txBody>
-                    <a:bodyPr/>
-                    <a:lstStyle/>
-                    <a:p>
-                      <a:r>
-                        <a:rPr lang="en-US" dirty="0"/>
-                        <a:t>Accuracy Score</a:t>
-                      </a:r>
-                    </a:p>
-                  </a:txBody>
-                  <a:tcPr/>
-                </a:tc>
-                <a:extLst>
-                  <a:ext uri="{0D108BD9-81ED-4DB2-BD59-A6C34878D82A}">
-                    <a16:rowId xmlns:a16="http://schemas.microsoft.com/office/drawing/2014/main" val="4040800695"/>
-                  </a:ext>
-                </a:extLst>
-              </a:tr>
-              <a:tr h="370802">
-                <a:tc>
-                  <a:txBody>
-                    <a:bodyPr/>
-                    <a:lstStyle/>
-                    <a:p>
-                      <a:r>
-                        <a:rPr lang="en-US" dirty="0"/>
-                        <a:t>Initial Model</a:t>
-                      </a:r>
-                    </a:p>
-                  </a:txBody>
-                  <a:tcPr/>
-                </a:tc>
-                <a:tc>
-                  <a:txBody>
-                    <a:bodyPr/>
-                    <a:lstStyle/>
-                    <a:p>
-                      <a:r>
-                        <a:rPr lang="en-US" dirty="0"/>
-                        <a:t>0.9794</a:t>
-                      </a:r>
-                    </a:p>
-                  </a:txBody>
-                  <a:tcPr/>
-                </a:tc>
-                <a:extLst>
-                  <a:ext uri="{0D108BD9-81ED-4DB2-BD59-A6C34878D82A}">
-                    <a16:rowId xmlns:a16="http://schemas.microsoft.com/office/drawing/2014/main" val="1216322091"/>
-                  </a:ext>
-                </a:extLst>
-              </a:tr>
-              <a:tr h="370802">
-                <a:tc>
-                  <a:txBody>
-                    <a:bodyPr/>
-                    <a:lstStyle/>
-                    <a:p>
-                      <a:r>
-                        <a:rPr lang="en-US" dirty="0"/>
-                        <a:t>Optimization 1 – estimators</a:t>
-                      </a:r>
-                    </a:p>
-                  </a:txBody>
-                  <a:tcPr/>
-                </a:tc>
-                <a:tc>
-                  <a:txBody>
-                    <a:bodyPr/>
-                    <a:lstStyle/>
-                    <a:p>
-                      <a:r>
-                        <a:rPr lang="en-US" dirty="0"/>
-                        <a:t>0.9792</a:t>
-                      </a:r>
-                    </a:p>
-                  </a:txBody>
-                  <a:tcPr/>
-                </a:tc>
-                <a:extLst>
-                  <a:ext uri="{0D108BD9-81ED-4DB2-BD59-A6C34878D82A}">
-                    <a16:rowId xmlns:a16="http://schemas.microsoft.com/office/drawing/2014/main" val="1248210420"/>
-                  </a:ext>
-                </a:extLst>
-              </a:tr>
-              <a:tr h="370802">
-                <a:tc>
-                  <a:txBody>
-                    <a:bodyPr/>
-                    <a:lstStyle/>
-                    <a:p>
-                      <a:pPr marL="0" marR="0" lvl="0" indent="0" algn="l" defTabSz="457200" rtl="0" eaLnBrk="1" fontAlgn="auto" latinLnBrk="0" hangingPunct="1">
-                        <a:lnSpc>
-                          <a:spcPct val="100000"/>
-                        </a:lnSpc>
-                        <a:spcBef>
-                          <a:spcPts val="0"/>
-                        </a:spcBef>
-                        <a:spcAft>
-                          <a:spcPts val="0"/>
-                        </a:spcAft>
-                        <a:buClrTx/>
-                        <a:buSzTx/>
-                        <a:buFontTx/>
-                        <a:buNone/>
-                        <a:tabLst/>
-                        <a:defRPr/>
-                      </a:pPr>
-                      <a:r>
-                        <a:rPr lang="en-US" dirty="0"/>
-                        <a:t>Optimization 2 – class weight adjustment</a:t>
-                      </a:r>
-                    </a:p>
-                  </a:txBody>
-                  <a:tcPr/>
-                </a:tc>
-                <a:tc>
-                  <a:txBody>
-                    <a:bodyPr/>
-                    <a:lstStyle/>
-                    <a:p>
-                      <a:r>
-                        <a:rPr lang="en-US" dirty="0"/>
-                        <a:t>0.9794</a:t>
-                      </a:r>
-                    </a:p>
-                  </a:txBody>
-                  <a:tcPr/>
-                </a:tc>
-                <a:extLst>
-                  <a:ext uri="{0D108BD9-81ED-4DB2-BD59-A6C34878D82A}">
-                    <a16:rowId xmlns:a16="http://schemas.microsoft.com/office/drawing/2014/main" val="3559769383"/>
-                  </a:ext>
-                </a:extLst>
-              </a:tr>
-            </a:tbl>
-          </a:graphicData>
-        </a:graphic>
-      </p:graphicFrame>
-    </p:spTree>
-    <p:extLst>
-      <p:ext uri="{BB962C8B-B14F-4D97-AF65-F5344CB8AC3E}">
-        <p14:creationId xmlns:p14="http://schemas.microsoft.com/office/powerpoint/2010/main" val="2629098367"/>
       </p:ext>
     </p:extLst>
   </p:cSld>
